--- a/8-SQL-TCL_-_Transaction.pptx
+++ b/8-SQL-TCL_-_Transaction.pptx
@@ -12,9 +12,21 @@
     <p:sldId id="290" r:id="rId6"/>
     <p:sldId id="289" r:id="rId7"/>
     <p:sldId id="292" r:id="rId8"/>
-    <p:sldId id="296" r:id="rId9"/>
-    <p:sldId id="294" r:id="rId10"/>
-    <p:sldId id="295" r:id="rId11"/>
+    <p:sldId id="297" r:id="rId9"/>
+    <p:sldId id="298" r:id="rId10"/>
+    <p:sldId id="299" r:id="rId11"/>
+    <p:sldId id="300" r:id="rId12"/>
+    <p:sldId id="301" r:id="rId13"/>
+    <p:sldId id="302" r:id="rId14"/>
+    <p:sldId id="303" r:id="rId15"/>
+    <p:sldId id="304" r:id="rId16"/>
+    <p:sldId id="305" r:id="rId17"/>
+    <p:sldId id="306" r:id="rId18"/>
+    <p:sldId id="307" r:id="rId19"/>
+    <p:sldId id="308" r:id="rId20"/>
+    <p:sldId id="296" r:id="rId21"/>
+    <p:sldId id="294" r:id="rId22"/>
+    <p:sldId id="295" r:id="rId23"/>
   </p:sldIdLst>
   <p:sldSz cx="12192000" cy="6858000"/>
   <p:notesSz cx="6858000" cy="9144000"/>
@@ -132,6 +144,3654 @@
 </p:presentation>
 </file>
 
+<file path=ppt/diagrams/colors1.xml><?xml version="1.0" encoding="utf-8"?>
+<dgm:colorsDef xmlns:dgm="http://schemas.openxmlformats.org/drawingml/2006/diagram" xmlns:a="http://schemas.openxmlformats.org/drawingml/2006/main" uniqueId="urn:microsoft.com/office/officeart/2005/8/colors/accent1_2">
+  <dgm:title val=""/>
+  <dgm:desc val=""/>
+  <dgm:catLst>
+    <dgm:cat type="accent1" pri="11200"/>
+  </dgm:catLst>
+  <dgm:styleLbl name="node0">
+    <dgm:fillClrLst meth="repeat">
+      <a:schemeClr val="accent1"/>
+    </dgm:fillClrLst>
+    <dgm:linClrLst meth="repeat">
+      <a:schemeClr val="lt1"/>
+    </dgm:linClrLst>
+    <dgm:effectClrLst/>
+    <dgm:txLinClrLst/>
+    <dgm:txFillClrLst/>
+    <dgm:txEffectClrLst/>
+  </dgm:styleLbl>
+  <dgm:styleLbl name="alignNode1">
+    <dgm:fillClrLst meth="repeat">
+      <a:schemeClr val="accent1"/>
+    </dgm:fillClrLst>
+    <dgm:linClrLst meth="repeat">
+      <a:schemeClr val="accent1"/>
+    </dgm:linClrLst>
+    <dgm:effectClrLst/>
+    <dgm:txLinClrLst/>
+    <dgm:txFillClrLst/>
+    <dgm:txEffectClrLst/>
+  </dgm:styleLbl>
+  <dgm:styleLbl name="node1">
+    <dgm:fillClrLst meth="repeat">
+      <a:schemeClr val="accent1"/>
+    </dgm:fillClrLst>
+    <dgm:linClrLst meth="repeat">
+      <a:schemeClr val="lt1"/>
+    </dgm:linClrLst>
+    <dgm:effectClrLst/>
+    <dgm:txLinClrLst/>
+    <dgm:txFillClrLst/>
+    <dgm:txEffectClrLst/>
+  </dgm:styleLbl>
+  <dgm:styleLbl name="lnNode1">
+    <dgm:fillClrLst meth="repeat">
+      <a:schemeClr val="accent1"/>
+    </dgm:fillClrLst>
+    <dgm:linClrLst meth="repeat">
+      <a:schemeClr val="lt1"/>
+    </dgm:linClrLst>
+    <dgm:effectClrLst/>
+    <dgm:txLinClrLst/>
+    <dgm:txFillClrLst/>
+    <dgm:txEffectClrLst/>
+  </dgm:styleLbl>
+  <dgm:styleLbl name="vennNode1">
+    <dgm:fillClrLst meth="repeat">
+      <a:schemeClr val="accent1">
+        <a:alpha val="50000"/>
+      </a:schemeClr>
+    </dgm:fillClrLst>
+    <dgm:linClrLst meth="repeat">
+      <a:schemeClr val="lt1"/>
+    </dgm:linClrLst>
+    <dgm:effectClrLst/>
+    <dgm:txLinClrLst/>
+    <dgm:txFillClrLst/>
+    <dgm:txEffectClrLst/>
+  </dgm:styleLbl>
+  <dgm:styleLbl name="node2">
+    <dgm:fillClrLst meth="repeat">
+      <a:schemeClr val="accent1"/>
+    </dgm:fillClrLst>
+    <dgm:linClrLst meth="repeat">
+      <a:schemeClr val="lt1"/>
+    </dgm:linClrLst>
+    <dgm:effectClrLst/>
+    <dgm:txLinClrLst/>
+    <dgm:txFillClrLst/>
+    <dgm:txEffectClrLst/>
+  </dgm:styleLbl>
+  <dgm:styleLbl name="node3">
+    <dgm:fillClrLst meth="repeat">
+      <a:schemeClr val="accent1"/>
+    </dgm:fillClrLst>
+    <dgm:linClrLst meth="repeat">
+      <a:schemeClr val="lt1"/>
+    </dgm:linClrLst>
+    <dgm:effectClrLst/>
+    <dgm:txLinClrLst/>
+    <dgm:txFillClrLst/>
+    <dgm:txEffectClrLst/>
+  </dgm:styleLbl>
+  <dgm:styleLbl name="node4">
+    <dgm:fillClrLst meth="repeat">
+      <a:schemeClr val="accent1"/>
+    </dgm:fillClrLst>
+    <dgm:linClrLst meth="repeat">
+      <a:schemeClr val="lt1"/>
+    </dgm:linClrLst>
+    <dgm:effectClrLst/>
+    <dgm:txLinClrLst/>
+    <dgm:txFillClrLst/>
+    <dgm:txEffectClrLst/>
+  </dgm:styleLbl>
+  <dgm:styleLbl name="fgImgPlace1">
+    <dgm:fillClrLst meth="repeat">
+      <a:schemeClr val="accent1">
+        <a:tint val="50000"/>
+      </a:schemeClr>
+    </dgm:fillClrLst>
+    <dgm:linClrLst meth="repeat">
+      <a:schemeClr val="lt1"/>
+    </dgm:linClrLst>
+    <dgm:effectClrLst/>
+    <dgm:txLinClrLst/>
+    <dgm:txFillClrLst meth="repeat">
+      <a:schemeClr val="lt1"/>
+    </dgm:txFillClrLst>
+    <dgm:txEffectClrLst/>
+  </dgm:styleLbl>
+  <dgm:styleLbl name="alignImgPlace1">
+    <dgm:fillClrLst meth="repeat">
+      <a:schemeClr val="accent1">
+        <a:tint val="50000"/>
+      </a:schemeClr>
+    </dgm:fillClrLst>
+    <dgm:linClrLst meth="repeat">
+      <a:schemeClr val="lt1"/>
+    </dgm:linClrLst>
+    <dgm:effectClrLst/>
+    <dgm:txLinClrLst/>
+    <dgm:txFillClrLst meth="repeat">
+      <a:schemeClr val="lt1"/>
+    </dgm:txFillClrLst>
+    <dgm:txEffectClrLst/>
+  </dgm:styleLbl>
+  <dgm:styleLbl name="bgImgPlace1">
+    <dgm:fillClrLst meth="repeat">
+      <a:schemeClr val="accent1">
+        <a:tint val="50000"/>
+      </a:schemeClr>
+    </dgm:fillClrLst>
+    <dgm:linClrLst meth="repeat">
+      <a:schemeClr val="lt1"/>
+    </dgm:linClrLst>
+    <dgm:effectClrLst/>
+    <dgm:txLinClrLst/>
+    <dgm:txFillClrLst meth="repeat">
+      <a:schemeClr val="lt1"/>
+    </dgm:txFillClrLst>
+    <dgm:txEffectClrLst/>
+  </dgm:styleLbl>
+  <dgm:styleLbl name="sibTrans2D1">
+    <dgm:fillClrLst meth="repeat">
+      <a:schemeClr val="accent1">
+        <a:tint val="60000"/>
+      </a:schemeClr>
+    </dgm:fillClrLst>
+    <dgm:linClrLst meth="repeat">
+      <a:schemeClr val="accent1">
+        <a:tint val="60000"/>
+      </a:schemeClr>
+    </dgm:linClrLst>
+    <dgm:effectClrLst/>
+    <dgm:txLinClrLst/>
+    <dgm:txFillClrLst/>
+    <dgm:txEffectClrLst/>
+  </dgm:styleLbl>
+  <dgm:styleLbl name="fgSibTrans2D1">
+    <dgm:fillClrLst meth="repeat">
+      <a:schemeClr val="accent1">
+        <a:tint val="60000"/>
+      </a:schemeClr>
+    </dgm:fillClrLst>
+    <dgm:linClrLst meth="repeat">
+      <a:schemeClr val="accent1">
+        <a:tint val="60000"/>
+      </a:schemeClr>
+    </dgm:linClrLst>
+    <dgm:effectClrLst/>
+    <dgm:txLinClrLst/>
+    <dgm:txFillClrLst/>
+    <dgm:txEffectClrLst/>
+  </dgm:styleLbl>
+  <dgm:styleLbl name="bgSibTrans2D1">
+    <dgm:fillClrLst meth="repeat">
+      <a:schemeClr val="accent1">
+        <a:tint val="60000"/>
+      </a:schemeClr>
+    </dgm:fillClrLst>
+    <dgm:linClrLst meth="repeat">
+      <a:schemeClr val="accent1">
+        <a:tint val="60000"/>
+      </a:schemeClr>
+    </dgm:linClrLst>
+    <dgm:effectClrLst/>
+    <dgm:txLinClrLst/>
+    <dgm:txFillClrLst/>
+    <dgm:txEffectClrLst/>
+  </dgm:styleLbl>
+  <dgm:styleLbl name="sibTrans1D1">
+    <dgm:fillClrLst meth="repeat">
+      <a:schemeClr val="accent1"/>
+    </dgm:fillClrLst>
+    <dgm:linClrLst meth="repeat">
+      <a:schemeClr val="accent1"/>
+    </dgm:linClrLst>
+    <dgm:effectClrLst/>
+    <dgm:txLinClrLst/>
+    <dgm:txFillClrLst meth="repeat">
+      <a:schemeClr val="tx1"/>
+    </dgm:txFillClrLst>
+    <dgm:txEffectClrLst/>
+  </dgm:styleLbl>
+  <dgm:styleLbl name="callout">
+    <dgm:fillClrLst meth="repeat">
+      <a:schemeClr val="accent1"/>
+    </dgm:fillClrLst>
+    <dgm:linClrLst meth="repeat">
+      <a:schemeClr val="accent1">
+        <a:tint val="50000"/>
+      </a:schemeClr>
+    </dgm:linClrLst>
+    <dgm:effectClrLst/>
+    <dgm:txLinClrLst/>
+    <dgm:txFillClrLst meth="repeat">
+      <a:schemeClr val="tx1"/>
+    </dgm:txFillClrLst>
+    <dgm:txEffectClrLst/>
+  </dgm:styleLbl>
+  <dgm:styleLbl name="asst0">
+    <dgm:fillClrLst meth="repeat">
+      <a:schemeClr val="accent1"/>
+    </dgm:fillClrLst>
+    <dgm:linClrLst meth="repeat">
+      <a:schemeClr val="lt1"/>
+    </dgm:linClrLst>
+    <dgm:effectClrLst/>
+    <dgm:txLinClrLst/>
+    <dgm:txFillClrLst/>
+    <dgm:txEffectClrLst/>
+  </dgm:styleLbl>
+  <dgm:styleLbl name="asst1">
+    <dgm:fillClrLst meth="repeat">
+      <a:schemeClr val="accent1"/>
+    </dgm:fillClrLst>
+    <dgm:linClrLst meth="repeat">
+      <a:schemeClr val="lt1"/>
+    </dgm:linClrLst>
+    <dgm:effectClrLst/>
+    <dgm:txLinClrLst/>
+    <dgm:txFillClrLst/>
+    <dgm:txEffectClrLst/>
+  </dgm:styleLbl>
+  <dgm:styleLbl name="asst2">
+    <dgm:fillClrLst meth="repeat">
+      <a:schemeClr val="accent1"/>
+    </dgm:fillClrLst>
+    <dgm:linClrLst meth="repeat">
+      <a:schemeClr val="lt1"/>
+    </dgm:linClrLst>
+    <dgm:effectClrLst/>
+    <dgm:txLinClrLst/>
+    <dgm:txFillClrLst/>
+    <dgm:txEffectClrLst/>
+  </dgm:styleLbl>
+  <dgm:styleLbl name="asst3">
+    <dgm:fillClrLst meth="repeat">
+      <a:schemeClr val="accent1"/>
+    </dgm:fillClrLst>
+    <dgm:linClrLst meth="repeat">
+      <a:schemeClr val="lt1"/>
+    </dgm:linClrLst>
+    <dgm:effectClrLst/>
+    <dgm:txLinClrLst/>
+    <dgm:txFillClrLst/>
+    <dgm:txEffectClrLst/>
+  </dgm:styleLbl>
+  <dgm:styleLbl name="asst4">
+    <dgm:fillClrLst meth="repeat">
+      <a:schemeClr val="accent1"/>
+    </dgm:fillClrLst>
+    <dgm:linClrLst meth="repeat">
+      <a:schemeClr val="lt1"/>
+    </dgm:linClrLst>
+    <dgm:effectClrLst/>
+    <dgm:txLinClrLst/>
+    <dgm:txFillClrLst/>
+    <dgm:txEffectClrLst/>
+  </dgm:styleLbl>
+  <dgm:styleLbl name="parChTrans2D1">
+    <dgm:fillClrLst meth="repeat">
+      <a:schemeClr val="accent1">
+        <a:tint val="60000"/>
+      </a:schemeClr>
+    </dgm:fillClrLst>
+    <dgm:linClrLst meth="repeat">
+      <a:schemeClr val="accent1">
+        <a:tint val="60000"/>
+      </a:schemeClr>
+    </dgm:linClrLst>
+    <dgm:effectClrLst/>
+    <dgm:txLinClrLst/>
+    <dgm:txFillClrLst meth="repeat">
+      <a:schemeClr val="lt1"/>
+    </dgm:txFillClrLst>
+    <dgm:txEffectClrLst/>
+  </dgm:styleLbl>
+  <dgm:styleLbl name="parChTrans2D2">
+    <dgm:fillClrLst meth="repeat">
+      <a:schemeClr val="accent1"/>
+    </dgm:fillClrLst>
+    <dgm:linClrLst meth="repeat">
+      <a:schemeClr val="accent1"/>
+    </dgm:linClrLst>
+    <dgm:effectClrLst/>
+    <dgm:txLinClrLst/>
+    <dgm:txFillClrLst meth="repeat">
+      <a:schemeClr val="lt1"/>
+    </dgm:txFillClrLst>
+    <dgm:txEffectClrLst/>
+  </dgm:styleLbl>
+  <dgm:styleLbl name="parChTrans2D3">
+    <dgm:fillClrLst meth="repeat">
+      <a:schemeClr val="accent1"/>
+    </dgm:fillClrLst>
+    <dgm:linClrLst meth="repeat">
+      <a:schemeClr val="accent1"/>
+    </dgm:linClrLst>
+    <dgm:effectClrLst/>
+    <dgm:txLinClrLst/>
+    <dgm:txFillClrLst meth="repeat">
+      <a:schemeClr val="lt1"/>
+    </dgm:txFillClrLst>
+    <dgm:txEffectClrLst/>
+  </dgm:styleLbl>
+  <dgm:styleLbl name="parChTrans2D4">
+    <dgm:fillClrLst meth="repeat">
+      <a:schemeClr val="accent1"/>
+    </dgm:fillClrLst>
+    <dgm:linClrLst meth="repeat">
+      <a:schemeClr val="accent1"/>
+    </dgm:linClrLst>
+    <dgm:effectClrLst/>
+    <dgm:txLinClrLst/>
+    <dgm:txFillClrLst meth="repeat">
+      <a:schemeClr val="lt1"/>
+    </dgm:txFillClrLst>
+    <dgm:txEffectClrLst/>
+  </dgm:styleLbl>
+  <dgm:styleLbl name="parChTrans1D1">
+    <dgm:fillClrLst meth="repeat">
+      <a:schemeClr val="accent1"/>
+    </dgm:fillClrLst>
+    <dgm:linClrLst meth="repeat">
+      <a:schemeClr val="accent1">
+        <a:shade val="60000"/>
+      </a:schemeClr>
+    </dgm:linClrLst>
+    <dgm:effectClrLst/>
+    <dgm:txLinClrLst/>
+    <dgm:txFillClrLst meth="repeat">
+      <a:schemeClr val="tx1"/>
+    </dgm:txFillClrLst>
+    <dgm:txEffectClrLst/>
+  </dgm:styleLbl>
+  <dgm:styleLbl name="parChTrans1D2">
+    <dgm:fillClrLst meth="repeat">
+      <a:schemeClr val="accent1"/>
+    </dgm:fillClrLst>
+    <dgm:linClrLst meth="repeat">
+      <a:schemeClr val="accent1">
+        <a:shade val="60000"/>
+      </a:schemeClr>
+    </dgm:linClrLst>
+    <dgm:effectClrLst/>
+    <dgm:txLinClrLst/>
+    <dgm:txFillClrLst meth="repeat">
+      <a:schemeClr val="tx1"/>
+    </dgm:txFillClrLst>
+    <dgm:txEffectClrLst/>
+  </dgm:styleLbl>
+  <dgm:styleLbl name="parChTrans1D3">
+    <dgm:fillClrLst meth="repeat">
+      <a:schemeClr val="accent1"/>
+    </dgm:fillClrLst>
+    <dgm:linClrLst meth="repeat">
+      <a:schemeClr val="accent1">
+        <a:shade val="80000"/>
+      </a:schemeClr>
+    </dgm:linClrLst>
+    <dgm:effectClrLst/>
+    <dgm:txLinClrLst/>
+    <dgm:txFillClrLst meth="repeat">
+      <a:schemeClr val="tx1"/>
+    </dgm:txFillClrLst>
+    <dgm:txEffectClrLst/>
+  </dgm:styleLbl>
+  <dgm:styleLbl name="parChTrans1D4">
+    <dgm:fillClrLst meth="repeat">
+      <a:schemeClr val="accent1"/>
+    </dgm:fillClrLst>
+    <dgm:linClrLst meth="repeat">
+      <a:schemeClr val="accent1">
+        <a:shade val="80000"/>
+      </a:schemeClr>
+    </dgm:linClrLst>
+    <dgm:effectClrLst/>
+    <dgm:txLinClrLst/>
+    <dgm:txFillClrLst meth="repeat">
+      <a:schemeClr val="tx1"/>
+    </dgm:txFillClrLst>
+    <dgm:txEffectClrLst/>
+  </dgm:styleLbl>
+  <dgm:styleLbl name="fgAcc1">
+    <dgm:fillClrLst meth="repeat">
+      <a:schemeClr val="lt1">
+        <a:alpha val="90000"/>
+      </a:schemeClr>
+    </dgm:fillClrLst>
+    <dgm:linClrLst meth="repeat">
+      <a:schemeClr val="accent1"/>
+    </dgm:linClrLst>
+    <dgm:effectClrLst/>
+    <dgm:txLinClrLst/>
+    <dgm:txFillClrLst meth="repeat">
+      <a:schemeClr val="dk1"/>
+    </dgm:txFillClrLst>
+    <dgm:txEffectClrLst/>
+  </dgm:styleLbl>
+  <dgm:styleLbl name="conFgAcc1">
+    <dgm:fillClrLst meth="repeat">
+      <a:schemeClr val="lt1">
+        <a:alpha val="90000"/>
+      </a:schemeClr>
+    </dgm:fillClrLst>
+    <dgm:linClrLst meth="repeat">
+      <a:schemeClr val="accent1"/>
+    </dgm:linClrLst>
+    <dgm:effectClrLst/>
+    <dgm:txLinClrLst/>
+    <dgm:txFillClrLst meth="repeat">
+      <a:schemeClr val="dk1"/>
+    </dgm:txFillClrLst>
+    <dgm:txEffectClrLst/>
+  </dgm:styleLbl>
+  <dgm:styleLbl name="alignAcc1">
+    <dgm:fillClrLst meth="repeat">
+      <a:schemeClr val="lt1">
+        <a:alpha val="90000"/>
+      </a:schemeClr>
+    </dgm:fillClrLst>
+    <dgm:linClrLst meth="repeat">
+      <a:schemeClr val="accent1"/>
+    </dgm:linClrLst>
+    <dgm:effectClrLst/>
+    <dgm:txLinClrLst/>
+    <dgm:txFillClrLst meth="repeat">
+      <a:schemeClr val="dk1"/>
+    </dgm:txFillClrLst>
+    <dgm:txEffectClrLst/>
+  </dgm:styleLbl>
+  <dgm:styleLbl name="trAlignAcc1">
+    <dgm:fillClrLst meth="repeat">
+      <a:schemeClr val="lt1">
+        <a:alpha val="40000"/>
+      </a:schemeClr>
+    </dgm:fillClrLst>
+    <dgm:linClrLst meth="repeat">
+      <a:schemeClr val="accent1"/>
+    </dgm:linClrLst>
+    <dgm:effectClrLst/>
+    <dgm:txLinClrLst/>
+    <dgm:txFillClrLst meth="repeat">
+      <a:schemeClr val="dk1"/>
+    </dgm:txFillClrLst>
+    <dgm:txEffectClrLst/>
+  </dgm:styleLbl>
+  <dgm:styleLbl name="bgAcc1">
+    <dgm:fillClrLst meth="repeat">
+      <a:schemeClr val="lt1">
+        <a:alpha val="90000"/>
+      </a:schemeClr>
+    </dgm:fillClrLst>
+    <dgm:linClrLst meth="repeat">
+      <a:schemeClr val="accent1"/>
+    </dgm:linClrLst>
+    <dgm:effectClrLst/>
+    <dgm:txLinClrLst/>
+    <dgm:txFillClrLst meth="repeat">
+      <a:schemeClr val="dk1"/>
+    </dgm:txFillClrLst>
+    <dgm:txEffectClrLst/>
+  </dgm:styleLbl>
+  <dgm:styleLbl name="solidFgAcc1">
+    <dgm:fillClrLst meth="repeat">
+      <a:schemeClr val="lt1"/>
+    </dgm:fillClrLst>
+    <dgm:linClrLst meth="repeat">
+      <a:schemeClr val="accent1"/>
+    </dgm:linClrLst>
+    <dgm:effectClrLst/>
+    <dgm:txLinClrLst/>
+    <dgm:txFillClrLst meth="repeat">
+      <a:schemeClr val="dk1"/>
+    </dgm:txFillClrLst>
+    <dgm:txEffectClrLst/>
+  </dgm:styleLbl>
+  <dgm:styleLbl name="solidAlignAcc1">
+    <dgm:fillClrLst meth="repeat">
+      <a:schemeClr val="lt1"/>
+    </dgm:fillClrLst>
+    <dgm:linClrLst meth="repeat">
+      <a:schemeClr val="accent1"/>
+    </dgm:linClrLst>
+    <dgm:effectClrLst/>
+    <dgm:txLinClrLst/>
+    <dgm:txFillClrLst meth="repeat">
+      <a:schemeClr val="dk1"/>
+    </dgm:txFillClrLst>
+    <dgm:txEffectClrLst/>
+  </dgm:styleLbl>
+  <dgm:styleLbl name="solidBgAcc1">
+    <dgm:fillClrLst meth="repeat">
+      <a:schemeClr val="lt1"/>
+    </dgm:fillClrLst>
+    <dgm:linClrLst meth="repeat">
+      <a:schemeClr val="accent1"/>
+    </dgm:linClrLst>
+    <dgm:effectClrLst/>
+    <dgm:txLinClrLst/>
+    <dgm:txFillClrLst meth="repeat">
+      <a:schemeClr val="dk1"/>
+    </dgm:txFillClrLst>
+    <dgm:txEffectClrLst/>
+  </dgm:styleLbl>
+  <dgm:styleLbl name="fgAccFollowNode1">
+    <dgm:fillClrLst meth="repeat">
+      <a:schemeClr val="accent1">
+        <a:alpha val="90000"/>
+        <a:tint val="40000"/>
+      </a:schemeClr>
+    </dgm:fillClrLst>
+    <dgm:linClrLst meth="repeat">
+      <a:schemeClr val="accent1">
+        <a:alpha val="90000"/>
+        <a:tint val="40000"/>
+      </a:schemeClr>
+    </dgm:linClrLst>
+    <dgm:effectClrLst/>
+    <dgm:txLinClrLst/>
+    <dgm:txFillClrLst meth="repeat">
+      <a:schemeClr val="dk1"/>
+    </dgm:txFillClrLst>
+    <dgm:txEffectClrLst/>
+  </dgm:styleLbl>
+  <dgm:styleLbl name="alignAccFollowNode1">
+    <dgm:fillClrLst meth="repeat">
+      <a:schemeClr val="accent1">
+        <a:alpha val="90000"/>
+        <a:tint val="40000"/>
+      </a:schemeClr>
+    </dgm:fillClrLst>
+    <dgm:linClrLst meth="repeat">
+      <a:schemeClr val="accent1">
+        <a:alpha val="90000"/>
+        <a:tint val="40000"/>
+      </a:schemeClr>
+    </dgm:linClrLst>
+    <dgm:effectClrLst/>
+    <dgm:txLinClrLst/>
+    <dgm:txFillClrLst meth="repeat">
+      <a:schemeClr val="dk1"/>
+    </dgm:txFillClrLst>
+    <dgm:txEffectClrLst/>
+  </dgm:styleLbl>
+  <dgm:styleLbl name="bgAccFollowNode1">
+    <dgm:fillClrLst meth="repeat">
+      <a:schemeClr val="accent1">
+        <a:alpha val="90000"/>
+        <a:tint val="40000"/>
+      </a:schemeClr>
+    </dgm:fillClrLst>
+    <dgm:linClrLst meth="repeat">
+      <a:schemeClr val="accent1">
+        <a:alpha val="90000"/>
+        <a:tint val="40000"/>
+      </a:schemeClr>
+    </dgm:linClrLst>
+    <dgm:effectClrLst/>
+    <dgm:txLinClrLst/>
+    <dgm:txFillClrLst meth="repeat">
+      <a:schemeClr val="dk1"/>
+    </dgm:txFillClrLst>
+    <dgm:txEffectClrLst/>
+  </dgm:styleLbl>
+  <dgm:styleLbl name="fgAcc0">
+    <dgm:fillClrLst meth="repeat">
+      <a:schemeClr val="lt1">
+        <a:alpha val="90000"/>
+      </a:schemeClr>
+    </dgm:fillClrLst>
+    <dgm:linClrLst meth="repeat">
+      <a:schemeClr val="accent1"/>
+    </dgm:linClrLst>
+    <dgm:effectClrLst/>
+    <dgm:txLinClrLst/>
+    <dgm:txFillClrLst meth="repeat">
+      <a:schemeClr val="dk1"/>
+    </dgm:txFillClrLst>
+    <dgm:txEffectClrLst/>
+  </dgm:styleLbl>
+  <dgm:styleLbl name="fgAcc2">
+    <dgm:fillClrLst meth="repeat">
+      <a:schemeClr val="lt1">
+        <a:alpha val="90000"/>
+      </a:schemeClr>
+    </dgm:fillClrLst>
+    <dgm:linClrLst meth="repeat">
+      <a:schemeClr val="accent1"/>
+    </dgm:linClrLst>
+    <dgm:effectClrLst/>
+    <dgm:txLinClrLst/>
+    <dgm:txFillClrLst meth="repeat">
+      <a:schemeClr val="dk1"/>
+    </dgm:txFillClrLst>
+    <dgm:txEffectClrLst/>
+  </dgm:styleLbl>
+  <dgm:styleLbl name="fgAcc3">
+    <dgm:fillClrLst meth="repeat">
+      <a:schemeClr val="lt1">
+        <a:alpha val="90000"/>
+      </a:schemeClr>
+    </dgm:fillClrLst>
+    <dgm:linClrLst meth="repeat">
+      <a:schemeClr val="accent1"/>
+    </dgm:linClrLst>
+    <dgm:effectClrLst/>
+    <dgm:txLinClrLst/>
+    <dgm:txFillClrLst meth="repeat">
+      <a:schemeClr val="dk1"/>
+    </dgm:txFillClrLst>
+    <dgm:txEffectClrLst/>
+  </dgm:styleLbl>
+  <dgm:styleLbl name="fgAcc4">
+    <dgm:fillClrLst meth="repeat">
+      <a:schemeClr val="lt1">
+        <a:alpha val="90000"/>
+      </a:schemeClr>
+    </dgm:fillClrLst>
+    <dgm:linClrLst meth="repeat">
+      <a:schemeClr val="accent1"/>
+    </dgm:linClrLst>
+    <dgm:effectClrLst/>
+    <dgm:txLinClrLst/>
+    <dgm:txFillClrLst meth="repeat">
+      <a:schemeClr val="dk1"/>
+    </dgm:txFillClrLst>
+    <dgm:txEffectClrLst/>
+  </dgm:styleLbl>
+  <dgm:styleLbl name="bgShp">
+    <dgm:fillClrLst meth="repeat">
+      <a:schemeClr val="accent1">
+        <a:tint val="40000"/>
+      </a:schemeClr>
+    </dgm:fillClrLst>
+    <dgm:linClrLst meth="repeat">
+      <a:schemeClr val="accent1"/>
+    </dgm:linClrLst>
+    <dgm:effectClrLst/>
+    <dgm:txLinClrLst/>
+    <dgm:txFillClrLst meth="repeat">
+      <a:schemeClr val="dk1"/>
+    </dgm:txFillClrLst>
+    <dgm:txEffectClrLst/>
+  </dgm:styleLbl>
+  <dgm:styleLbl name="dkBgShp">
+    <dgm:fillClrLst meth="repeat">
+      <a:schemeClr val="accent1">
+        <a:shade val="80000"/>
+      </a:schemeClr>
+    </dgm:fillClrLst>
+    <dgm:linClrLst meth="repeat">
+      <a:schemeClr val="accent1"/>
+    </dgm:linClrLst>
+    <dgm:effectClrLst/>
+    <dgm:txLinClrLst/>
+    <dgm:txFillClrLst meth="repeat">
+      <a:schemeClr val="lt1"/>
+    </dgm:txFillClrLst>
+    <dgm:txEffectClrLst/>
+  </dgm:styleLbl>
+  <dgm:styleLbl name="trBgShp">
+    <dgm:fillClrLst meth="repeat">
+      <a:schemeClr val="accent1">
+        <a:tint val="50000"/>
+        <a:alpha val="40000"/>
+      </a:schemeClr>
+    </dgm:fillClrLst>
+    <dgm:linClrLst meth="repeat">
+      <a:schemeClr val="accent1"/>
+    </dgm:linClrLst>
+    <dgm:effectClrLst/>
+    <dgm:txLinClrLst/>
+    <dgm:txFillClrLst meth="repeat">
+      <a:schemeClr val="lt1"/>
+    </dgm:txFillClrLst>
+    <dgm:txEffectClrLst/>
+  </dgm:styleLbl>
+  <dgm:styleLbl name="fgShp">
+    <dgm:fillClrLst meth="repeat">
+      <a:schemeClr val="accent1">
+        <a:tint val="60000"/>
+      </a:schemeClr>
+    </dgm:fillClrLst>
+    <dgm:linClrLst meth="repeat">
+      <a:schemeClr val="lt1"/>
+    </dgm:linClrLst>
+    <dgm:effectClrLst/>
+    <dgm:txLinClrLst/>
+    <dgm:txFillClrLst meth="repeat">
+      <a:schemeClr val="dk1"/>
+    </dgm:txFillClrLst>
+    <dgm:txEffectClrLst/>
+  </dgm:styleLbl>
+  <dgm:styleLbl name="revTx">
+    <dgm:fillClrLst meth="repeat">
+      <a:schemeClr val="lt1">
+        <a:alpha val="0"/>
+      </a:schemeClr>
+    </dgm:fillClrLst>
+    <dgm:linClrLst meth="repeat">
+      <a:schemeClr val="dk1">
+        <a:alpha val="0"/>
+      </a:schemeClr>
+    </dgm:linClrLst>
+    <dgm:effectClrLst/>
+    <dgm:txLinClrLst/>
+    <dgm:txFillClrLst meth="repeat">
+      <a:schemeClr val="tx1"/>
+    </dgm:txFillClrLst>
+    <dgm:txEffectClrLst/>
+  </dgm:styleLbl>
+</dgm:colorsDef>
+</file>
+
+<file path=ppt/diagrams/data1.xml><?xml version="1.0" encoding="utf-8"?>
+<dgm:dataModel xmlns:dgm="http://schemas.openxmlformats.org/drawingml/2006/diagram" xmlns:a="http://schemas.openxmlformats.org/drawingml/2006/main">
+  <dgm:ptLst>
+    <dgm:pt modelId="{690FCD79-4F7F-4941-899E-C1357254FE40}" type="doc">
+      <dgm:prSet loTypeId="urn:microsoft.com/office/officeart/2005/8/layout/process4" loCatId="process" qsTypeId="urn:microsoft.com/office/officeart/2005/8/quickstyle/simple1" qsCatId="simple" csTypeId="urn:microsoft.com/office/officeart/2005/8/colors/accent1_2" csCatId="accent1" phldr="1"/>
+      <dgm:spPr/>
+      <dgm:t>
+        <a:bodyPr/>
+        <a:lstStyle/>
+        <a:p>
+          <a:pPr latinLnBrk="1"/>
+          <a:endParaRPr lang="ko-KR" altLang="en-US"/>
+        </a:p>
+      </dgm:t>
+    </dgm:pt>
+    <dgm:pt modelId="{B1070828-017B-4558-93B5-A4A878B43EC1}">
+      <dgm:prSet phldrT="[텍스트]" custT="1"/>
+      <dgm:spPr/>
+      <dgm:t>
+        <a:bodyPr/>
+        <a:lstStyle/>
+        <a:p>
+          <a:pPr latinLnBrk="1"/>
+          <a:r>
+            <a:rPr lang="en-US" altLang="ko-KR" sz="3600" dirty="0" smtClean="0">
+              <a:latin typeface="HY수평선M" panose="02030600000101010101" pitchFamily="18" charset="-127"/>
+              <a:ea typeface="HY수평선M" panose="02030600000101010101" pitchFamily="18" charset="-127"/>
+            </a:rPr>
+            <a:t>40</a:t>
+          </a:r>
+          <a:r>
+            <a:rPr lang="ko-KR" altLang="en-US" sz="3600" dirty="0" smtClean="0">
+              <a:latin typeface="HY수평선M" panose="02030600000101010101" pitchFamily="18" charset="-127"/>
+              <a:ea typeface="HY수평선M" panose="02030600000101010101" pitchFamily="18" charset="-127"/>
+            </a:rPr>
+            <a:t>번 부서 삭제</a:t>
+          </a:r>
+          <a:endParaRPr lang="ko-KR" altLang="en-US" sz="3600" dirty="0">
+            <a:latin typeface="HY수평선M" panose="02030600000101010101" pitchFamily="18" charset="-127"/>
+            <a:ea typeface="HY수평선M" panose="02030600000101010101" pitchFamily="18" charset="-127"/>
+          </a:endParaRPr>
+        </a:p>
+      </dgm:t>
+    </dgm:pt>
+    <dgm:pt modelId="{8C0D56F4-35B4-4D33-96B7-11ABDAF6CE25}" type="parTrans" cxnId="{8A72AC11-77F0-431C-BA8E-CEA1AFEBBB17}">
+      <dgm:prSet/>
+      <dgm:spPr/>
+      <dgm:t>
+        <a:bodyPr/>
+        <a:lstStyle/>
+        <a:p>
+          <a:pPr latinLnBrk="1"/>
+          <a:endParaRPr lang="ko-KR" altLang="en-US">
+            <a:latin typeface="HY수평선M" panose="02030600000101010101" pitchFamily="18" charset="-127"/>
+            <a:ea typeface="HY수평선M" panose="02030600000101010101" pitchFamily="18" charset="-127"/>
+          </a:endParaRPr>
+        </a:p>
+      </dgm:t>
+    </dgm:pt>
+    <dgm:pt modelId="{EFEDF77D-254F-40E7-860B-83F5B67863E4}" type="sibTrans" cxnId="{8A72AC11-77F0-431C-BA8E-CEA1AFEBBB17}">
+      <dgm:prSet/>
+      <dgm:spPr/>
+      <dgm:t>
+        <a:bodyPr/>
+        <a:lstStyle/>
+        <a:p>
+          <a:pPr latinLnBrk="1"/>
+          <a:endParaRPr lang="ko-KR" altLang="en-US">
+            <a:latin typeface="HY수평선M" panose="02030600000101010101" pitchFamily="18" charset="-127"/>
+            <a:ea typeface="HY수평선M" panose="02030600000101010101" pitchFamily="18" charset="-127"/>
+          </a:endParaRPr>
+        </a:p>
+      </dgm:t>
+    </dgm:pt>
+    <dgm:pt modelId="{01E191C7-4C6C-4134-AD18-FAEB61FBA758}">
+      <dgm:prSet phldrT="[텍스트]"/>
+      <dgm:spPr/>
+      <dgm:t>
+        <a:bodyPr/>
+        <a:lstStyle/>
+        <a:p>
+          <a:pPr latinLnBrk="1"/>
+          <a:r>
+            <a:rPr lang="en-US" altLang="ko-KR" dirty="0" smtClean="0">
+              <a:latin typeface="HY수평선M" panose="02030600000101010101" pitchFamily="18" charset="-127"/>
+              <a:ea typeface="HY수평선M" panose="02030600000101010101" pitchFamily="18" charset="-127"/>
+            </a:rPr>
+            <a:t>Commit</a:t>
+          </a:r>
+          <a:endParaRPr lang="ko-KR" altLang="en-US" dirty="0">
+            <a:latin typeface="HY수평선M" panose="02030600000101010101" pitchFamily="18" charset="-127"/>
+            <a:ea typeface="HY수평선M" panose="02030600000101010101" pitchFamily="18" charset="-127"/>
+          </a:endParaRPr>
+        </a:p>
+      </dgm:t>
+    </dgm:pt>
+    <dgm:pt modelId="{294D06CD-F299-4EE4-82D1-96E9B0258762}" type="parTrans" cxnId="{B7B02A65-704F-4965-9425-1ABE54DCBE90}">
+      <dgm:prSet/>
+      <dgm:spPr/>
+      <dgm:t>
+        <a:bodyPr/>
+        <a:lstStyle/>
+        <a:p>
+          <a:pPr latinLnBrk="1"/>
+          <a:endParaRPr lang="ko-KR" altLang="en-US">
+            <a:latin typeface="HY수평선M" panose="02030600000101010101" pitchFamily="18" charset="-127"/>
+            <a:ea typeface="HY수평선M" panose="02030600000101010101" pitchFamily="18" charset="-127"/>
+          </a:endParaRPr>
+        </a:p>
+      </dgm:t>
+    </dgm:pt>
+    <dgm:pt modelId="{27CC28C4-28F5-4480-8C2D-93ACF87CE791}" type="sibTrans" cxnId="{B7B02A65-704F-4965-9425-1ABE54DCBE90}">
+      <dgm:prSet/>
+      <dgm:spPr/>
+      <dgm:t>
+        <a:bodyPr/>
+        <a:lstStyle/>
+        <a:p>
+          <a:pPr latinLnBrk="1"/>
+          <a:endParaRPr lang="ko-KR" altLang="en-US">
+            <a:latin typeface="HY수평선M" panose="02030600000101010101" pitchFamily="18" charset="-127"/>
+            <a:ea typeface="HY수평선M" panose="02030600000101010101" pitchFamily="18" charset="-127"/>
+          </a:endParaRPr>
+        </a:p>
+      </dgm:t>
+    </dgm:pt>
+    <dgm:pt modelId="{5B7ADFAB-E7F7-4832-9E97-01DE644DEC70}">
+      <dgm:prSet phldrT="[텍스트]" custT="1"/>
+      <dgm:spPr/>
+      <dgm:t>
+        <a:bodyPr/>
+        <a:lstStyle/>
+        <a:p>
+          <a:pPr latinLnBrk="1"/>
+          <a:r>
+            <a:rPr lang="en-US" altLang="ko-KR" sz="3600" dirty="0" smtClean="0">
+              <a:latin typeface="HY수평선M" panose="02030600000101010101" pitchFamily="18" charset="-127"/>
+              <a:ea typeface="HY수평선M" panose="02030600000101010101" pitchFamily="18" charset="-127"/>
+            </a:rPr>
+            <a:t>30</a:t>
+          </a:r>
+          <a:r>
+            <a:rPr lang="ko-KR" altLang="en-US" sz="3600" dirty="0" smtClean="0">
+              <a:latin typeface="HY수평선M" panose="02030600000101010101" pitchFamily="18" charset="-127"/>
+              <a:ea typeface="HY수평선M" panose="02030600000101010101" pitchFamily="18" charset="-127"/>
+            </a:rPr>
+            <a:t>번 부서 삭제</a:t>
+          </a:r>
+          <a:endParaRPr lang="ko-KR" altLang="en-US" sz="3600" dirty="0">
+            <a:latin typeface="HY수평선M" panose="02030600000101010101" pitchFamily="18" charset="-127"/>
+            <a:ea typeface="HY수평선M" panose="02030600000101010101" pitchFamily="18" charset="-127"/>
+          </a:endParaRPr>
+        </a:p>
+      </dgm:t>
+    </dgm:pt>
+    <dgm:pt modelId="{85A727D0-6583-461E-A8F9-C4551A0F2942}" type="parTrans" cxnId="{E2F7F355-7323-4028-8A8C-BEC601160AE0}">
+      <dgm:prSet/>
+      <dgm:spPr/>
+      <dgm:t>
+        <a:bodyPr/>
+        <a:lstStyle/>
+        <a:p>
+          <a:pPr latinLnBrk="1"/>
+          <a:endParaRPr lang="ko-KR" altLang="en-US">
+            <a:latin typeface="HY수평선M" panose="02030600000101010101" pitchFamily="18" charset="-127"/>
+            <a:ea typeface="HY수평선M" panose="02030600000101010101" pitchFamily="18" charset="-127"/>
+          </a:endParaRPr>
+        </a:p>
+      </dgm:t>
+    </dgm:pt>
+    <dgm:pt modelId="{62DB570E-71FF-4099-8E00-893EC3D6FAA0}" type="sibTrans" cxnId="{E2F7F355-7323-4028-8A8C-BEC601160AE0}">
+      <dgm:prSet/>
+      <dgm:spPr/>
+      <dgm:t>
+        <a:bodyPr/>
+        <a:lstStyle/>
+        <a:p>
+          <a:pPr latinLnBrk="1"/>
+          <a:endParaRPr lang="ko-KR" altLang="en-US">
+            <a:latin typeface="HY수평선M" panose="02030600000101010101" pitchFamily="18" charset="-127"/>
+            <a:ea typeface="HY수평선M" panose="02030600000101010101" pitchFamily="18" charset="-127"/>
+          </a:endParaRPr>
+        </a:p>
+      </dgm:t>
+    </dgm:pt>
+    <dgm:pt modelId="{CC62DD88-CECA-4A84-AF47-B418CB983B40}">
+      <dgm:prSet phldrT="[텍스트]" custT="1"/>
+      <dgm:spPr/>
+      <dgm:t>
+        <a:bodyPr/>
+        <a:lstStyle/>
+        <a:p>
+          <a:pPr latinLnBrk="1"/>
+          <a:r>
+            <a:rPr lang="ko-KR" altLang="en-US" sz="2000" dirty="0" smtClean="0">
+              <a:latin typeface="HY수평선M" panose="02030600000101010101" pitchFamily="18" charset="-127"/>
+              <a:ea typeface="HY수평선M" panose="02030600000101010101" pitchFamily="18" charset="-127"/>
+            </a:rPr>
+            <a:t>세이브포인트 </a:t>
+          </a:r>
+          <a:r>
+            <a:rPr lang="en-US" altLang="ko-KR" sz="2000" dirty="0" smtClean="0">
+              <a:latin typeface="HY수평선M" panose="02030600000101010101" pitchFamily="18" charset="-127"/>
+              <a:ea typeface="HY수평선M" panose="02030600000101010101" pitchFamily="18" charset="-127"/>
+            </a:rPr>
+            <a:t>C1 </a:t>
+          </a:r>
+          <a:r>
+            <a:rPr lang="ko-KR" altLang="en-US" sz="2000" dirty="0" smtClean="0">
+              <a:latin typeface="HY수평선M" panose="02030600000101010101" pitchFamily="18" charset="-127"/>
+              <a:ea typeface="HY수평선M" panose="02030600000101010101" pitchFamily="18" charset="-127"/>
+            </a:rPr>
+            <a:t>생성</a:t>
+          </a:r>
+          <a:endParaRPr lang="ko-KR" altLang="en-US" sz="2000" dirty="0">
+            <a:latin typeface="HY수평선M" panose="02030600000101010101" pitchFamily="18" charset="-127"/>
+            <a:ea typeface="HY수평선M" panose="02030600000101010101" pitchFamily="18" charset="-127"/>
+          </a:endParaRPr>
+        </a:p>
+      </dgm:t>
+    </dgm:pt>
+    <dgm:pt modelId="{DAE49683-4D94-405D-B81D-2A1080273757}" type="parTrans" cxnId="{E4248758-9600-4545-9C0D-2093CFF15A76}">
+      <dgm:prSet/>
+      <dgm:spPr/>
+      <dgm:t>
+        <a:bodyPr/>
+        <a:lstStyle/>
+        <a:p>
+          <a:pPr latinLnBrk="1"/>
+          <a:endParaRPr lang="ko-KR" altLang="en-US">
+            <a:latin typeface="HY수평선M" panose="02030600000101010101" pitchFamily="18" charset="-127"/>
+            <a:ea typeface="HY수평선M" panose="02030600000101010101" pitchFamily="18" charset="-127"/>
+          </a:endParaRPr>
+        </a:p>
+      </dgm:t>
+    </dgm:pt>
+    <dgm:pt modelId="{6FA75AB3-C13B-465C-9569-CB347C3B9E9F}" type="sibTrans" cxnId="{E4248758-9600-4545-9C0D-2093CFF15A76}">
+      <dgm:prSet/>
+      <dgm:spPr/>
+      <dgm:t>
+        <a:bodyPr/>
+        <a:lstStyle/>
+        <a:p>
+          <a:pPr latinLnBrk="1"/>
+          <a:endParaRPr lang="ko-KR" altLang="en-US">
+            <a:latin typeface="HY수평선M" panose="02030600000101010101" pitchFamily="18" charset="-127"/>
+            <a:ea typeface="HY수평선M" panose="02030600000101010101" pitchFamily="18" charset="-127"/>
+          </a:endParaRPr>
+        </a:p>
+      </dgm:t>
+    </dgm:pt>
+    <dgm:pt modelId="{936B89ED-3A3B-4098-B749-349776EB7EB7}">
+      <dgm:prSet phldrT="[텍스트]" custT="1"/>
+      <dgm:spPr/>
+      <dgm:t>
+        <a:bodyPr/>
+        <a:lstStyle/>
+        <a:p>
+          <a:pPr latinLnBrk="1"/>
+          <a:r>
+            <a:rPr lang="en-US" altLang="ko-KR" sz="3600" dirty="0" smtClean="0">
+              <a:latin typeface="HY수평선M" panose="02030600000101010101" pitchFamily="18" charset="-127"/>
+              <a:ea typeface="HY수평선M" panose="02030600000101010101" pitchFamily="18" charset="-127"/>
+            </a:rPr>
+            <a:t>20</a:t>
+          </a:r>
+          <a:r>
+            <a:rPr lang="ko-KR" altLang="en-US" sz="3600" dirty="0" smtClean="0">
+              <a:latin typeface="HY수평선M" panose="02030600000101010101" pitchFamily="18" charset="-127"/>
+              <a:ea typeface="HY수평선M" panose="02030600000101010101" pitchFamily="18" charset="-127"/>
+            </a:rPr>
+            <a:t>번 부서 삭제</a:t>
+          </a:r>
+          <a:endParaRPr lang="ko-KR" altLang="en-US" sz="3600" dirty="0">
+            <a:latin typeface="HY수평선M" panose="02030600000101010101" pitchFamily="18" charset="-127"/>
+            <a:ea typeface="HY수평선M" panose="02030600000101010101" pitchFamily="18" charset="-127"/>
+          </a:endParaRPr>
+        </a:p>
+      </dgm:t>
+    </dgm:pt>
+    <dgm:pt modelId="{DE9E5655-DAE5-49DF-848D-ED68D5CE543C}" type="parTrans" cxnId="{5678D53F-859C-4E52-81EB-F4CFDCC6BF87}">
+      <dgm:prSet/>
+      <dgm:spPr/>
+      <dgm:t>
+        <a:bodyPr/>
+        <a:lstStyle/>
+        <a:p>
+          <a:pPr latinLnBrk="1"/>
+          <a:endParaRPr lang="ko-KR" altLang="en-US">
+            <a:latin typeface="HY수평선M" panose="02030600000101010101" pitchFamily="18" charset="-127"/>
+            <a:ea typeface="HY수평선M" panose="02030600000101010101" pitchFamily="18" charset="-127"/>
+          </a:endParaRPr>
+        </a:p>
+      </dgm:t>
+    </dgm:pt>
+    <dgm:pt modelId="{B5BEA7D9-3A94-4660-92FE-F7F8B126E1D8}" type="sibTrans" cxnId="{5678D53F-859C-4E52-81EB-F4CFDCC6BF87}">
+      <dgm:prSet/>
+      <dgm:spPr/>
+      <dgm:t>
+        <a:bodyPr/>
+        <a:lstStyle/>
+        <a:p>
+          <a:pPr latinLnBrk="1"/>
+          <a:endParaRPr lang="ko-KR" altLang="en-US">
+            <a:latin typeface="HY수평선M" panose="02030600000101010101" pitchFamily="18" charset="-127"/>
+            <a:ea typeface="HY수평선M" panose="02030600000101010101" pitchFamily="18" charset="-127"/>
+          </a:endParaRPr>
+        </a:p>
+      </dgm:t>
+    </dgm:pt>
+    <dgm:pt modelId="{D6804815-826E-4736-AA6A-8F2788F92D44}">
+      <dgm:prSet phldrT="[텍스트]"/>
+      <dgm:spPr/>
+      <dgm:t>
+        <a:bodyPr/>
+        <a:lstStyle/>
+        <a:p>
+          <a:pPr latinLnBrk="1"/>
+          <a:r>
+            <a:rPr lang="ko-KR" altLang="en-US" dirty="0" smtClean="0">
+              <a:latin typeface="HY수평선M" panose="02030600000101010101" pitchFamily="18" charset="-127"/>
+              <a:ea typeface="HY수평선M" panose="02030600000101010101" pitchFamily="18" charset="-127"/>
+            </a:rPr>
+            <a:t>세이브포인트 </a:t>
+          </a:r>
+          <a:r>
+            <a:rPr lang="en-US" altLang="ko-KR" dirty="0" smtClean="0">
+              <a:latin typeface="HY수평선M" panose="02030600000101010101" pitchFamily="18" charset="-127"/>
+              <a:ea typeface="HY수평선M" panose="02030600000101010101" pitchFamily="18" charset="-127"/>
+            </a:rPr>
+            <a:t>C2</a:t>
+          </a:r>
+          <a:r>
+            <a:rPr lang="ko-KR" altLang="en-US" dirty="0" smtClean="0">
+              <a:latin typeface="HY수평선M" panose="02030600000101010101" pitchFamily="18" charset="-127"/>
+              <a:ea typeface="HY수평선M" panose="02030600000101010101" pitchFamily="18" charset="-127"/>
+            </a:rPr>
+            <a:t>생성</a:t>
+          </a:r>
+          <a:endParaRPr lang="ko-KR" altLang="en-US" dirty="0">
+            <a:latin typeface="HY수평선M" panose="02030600000101010101" pitchFamily="18" charset="-127"/>
+            <a:ea typeface="HY수평선M" panose="02030600000101010101" pitchFamily="18" charset="-127"/>
+          </a:endParaRPr>
+        </a:p>
+      </dgm:t>
+    </dgm:pt>
+    <dgm:pt modelId="{B0E84428-268C-4952-8729-7A61BB8AF4BA}" type="parTrans" cxnId="{88DE7D5E-1982-4915-AA00-D3C949D57235}">
+      <dgm:prSet/>
+      <dgm:spPr/>
+      <dgm:t>
+        <a:bodyPr/>
+        <a:lstStyle/>
+        <a:p>
+          <a:pPr latinLnBrk="1"/>
+          <a:endParaRPr lang="ko-KR" altLang="en-US">
+            <a:latin typeface="HY수평선M" panose="02030600000101010101" pitchFamily="18" charset="-127"/>
+            <a:ea typeface="HY수평선M" panose="02030600000101010101" pitchFamily="18" charset="-127"/>
+          </a:endParaRPr>
+        </a:p>
+      </dgm:t>
+    </dgm:pt>
+    <dgm:pt modelId="{E91686C6-5043-4E9A-BF76-77121A5B1949}" type="sibTrans" cxnId="{88DE7D5E-1982-4915-AA00-D3C949D57235}">
+      <dgm:prSet/>
+      <dgm:spPr/>
+      <dgm:t>
+        <a:bodyPr/>
+        <a:lstStyle/>
+        <a:p>
+          <a:pPr latinLnBrk="1"/>
+          <a:endParaRPr lang="ko-KR" altLang="en-US">
+            <a:latin typeface="HY수평선M" panose="02030600000101010101" pitchFamily="18" charset="-127"/>
+            <a:ea typeface="HY수평선M" panose="02030600000101010101" pitchFamily="18" charset="-127"/>
+          </a:endParaRPr>
+        </a:p>
+      </dgm:t>
+    </dgm:pt>
+    <dgm:pt modelId="{0DB0C99E-7C4D-48CB-9CB4-B8466E08A4F3}">
+      <dgm:prSet phldrT="[텍스트]"/>
+      <dgm:spPr/>
+      <dgm:t>
+        <a:bodyPr/>
+        <a:lstStyle/>
+        <a:p>
+          <a:pPr latinLnBrk="1"/>
+          <a:r>
+            <a:rPr lang="ko-KR" altLang="en-US" dirty="0" smtClean="0">
+              <a:latin typeface="HY수평선M" panose="02030600000101010101" pitchFamily="18" charset="-127"/>
+              <a:ea typeface="HY수평선M" panose="02030600000101010101" pitchFamily="18" charset="-127"/>
+            </a:rPr>
+            <a:t>현재</a:t>
+          </a:r>
+          <a:endParaRPr lang="ko-KR" altLang="en-US" dirty="0">
+            <a:latin typeface="HY수평선M" panose="02030600000101010101" pitchFamily="18" charset="-127"/>
+            <a:ea typeface="HY수평선M" panose="02030600000101010101" pitchFamily="18" charset="-127"/>
+          </a:endParaRPr>
+        </a:p>
+      </dgm:t>
+    </dgm:pt>
+    <dgm:pt modelId="{E263272B-F4DF-4C20-9DFA-B54F196699BA}" type="parTrans" cxnId="{C1306825-215C-4D50-9913-5CCE5070587F}">
+      <dgm:prSet/>
+      <dgm:spPr/>
+      <dgm:t>
+        <a:bodyPr/>
+        <a:lstStyle/>
+        <a:p>
+          <a:pPr latinLnBrk="1"/>
+          <a:endParaRPr lang="ko-KR" altLang="en-US">
+            <a:latin typeface="HY수평선M" panose="02030600000101010101" pitchFamily="18" charset="-127"/>
+            <a:ea typeface="HY수평선M" panose="02030600000101010101" pitchFamily="18" charset="-127"/>
+          </a:endParaRPr>
+        </a:p>
+      </dgm:t>
+    </dgm:pt>
+    <dgm:pt modelId="{A956C7B1-DA7E-4A8D-8A1D-9138CAC5A280}" type="sibTrans" cxnId="{C1306825-215C-4D50-9913-5CCE5070587F}">
+      <dgm:prSet/>
+      <dgm:spPr/>
+      <dgm:t>
+        <a:bodyPr/>
+        <a:lstStyle/>
+        <a:p>
+          <a:pPr latinLnBrk="1"/>
+          <a:endParaRPr lang="ko-KR" altLang="en-US">
+            <a:latin typeface="HY수평선M" panose="02030600000101010101" pitchFamily="18" charset="-127"/>
+            <a:ea typeface="HY수평선M" panose="02030600000101010101" pitchFamily="18" charset="-127"/>
+          </a:endParaRPr>
+        </a:p>
+      </dgm:t>
+    </dgm:pt>
+    <dgm:pt modelId="{C8A12EAB-F84E-44CF-895E-964770FAA8FA}">
+      <dgm:prSet phldrT="[텍스트]" custT="1"/>
+      <dgm:spPr/>
+      <dgm:t>
+        <a:bodyPr/>
+        <a:lstStyle/>
+        <a:p>
+          <a:pPr latinLnBrk="1"/>
+          <a:r>
+            <a:rPr lang="en-US" altLang="ko-KR" sz="3600" dirty="0" smtClean="0">
+              <a:latin typeface="HY수평선M" panose="02030600000101010101" pitchFamily="18" charset="-127"/>
+              <a:ea typeface="HY수평선M" panose="02030600000101010101" pitchFamily="18" charset="-127"/>
+            </a:rPr>
+            <a:t>10</a:t>
+          </a:r>
+          <a:r>
+            <a:rPr lang="ko-KR" altLang="en-US" sz="3600" dirty="0" smtClean="0">
+              <a:latin typeface="HY수평선M" panose="02030600000101010101" pitchFamily="18" charset="-127"/>
+              <a:ea typeface="HY수평선M" panose="02030600000101010101" pitchFamily="18" charset="-127"/>
+            </a:rPr>
+            <a:t>번 부서 삭제</a:t>
+          </a:r>
+          <a:endParaRPr lang="ko-KR" altLang="en-US" sz="3600" dirty="0">
+            <a:latin typeface="HY수평선M" panose="02030600000101010101" pitchFamily="18" charset="-127"/>
+            <a:ea typeface="HY수평선M" panose="02030600000101010101" pitchFamily="18" charset="-127"/>
+          </a:endParaRPr>
+        </a:p>
+      </dgm:t>
+    </dgm:pt>
+    <dgm:pt modelId="{7EC15CFC-ABC5-4C37-9F1C-31744030FE97}" type="parTrans" cxnId="{D8548A7D-37EB-4B42-9B29-1F820F286D50}">
+      <dgm:prSet/>
+      <dgm:spPr/>
+      <dgm:t>
+        <a:bodyPr/>
+        <a:lstStyle/>
+        <a:p>
+          <a:pPr latinLnBrk="1"/>
+          <a:endParaRPr lang="ko-KR" altLang="en-US">
+            <a:latin typeface="HY수평선M" panose="02030600000101010101" pitchFamily="18" charset="-127"/>
+            <a:ea typeface="HY수평선M" panose="02030600000101010101" pitchFamily="18" charset="-127"/>
+          </a:endParaRPr>
+        </a:p>
+      </dgm:t>
+    </dgm:pt>
+    <dgm:pt modelId="{A74BC842-BE2B-4903-B338-01D213BCA8D1}" type="sibTrans" cxnId="{D8548A7D-37EB-4B42-9B29-1F820F286D50}">
+      <dgm:prSet/>
+      <dgm:spPr/>
+      <dgm:t>
+        <a:bodyPr/>
+        <a:lstStyle/>
+        <a:p>
+          <a:pPr latinLnBrk="1"/>
+          <a:endParaRPr lang="ko-KR" altLang="en-US">
+            <a:latin typeface="HY수평선M" panose="02030600000101010101" pitchFamily="18" charset="-127"/>
+            <a:ea typeface="HY수평선M" panose="02030600000101010101" pitchFamily="18" charset="-127"/>
+          </a:endParaRPr>
+        </a:p>
+      </dgm:t>
+    </dgm:pt>
+    <dgm:pt modelId="{08C1A968-6DA2-492B-BC64-EFEDE0228309}" type="pres">
+      <dgm:prSet presAssocID="{690FCD79-4F7F-4941-899E-C1357254FE40}" presName="Name0" presStyleCnt="0">
+        <dgm:presLayoutVars>
+          <dgm:dir/>
+          <dgm:animLvl val="lvl"/>
+          <dgm:resizeHandles val="exact"/>
+        </dgm:presLayoutVars>
+      </dgm:prSet>
+      <dgm:spPr/>
+      <dgm:t>
+        <a:bodyPr/>
+        <a:lstStyle/>
+        <a:p>
+          <a:pPr latinLnBrk="1"/>
+          <a:endParaRPr lang="ko-KR" altLang="en-US"/>
+        </a:p>
+      </dgm:t>
+    </dgm:pt>
+    <dgm:pt modelId="{DB1505B2-B6A8-430D-9B6A-50DB93E5DE44}" type="pres">
+      <dgm:prSet presAssocID="{C8A12EAB-F84E-44CF-895E-964770FAA8FA}" presName="boxAndChildren" presStyleCnt="0"/>
+      <dgm:spPr/>
+    </dgm:pt>
+    <dgm:pt modelId="{268FC752-FBA7-4C9F-97F9-589637CEFDBA}" type="pres">
+      <dgm:prSet presAssocID="{C8A12EAB-F84E-44CF-895E-964770FAA8FA}" presName="parentTextBox" presStyleLbl="node1" presStyleIdx="0" presStyleCnt="4"/>
+      <dgm:spPr/>
+      <dgm:t>
+        <a:bodyPr/>
+        <a:lstStyle/>
+        <a:p>
+          <a:pPr latinLnBrk="1"/>
+          <a:endParaRPr lang="ko-KR" altLang="en-US"/>
+        </a:p>
+      </dgm:t>
+    </dgm:pt>
+    <dgm:pt modelId="{72D1FF55-79B8-4566-85E2-91E0C5625B34}" type="pres">
+      <dgm:prSet presAssocID="{C8A12EAB-F84E-44CF-895E-964770FAA8FA}" presName="entireBox" presStyleLbl="node1" presStyleIdx="0" presStyleCnt="4"/>
+      <dgm:spPr/>
+      <dgm:t>
+        <a:bodyPr/>
+        <a:lstStyle/>
+        <a:p>
+          <a:pPr latinLnBrk="1"/>
+          <a:endParaRPr lang="ko-KR" altLang="en-US"/>
+        </a:p>
+      </dgm:t>
+    </dgm:pt>
+    <dgm:pt modelId="{7523D2D8-83B3-4F94-AA6E-ECE994E2F08E}" type="pres">
+      <dgm:prSet presAssocID="{C8A12EAB-F84E-44CF-895E-964770FAA8FA}" presName="descendantBox" presStyleCnt="0"/>
+      <dgm:spPr/>
+    </dgm:pt>
+    <dgm:pt modelId="{4F2EB158-CC78-4347-8E95-A67A549C28F0}" type="pres">
+      <dgm:prSet presAssocID="{0DB0C99E-7C4D-48CB-9CB4-B8466E08A4F3}" presName="childTextBox" presStyleLbl="fgAccFollowNode1" presStyleIdx="0" presStyleCnt="4">
+        <dgm:presLayoutVars>
+          <dgm:bulletEnabled val="1"/>
+        </dgm:presLayoutVars>
+      </dgm:prSet>
+      <dgm:spPr/>
+      <dgm:t>
+        <a:bodyPr/>
+        <a:lstStyle/>
+        <a:p>
+          <a:pPr latinLnBrk="1"/>
+          <a:endParaRPr lang="ko-KR" altLang="en-US"/>
+        </a:p>
+      </dgm:t>
+    </dgm:pt>
+    <dgm:pt modelId="{EA6B0F3F-B6AE-4417-8CCD-463468A70290}" type="pres">
+      <dgm:prSet presAssocID="{B5BEA7D9-3A94-4660-92FE-F7F8B126E1D8}" presName="sp" presStyleCnt="0"/>
+      <dgm:spPr/>
+    </dgm:pt>
+    <dgm:pt modelId="{C6D0052C-E61E-4DFC-AE36-966C028221CB}" type="pres">
+      <dgm:prSet presAssocID="{936B89ED-3A3B-4098-B749-349776EB7EB7}" presName="arrowAndChildren" presStyleCnt="0"/>
+      <dgm:spPr/>
+    </dgm:pt>
+    <dgm:pt modelId="{5969C39A-D382-412D-AA21-B62DE73A7733}" type="pres">
+      <dgm:prSet presAssocID="{936B89ED-3A3B-4098-B749-349776EB7EB7}" presName="parentTextArrow" presStyleLbl="node1" presStyleIdx="0" presStyleCnt="4"/>
+      <dgm:spPr/>
+      <dgm:t>
+        <a:bodyPr/>
+        <a:lstStyle/>
+        <a:p>
+          <a:pPr latinLnBrk="1"/>
+          <a:endParaRPr lang="ko-KR" altLang="en-US"/>
+        </a:p>
+      </dgm:t>
+    </dgm:pt>
+    <dgm:pt modelId="{7585C92C-1AAB-439C-99FC-10FF304CCE81}" type="pres">
+      <dgm:prSet presAssocID="{936B89ED-3A3B-4098-B749-349776EB7EB7}" presName="arrow" presStyleLbl="node1" presStyleIdx="1" presStyleCnt="4"/>
+      <dgm:spPr/>
+      <dgm:t>
+        <a:bodyPr/>
+        <a:lstStyle/>
+        <a:p>
+          <a:pPr latinLnBrk="1"/>
+          <a:endParaRPr lang="ko-KR" altLang="en-US"/>
+        </a:p>
+      </dgm:t>
+    </dgm:pt>
+    <dgm:pt modelId="{9C4A8451-38A0-4F29-A914-99B34DCD5FF3}" type="pres">
+      <dgm:prSet presAssocID="{936B89ED-3A3B-4098-B749-349776EB7EB7}" presName="descendantArrow" presStyleCnt="0"/>
+      <dgm:spPr/>
+    </dgm:pt>
+    <dgm:pt modelId="{644E8BBF-7C4C-437A-B369-BB3EC5A259A8}" type="pres">
+      <dgm:prSet presAssocID="{D6804815-826E-4736-AA6A-8F2788F92D44}" presName="childTextArrow" presStyleLbl="fgAccFollowNode1" presStyleIdx="1" presStyleCnt="4">
+        <dgm:presLayoutVars>
+          <dgm:bulletEnabled val="1"/>
+        </dgm:presLayoutVars>
+      </dgm:prSet>
+      <dgm:spPr/>
+      <dgm:t>
+        <a:bodyPr/>
+        <a:lstStyle/>
+        <a:p>
+          <a:pPr latinLnBrk="1"/>
+          <a:endParaRPr lang="ko-KR" altLang="en-US"/>
+        </a:p>
+      </dgm:t>
+    </dgm:pt>
+    <dgm:pt modelId="{593974E3-BE40-48C5-B2AF-12A8D7F06225}" type="pres">
+      <dgm:prSet presAssocID="{62DB570E-71FF-4099-8E00-893EC3D6FAA0}" presName="sp" presStyleCnt="0"/>
+      <dgm:spPr/>
+    </dgm:pt>
+    <dgm:pt modelId="{AC8DD2E0-E5BE-430F-BFDA-37B12C374639}" type="pres">
+      <dgm:prSet presAssocID="{5B7ADFAB-E7F7-4832-9E97-01DE644DEC70}" presName="arrowAndChildren" presStyleCnt="0"/>
+      <dgm:spPr/>
+    </dgm:pt>
+    <dgm:pt modelId="{597B94DE-928E-42A4-8295-A8D3DAD9C0BE}" type="pres">
+      <dgm:prSet presAssocID="{5B7ADFAB-E7F7-4832-9E97-01DE644DEC70}" presName="parentTextArrow" presStyleLbl="node1" presStyleIdx="1" presStyleCnt="4"/>
+      <dgm:spPr/>
+      <dgm:t>
+        <a:bodyPr/>
+        <a:lstStyle/>
+        <a:p>
+          <a:pPr latinLnBrk="1"/>
+          <a:endParaRPr lang="ko-KR" altLang="en-US"/>
+        </a:p>
+      </dgm:t>
+    </dgm:pt>
+    <dgm:pt modelId="{2D4770C8-225A-4FC8-AEB6-99ADC2F7D4E6}" type="pres">
+      <dgm:prSet presAssocID="{5B7ADFAB-E7F7-4832-9E97-01DE644DEC70}" presName="arrow" presStyleLbl="node1" presStyleIdx="2" presStyleCnt="4"/>
+      <dgm:spPr/>
+      <dgm:t>
+        <a:bodyPr/>
+        <a:lstStyle/>
+        <a:p>
+          <a:pPr latinLnBrk="1"/>
+          <a:endParaRPr lang="ko-KR" altLang="en-US"/>
+        </a:p>
+      </dgm:t>
+    </dgm:pt>
+    <dgm:pt modelId="{8C036B44-8134-4D5E-BF6E-9DA50314B6E6}" type="pres">
+      <dgm:prSet presAssocID="{5B7ADFAB-E7F7-4832-9E97-01DE644DEC70}" presName="descendantArrow" presStyleCnt="0"/>
+      <dgm:spPr/>
+    </dgm:pt>
+    <dgm:pt modelId="{DCF53F88-1B33-4DD2-A681-F1B0C1D4A2F9}" type="pres">
+      <dgm:prSet presAssocID="{CC62DD88-CECA-4A84-AF47-B418CB983B40}" presName="childTextArrow" presStyleLbl="fgAccFollowNode1" presStyleIdx="2" presStyleCnt="4">
+        <dgm:presLayoutVars>
+          <dgm:bulletEnabled val="1"/>
+        </dgm:presLayoutVars>
+      </dgm:prSet>
+      <dgm:spPr/>
+      <dgm:t>
+        <a:bodyPr/>
+        <a:lstStyle/>
+        <a:p>
+          <a:pPr latinLnBrk="1"/>
+          <a:endParaRPr lang="ko-KR" altLang="en-US"/>
+        </a:p>
+      </dgm:t>
+    </dgm:pt>
+    <dgm:pt modelId="{EDC547C4-C6BB-463E-8E6F-1B5340E95007}" type="pres">
+      <dgm:prSet presAssocID="{EFEDF77D-254F-40E7-860B-83F5B67863E4}" presName="sp" presStyleCnt="0"/>
+      <dgm:spPr/>
+    </dgm:pt>
+    <dgm:pt modelId="{A509B621-066A-4FAA-8C35-99BEBEB06CBF}" type="pres">
+      <dgm:prSet presAssocID="{B1070828-017B-4558-93B5-A4A878B43EC1}" presName="arrowAndChildren" presStyleCnt="0"/>
+      <dgm:spPr/>
+    </dgm:pt>
+    <dgm:pt modelId="{FA0F888A-4947-446C-98D1-1CB15937279D}" type="pres">
+      <dgm:prSet presAssocID="{B1070828-017B-4558-93B5-A4A878B43EC1}" presName="parentTextArrow" presStyleLbl="node1" presStyleIdx="2" presStyleCnt="4"/>
+      <dgm:spPr/>
+      <dgm:t>
+        <a:bodyPr/>
+        <a:lstStyle/>
+        <a:p>
+          <a:pPr latinLnBrk="1"/>
+          <a:endParaRPr lang="ko-KR" altLang="en-US"/>
+        </a:p>
+      </dgm:t>
+    </dgm:pt>
+    <dgm:pt modelId="{17FB83D9-56D7-4897-93A7-13A38605C9CD}" type="pres">
+      <dgm:prSet presAssocID="{B1070828-017B-4558-93B5-A4A878B43EC1}" presName="arrow" presStyleLbl="node1" presStyleIdx="3" presStyleCnt="4"/>
+      <dgm:spPr/>
+      <dgm:t>
+        <a:bodyPr/>
+        <a:lstStyle/>
+        <a:p>
+          <a:pPr latinLnBrk="1"/>
+          <a:endParaRPr lang="ko-KR" altLang="en-US"/>
+        </a:p>
+      </dgm:t>
+    </dgm:pt>
+    <dgm:pt modelId="{9D99C3DE-F877-4744-AB3C-B2B2F208C60C}" type="pres">
+      <dgm:prSet presAssocID="{B1070828-017B-4558-93B5-A4A878B43EC1}" presName="descendantArrow" presStyleCnt="0"/>
+      <dgm:spPr/>
+    </dgm:pt>
+    <dgm:pt modelId="{933C193F-A094-4748-99DF-69B14DE8B15C}" type="pres">
+      <dgm:prSet presAssocID="{01E191C7-4C6C-4134-AD18-FAEB61FBA758}" presName="childTextArrow" presStyleLbl="fgAccFollowNode1" presStyleIdx="3" presStyleCnt="4">
+        <dgm:presLayoutVars>
+          <dgm:bulletEnabled val="1"/>
+        </dgm:presLayoutVars>
+      </dgm:prSet>
+      <dgm:spPr/>
+      <dgm:t>
+        <a:bodyPr/>
+        <a:lstStyle/>
+        <a:p>
+          <a:pPr latinLnBrk="1"/>
+          <a:endParaRPr lang="ko-KR" altLang="en-US"/>
+        </a:p>
+      </dgm:t>
+    </dgm:pt>
+  </dgm:ptLst>
+  <dgm:cxnLst>
+    <dgm:cxn modelId="{D8548A7D-37EB-4B42-9B29-1F820F286D50}" srcId="{690FCD79-4F7F-4941-899E-C1357254FE40}" destId="{C8A12EAB-F84E-44CF-895E-964770FAA8FA}" srcOrd="3" destOrd="0" parTransId="{7EC15CFC-ABC5-4C37-9F1C-31744030FE97}" sibTransId="{A74BC842-BE2B-4903-B338-01D213BCA8D1}"/>
+    <dgm:cxn modelId="{6D29D164-C632-4E18-AE95-937B5A92C2F1}" type="presOf" srcId="{D6804815-826E-4736-AA6A-8F2788F92D44}" destId="{644E8BBF-7C4C-437A-B369-BB3EC5A259A8}" srcOrd="0" destOrd="0" presId="urn:microsoft.com/office/officeart/2005/8/layout/process4"/>
+    <dgm:cxn modelId="{C1023841-C9CD-42FC-BA19-40D18F6EAD72}" type="presOf" srcId="{B1070828-017B-4558-93B5-A4A878B43EC1}" destId="{17FB83D9-56D7-4897-93A7-13A38605C9CD}" srcOrd="1" destOrd="0" presId="urn:microsoft.com/office/officeart/2005/8/layout/process4"/>
+    <dgm:cxn modelId="{BB113D62-7A01-463F-8D1A-42253987C8B5}" type="presOf" srcId="{C8A12EAB-F84E-44CF-895E-964770FAA8FA}" destId="{268FC752-FBA7-4C9F-97F9-589637CEFDBA}" srcOrd="0" destOrd="0" presId="urn:microsoft.com/office/officeart/2005/8/layout/process4"/>
+    <dgm:cxn modelId="{757220D3-8353-4887-9C25-32B7087088BB}" type="presOf" srcId="{C8A12EAB-F84E-44CF-895E-964770FAA8FA}" destId="{72D1FF55-79B8-4566-85E2-91E0C5625B34}" srcOrd="1" destOrd="0" presId="urn:microsoft.com/office/officeart/2005/8/layout/process4"/>
+    <dgm:cxn modelId="{E836309D-4F3A-423D-A5D7-DF7786C3C3D6}" type="presOf" srcId="{B1070828-017B-4558-93B5-A4A878B43EC1}" destId="{FA0F888A-4947-446C-98D1-1CB15937279D}" srcOrd="0" destOrd="0" presId="urn:microsoft.com/office/officeart/2005/8/layout/process4"/>
+    <dgm:cxn modelId="{8A72AC11-77F0-431C-BA8E-CEA1AFEBBB17}" srcId="{690FCD79-4F7F-4941-899E-C1357254FE40}" destId="{B1070828-017B-4558-93B5-A4A878B43EC1}" srcOrd="0" destOrd="0" parTransId="{8C0D56F4-35B4-4D33-96B7-11ABDAF6CE25}" sibTransId="{EFEDF77D-254F-40E7-860B-83F5B67863E4}"/>
+    <dgm:cxn modelId="{B4B24066-4C46-4FBA-B7D7-368E6D7D5D5B}" type="presOf" srcId="{CC62DD88-CECA-4A84-AF47-B418CB983B40}" destId="{DCF53F88-1B33-4DD2-A681-F1B0C1D4A2F9}" srcOrd="0" destOrd="0" presId="urn:microsoft.com/office/officeart/2005/8/layout/process4"/>
+    <dgm:cxn modelId="{9863816D-C502-40F5-907F-45B545822D4A}" type="presOf" srcId="{690FCD79-4F7F-4941-899E-C1357254FE40}" destId="{08C1A968-6DA2-492B-BC64-EFEDE0228309}" srcOrd="0" destOrd="0" presId="urn:microsoft.com/office/officeart/2005/8/layout/process4"/>
+    <dgm:cxn modelId="{392ED041-9CAB-47DA-8A75-D5A88D97A320}" type="presOf" srcId="{936B89ED-3A3B-4098-B749-349776EB7EB7}" destId="{5969C39A-D382-412D-AA21-B62DE73A7733}" srcOrd="0" destOrd="0" presId="urn:microsoft.com/office/officeart/2005/8/layout/process4"/>
+    <dgm:cxn modelId="{CBA27447-6393-42F4-B313-997C4642767E}" type="presOf" srcId="{5B7ADFAB-E7F7-4832-9E97-01DE644DEC70}" destId="{2D4770C8-225A-4FC8-AEB6-99ADC2F7D4E6}" srcOrd="1" destOrd="0" presId="urn:microsoft.com/office/officeart/2005/8/layout/process4"/>
+    <dgm:cxn modelId="{C1306825-215C-4D50-9913-5CCE5070587F}" srcId="{C8A12EAB-F84E-44CF-895E-964770FAA8FA}" destId="{0DB0C99E-7C4D-48CB-9CB4-B8466E08A4F3}" srcOrd="0" destOrd="0" parTransId="{E263272B-F4DF-4C20-9DFA-B54F196699BA}" sibTransId="{A956C7B1-DA7E-4A8D-8A1D-9138CAC5A280}"/>
+    <dgm:cxn modelId="{E2F7F355-7323-4028-8A8C-BEC601160AE0}" srcId="{690FCD79-4F7F-4941-899E-C1357254FE40}" destId="{5B7ADFAB-E7F7-4832-9E97-01DE644DEC70}" srcOrd="1" destOrd="0" parTransId="{85A727D0-6583-461E-A8F9-C4551A0F2942}" sibTransId="{62DB570E-71FF-4099-8E00-893EC3D6FAA0}"/>
+    <dgm:cxn modelId="{E4248758-9600-4545-9C0D-2093CFF15A76}" srcId="{5B7ADFAB-E7F7-4832-9E97-01DE644DEC70}" destId="{CC62DD88-CECA-4A84-AF47-B418CB983B40}" srcOrd="0" destOrd="0" parTransId="{DAE49683-4D94-405D-B81D-2A1080273757}" sibTransId="{6FA75AB3-C13B-465C-9569-CB347C3B9E9F}"/>
+    <dgm:cxn modelId="{B7B02A65-704F-4965-9425-1ABE54DCBE90}" srcId="{B1070828-017B-4558-93B5-A4A878B43EC1}" destId="{01E191C7-4C6C-4134-AD18-FAEB61FBA758}" srcOrd="0" destOrd="0" parTransId="{294D06CD-F299-4EE4-82D1-96E9B0258762}" sibTransId="{27CC28C4-28F5-4480-8C2D-93ACF87CE791}"/>
+    <dgm:cxn modelId="{88DE7D5E-1982-4915-AA00-D3C949D57235}" srcId="{936B89ED-3A3B-4098-B749-349776EB7EB7}" destId="{D6804815-826E-4736-AA6A-8F2788F92D44}" srcOrd="0" destOrd="0" parTransId="{B0E84428-268C-4952-8729-7A61BB8AF4BA}" sibTransId="{E91686C6-5043-4E9A-BF76-77121A5B1949}"/>
+    <dgm:cxn modelId="{5678D53F-859C-4E52-81EB-F4CFDCC6BF87}" srcId="{690FCD79-4F7F-4941-899E-C1357254FE40}" destId="{936B89ED-3A3B-4098-B749-349776EB7EB7}" srcOrd="2" destOrd="0" parTransId="{DE9E5655-DAE5-49DF-848D-ED68D5CE543C}" sibTransId="{B5BEA7D9-3A94-4660-92FE-F7F8B126E1D8}"/>
+    <dgm:cxn modelId="{AD301BA5-9095-46C9-9102-FAF6EC19EE3C}" type="presOf" srcId="{0DB0C99E-7C4D-48CB-9CB4-B8466E08A4F3}" destId="{4F2EB158-CC78-4347-8E95-A67A549C28F0}" srcOrd="0" destOrd="0" presId="urn:microsoft.com/office/officeart/2005/8/layout/process4"/>
+    <dgm:cxn modelId="{8B00F0A9-1A61-47A6-B6EF-197F27E637F4}" type="presOf" srcId="{936B89ED-3A3B-4098-B749-349776EB7EB7}" destId="{7585C92C-1AAB-439C-99FC-10FF304CCE81}" srcOrd="1" destOrd="0" presId="urn:microsoft.com/office/officeart/2005/8/layout/process4"/>
+    <dgm:cxn modelId="{8DBD0CDE-93AF-43C7-8F5E-1339ED12ED0A}" type="presOf" srcId="{5B7ADFAB-E7F7-4832-9E97-01DE644DEC70}" destId="{597B94DE-928E-42A4-8295-A8D3DAD9C0BE}" srcOrd="0" destOrd="0" presId="urn:microsoft.com/office/officeart/2005/8/layout/process4"/>
+    <dgm:cxn modelId="{3D307461-051B-4717-BF45-CF318C3020EC}" type="presOf" srcId="{01E191C7-4C6C-4134-AD18-FAEB61FBA758}" destId="{933C193F-A094-4748-99DF-69B14DE8B15C}" srcOrd="0" destOrd="0" presId="urn:microsoft.com/office/officeart/2005/8/layout/process4"/>
+    <dgm:cxn modelId="{9EE1C376-E2CB-47B3-9648-D83D72C0B4BD}" type="presParOf" srcId="{08C1A968-6DA2-492B-BC64-EFEDE0228309}" destId="{DB1505B2-B6A8-430D-9B6A-50DB93E5DE44}" srcOrd="0" destOrd="0" presId="urn:microsoft.com/office/officeart/2005/8/layout/process4"/>
+    <dgm:cxn modelId="{3CFC1DEB-67E3-4266-B2D7-760C0E5A5266}" type="presParOf" srcId="{DB1505B2-B6A8-430D-9B6A-50DB93E5DE44}" destId="{268FC752-FBA7-4C9F-97F9-589637CEFDBA}" srcOrd="0" destOrd="0" presId="urn:microsoft.com/office/officeart/2005/8/layout/process4"/>
+    <dgm:cxn modelId="{18AABE3B-43F4-4A22-A1A7-A1D4B2AD298C}" type="presParOf" srcId="{DB1505B2-B6A8-430D-9B6A-50DB93E5DE44}" destId="{72D1FF55-79B8-4566-85E2-91E0C5625B34}" srcOrd="1" destOrd="0" presId="urn:microsoft.com/office/officeart/2005/8/layout/process4"/>
+    <dgm:cxn modelId="{DFBAD7C3-33CF-40AF-9461-4970C8EBE680}" type="presParOf" srcId="{DB1505B2-B6A8-430D-9B6A-50DB93E5DE44}" destId="{7523D2D8-83B3-4F94-AA6E-ECE994E2F08E}" srcOrd="2" destOrd="0" presId="urn:microsoft.com/office/officeart/2005/8/layout/process4"/>
+    <dgm:cxn modelId="{1368EDA0-7287-4467-9729-1C026EADDBBB}" type="presParOf" srcId="{7523D2D8-83B3-4F94-AA6E-ECE994E2F08E}" destId="{4F2EB158-CC78-4347-8E95-A67A549C28F0}" srcOrd="0" destOrd="0" presId="urn:microsoft.com/office/officeart/2005/8/layout/process4"/>
+    <dgm:cxn modelId="{E8045F7E-3A35-45AD-A436-8649B0E1C6C3}" type="presParOf" srcId="{08C1A968-6DA2-492B-BC64-EFEDE0228309}" destId="{EA6B0F3F-B6AE-4417-8CCD-463468A70290}" srcOrd="1" destOrd="0" presId="urn:microsoft.com/office/officeart/2005/8/layout/process4"/>
+    <dgm:cxn modelId="{97E83EEB-6821-4333-9ECF-77F4C86BD09F}" type="presParOf" srcId="{08C1A968-6DA2-492B-BC64-EFEDE0228309}" destId="{C6D0052C-E61E-4DFC-AE36-966C028221CB}" srcOrd="2" destOrd="0" presId="urn:microsoft.com/office/officeart/2005/8/layout/process4"/>
+    <dgm:cxn modelId="{60011AC5-55E5-4181-B222-DDD37F716073}" type="presParOf" srcId="{C6D0052C-E61E-4DFC-AE36-966C028221CB}" destId="{5969C39A-D382-412D-AA21-B62DE73A7733}" srcOrd="0" destOrd="0" presId="urn:microsoft.com/office/officeart/2005/8/layout/process4"/>
+    <dgm:cxn modelId="{FF27C0FB-F6BF-4CCA-945A-CD467A54C361}" type="presParOf" srcId="{C6D0052C-E61E-4DFC-AE36-966C028221CB}" destId="{7585C92C-1AAB-439C-99FC-10FF304CCE81}" srcOrd="1" destOrd="0" presId="urn:microsoft.com/office/officeart/2005/8/layout/process4"/>
+    <dgm:cxn modelId="{571ECF8D-0A7F-4EA7-BF99-E3EA640176AF}" type="presParOf" srcId="{C6D0052C-E61E-4DFC-AE36-966C028221CB}" destId="{9C4A8451-38A0-4F29-A914-99B34DCD5FF3}" srcOrd="2" destOrd="0" presId="urn:microsoft.com/office/officeart/2005/8/layout/process4"/>
+    <dgm:cxn modelId="{91D23FBD-4FF1-4E02-8289-84A9D9D3A442}" type="presParOf" srcId="{9C4A8451-38A0-4F29-A914-99B34DCD5FF3}" destId="{644E8BBF-7C4C-437A-B369-BB3EC5A259A8}" srcOrd="0" destOrd="0" presId="urn:microsoft.com/office/officeart/2005/8/layout/process4"/>
+    <dgm:cxn modelId="{6119AEF8-C506-4C0D-8C4A-6798499758EA}" type="presParOf" srcId="{08C1A968-6DA2-492B-BC64-EFEDE0228309}" destId="{593974E3-BE40-48C5-B2AF-12A8D7F06225}" srcOrd="3" destOrd="0" presId="urn:microsoft.com/office/officeart/2005/8/layout/process4"/>
+    <dgm:cxn modelId="{27883370-307D-42D7-BE1F-1938B498A6CD}" type="presParOf" srcId="{08C1A968-6DA2-492B-BC64-EFEDE0228309}" destId="{AC8DD2E0-E5BE-430F-BFDA-37B12C374639}" srcOrd="4" destOrd="0" presId="urn:microsoft.com/office/officeart/2005/8/layout/process4"/>
+    <dgm:cxn modelId="{D511C409-42A8-43C4-A928-1D19EBB8E9FB}" type="presParOf" srcId="{AC8DD2E0-E5BE-430F-BFDA-37B12C374639}" destId="{597B94DE-928E-42A4-8295-A8D3DAD9C0BE}" srcOrd="0" destOrd="0" presId="urn:microsoft.com/office/officeart/2005/8/layout/process4"/>
+    <dgm:cxn modelId="{4DDEF0A0-5C3D-46B5-BF48-4BD72F3D918C}" type="presParOf" srcId="{AC8DD2E0-E5BE-430F-BFDA-37B12C374639}" destId="{2D4770C8-225A-4FC8-AEB6-99ADC2F7D4E6}" srcOrd="1" destOrd="0" presId="urn:microsoft.com/office/officeart/2005/8/layout/process4"/>
+    <dgm:cxn modelId="{98300431-5F39-41D0-AE2A-BA732788DFA0}" type="presParOf" srcId="{AC8DD2E0-E5BE-430F-BFDA-37B12C374639}" destId="{8C036B44-8134-4D5E-BF6E-9DA50314B6E6}" srcOrd="2" destOrd="0" presId="urn:microsoft.com/office/officeart/2005/8/layout/process4"/>
+    <dgm:cxn modelId="{CBFF45C3-712B-4BC7-946D-53901149DF4D}" type="presParOf" srcId="{8C036B44-8134-4D5E-BF6E-9DA50314B6E6}" destId="{DCF53F88-1B33-4DD2-A681-F1B0C1D4A2F9}" srcOrd="0" destOrd="0" presId="urn:microsoft.com/office/officeart/2005/8/layout/process4"/>
+    <dgm:cxn modelId="{7381A558-A1A8-4C27-AD62-9B0D97B85138}" type="presParOf" srcId="{08C1A968-6DA2-492B-BC64-EFEDE0228309}" destId="{EDC547C4-C6BB-463E-8E6F-1B5340E95007}" srcOrd="5" destOrd="0" presId="urn:microsoft.com/office/officeart/2005/8/layout/process4"/>
+    <dgm:cxn modelId="{5292B9E7-05A8-484F-91A6-3A3F669BBD42}" type="presParOf" srcId="{08C1A968-6DA2-492B-BC64-EFEDE0228309}" destId="{A509B621-066A-4FAA-8C35-99BEBEB06CBF}" srcOrd="6" destOrd="0" presId="urn:microsoft.com/office/officeart/2005/8/layout/process4"/>
+    <dgm:cxn modelId="{1782F8F4-3E99-4D79-A5F2-98878B9BC259}" type="presParOf" srcId="{A509B621-066A-4FAA-8C35-99BEBEB06CBF}" destId="{FA0F888A-4947-446C-98D1-1CB15937279D}" srcOrd="0" destOrd="0" presId="urn:microsoft.com/office/officeart/2005/8/layout/process4"/>
+    <dgm:cxn modelId="{6AC26438-6C55-46DE-820E-ABB6FFC2FF2E}" type="presParOf" srcId="{A509B621-066A-4FAA-8C35-99BEBEB06CBF}" destId="{17FB83D9-56D7-4897-93A7-13A38605C9CD}" srcOrd="1" destOrd="0" presId="urn:microsoft.com/office/officeart/2005/8/layout/process4"/>
+    <dgm:cxn modelId="{0AE32C53-7BEC-40C1-B019-F7F051CC8216}" type="presParOf" srcId="{A509B621-066A-4FAA-8C35-99BEBEB06CBF}" destId="{9D99C3DE-F877-4744-AB3C-B2B2F208C60C}" srcOrd="2" destOrd="0" presId="urn:microsoft.com/office/officeart/2005/8/layout/process4"/>
+    <dgm:cxn modelId="{EF20BBEF-FA2D-48BD-B6D7-692858C44C03}" type="presParOf" srcId="{9D99C3DE-F877-4744-AB3C-B2B2F208C60C}" destId="{933C193F-A094-4748-99DF-69B14DE8B15C}" srcOrd="0" destOrd="0" presId="urn:microsoft.com/office/officeart/2005/8/layout/process4"/>
+  </dgm:cxnLst>
+  <dgm:bg/>
+  <dgm:whole/>
+  <dgm:extLst>
+    <a:ext uri="http://schemas.microsoft.com/office/drawing/2008/diagram">
+      <dsp:dataModelExt xmlns:dsp="http://schemas.microsoft.com/office/drawing/2008/diagram" relId="rId6" minVer="http://schemas.openxmlformats.org/drawingml/2006/diagram"/>
+    </a:ext>
+  </dgm:extLst>
+</dgm:dataModel>
+</file>
+
+<file path=ppt/diagrams/drawing1.xml><?xml version="1.0" encoding="utf-8"?>
+<dsp:drawing xmlns:dgm="http://schemas.openxmlformats.org/drawingml/2006/diagram" xmlns:dsp="http://schemas.microsoft.com/office/drawing/2008/diagram" xmlns:a="http://schemas.openxmlformats.org/drawingml/2006/main">
+  <dsp:spTree>
+    <dsp:nvGrpSpPr>
+      <dsp:cNvPr id="0" name=""/>
+      <dsp:cNvGrpSpPr/>
+    </dsp:nvGrpSpPr>
+    <dsp:grpSpPr/>
+    <dsp:sp modelId="{72D1FF55-79B8-4566-85E2-91E0C5625B34}">
+      <dsp:nvSpPr>
+        <dsp:cNvPr id="0" name=""/>
+        <dsp:cNvSpPr/>
+      </dsp:nvSpPr>
+      <dsp:spPr>
+        <a:xfrm>
+          <a:off x="0" y="4444481"/>
+          <a:ext cx="8128000" cy="972343"/>
+        </a:xfrm>
+        <a:prstGeom prst="rect">
+          <a:avLst/>
+        </a:prstGeom>
+        <a:solidFill>
+          <a:schemeClr val="accent1">
+            <a:hueOff val="0"/>
+            <a:satOff val="0"/>
+            <a:lumOff val="0"/>
+            <a:alphaOff val="0"/>
+          </a:schemeClr>
+        </a:solidFill>
+        <a:ln w="12700" cap="flat" cmpd="sng" algn="ctr">
+          <a:solidFill>
+            <a:schemeClr val="lt1">
+              <a:hueOff val="0"/>
+              <a:satOff val="0"/>
+              <a:lumOff val="0"/>
+              <a:alphaOff val="0"/>
+            </a:schemeClr>
+          </a:solidFill>
+          <a:prstDash val="solid"/>
+          <a:miter lim="800000"/>
+        </a:ln>
+        <a:effectLst/>
+      </dsp:spPr>
+      <dsp:style>
+        <a:lnRef idx="2">
+          <a:scrgbClr r="0" g="0" b="0"/>
+        </a:lnRef>
+        <a:fillRef idx="1">
+          <a:scrgbClr r="0" g="0" b="0"/>
+        </a:fillRef>
+        <a:effectRef idx="0">
+          <a:scrgbClr r="0" g="0" b="0"/>
+        </a:effectRef>
+        <a:fontRef idx="minor">
+          <a:schemeClr val="lt1"/>
+        </a:fontRef>
+      </dsp:style>
+      <dsp:txBody>
+        <a:bodyPr spcFirstLastPara="0" vert="horz" wrap="square" lIns="256032" tIns="256032" rIns="256032" bIns="256032" numCol="1" spcCol="1270" anchor="ctr" anchorCtr="0">
+          <a:noAutofit/>
+        </a:bodyPr>
+        <a:lstStyle/>
+        <a:p>
+          <a:pPr lvl="0" algn="ctr" defTabSz="1600200" latinLnBrk="1">
+            <a:lnSpc>
+              <a:spcPct val="90000"/>
+            </a:lnSpc>
+            <a:spcBef>
+              <a:spcPct val="0"/>
+            </a:spcBef>
+            <a:spcAft>
+              <a:spcPct val="35000"/>
+            </a:spcAft>
+          </a:pPr>
+          <a:r>
+            <a:rPr lang="en-US" altLang="ko-KR" sz="3600" kern="1200" dirty="0" smtClean="0">
+              <a:latin typeface="HY수평선M" panose="02030600000101010101" pitchFamily="18" charset="-127"/>
+              <a:ea typeface="HY수평선M" panose="02030600000101010101" pitchFamily="18" charset="-127"/>
+            </a:rPr>
+            <a:t>10</a:t>
+          </a:r>
+          <a:r>
+            <a:rPr lang="ko-KR" altLang="en-US" sz="3600" kern="1200" dirty="0" smtClean="0">
+              <a:latin typeface="HY수평선M" panose="02030600000101010101" pitchFamily="18" charset="-127"/>
+              <a:ea typeface="HY수평선M" panose="02030600000101010101" pitchFamily="18" charset="-127"/>
+            </a:rPr>
+            <a:t>번 부서 삭제</a:t>
+          </a:r>
+          <a:endParaRPr lang="ko-KR" altLang="en-US" sz="3600" kern="1200" dirty="0">
+            <a:latin typeface="HY수평선M" panose="02030600000101010101" pitchFamily="18" charset="-127"/>
+            <a:ea typeface="HY수평선M" panose="02030600000101010101" pitchFamily="18" charset="-127"/>
+          </a:endParaRPr>
+        </a:p>
+      </dsp:txBody>
+      <dsp:txXfrm>
+        <a:off x="0" y="4444481"/>
+        <a:ext cx="8128000" cy="525065"/>
+      </dsp:txXfrm>
+    </dsp:sp>
+    <dsp:sp modelId="{4F2EB158-CC78-4347-8E95-A67A549C28F0}">
+      <dsp:nvSpPr>
+        <dsp:cNvPr id="0" name=""/>
+        <dsp:cNvSpPr/>
+      </dsp:nvSpPr>
+      <dsp:spPr>
+        <a:xfrm>
+          <a:off x="0" y="4950099"/>
+          <a:ext cx="8128000" cy="447278"/>
+        </a:xfrm>
+        <a:prstGeom prst="rect">
+          <a:avLst/>
+        </a:prstGeom>
+        <a:solidFill>
+          <a:schemeClr val="accent1">
+            <a:alpha val="90000"/>
+            <a:tint val="40000"/>
+            <a:hueOff val="0"/>
+            <a:satOff val="0"/>
+            <a:lumOff val="0"/>
+            <a:alphaOff val="0"/>
+          </a:schemeClr>
+        </a:solidFill>
+        <a:ln w="12700" cap="flat" cmpd="sng" algn="ctr">
+          <a:solidFill>
+            <a:schemeClr val="accent1">
+              <a:alpha val="90000"/>
+              <a:tint val="40000"/>
+              <a:hueOff val="0"/>
+              <a:satOff val="0"/>
+              <a:lumOff val="0"/>
+              <a:alphaOff val="0"/>
+            </a:schemeClr>
+          </a:solidFill>
+          <a:prstDash val="solid"/>
+          <a:miter lim="800000"/>
+        </a:ln>
+        <a:effectLst/>
+      </dsp:spPr>
+      <dsp:style>
+        <a:lnRef idx="2">
+          <a:scrgbClr r="0" g="0" b="0"/>
+        </a:lnRef>
+        <a:fillRef idx="1">
+          <a:scrgbClr r="0" g="0" b="0"/>
+        </a:fillRef>
+        <a:effectRef idx="0">
+          <a:scrgbClr r="0" g="0" b="0"/>
+        </a:effectRef>
+        <a:fontRef idx="minor"/>
+      </dsp:style>
+      <dsp:txBody>
+        <a:bodyPr spcFirstLastPara="0" vert="horz" wrap="square" lIns="177800" tIns="31750" rIns="177800" bIns="31750" numCol="1" spcCol="1270" anchor="ctr" anchorCtr="0">
+          <a:noAutofit/>
+        </a:bodyPr>
+        <a:lstStyle/>
+        <a:p>
+          <a:pPr lvl="0" algn="ctr" defTabSz="1111250" latinLnBrk="1">
+            <a:lnSpc>
+              <a:spcPct val="90000"/>
+            </a:lnSpc>
+            <a:spcBef>
+              <a:spcPct val="0"/>
+            </a:spcBef>
+            <a:spcAft>
+              <a:spcPct val="35000"/>
+            </a:spcAft>
+          </a:pPr>
+          <a:r>
+            <a:rPr lang="ko-KR" altLang="en-US" sz="2500" kern="1200" dirty="0" smtClean="0">
+              <a:latin typeface="HY수평선M" panose="02030600000101010101" pitchFamily="18" charset="-127"/>
+              <a:ea typeface="HY수평선M" panose="02030600000101010101" pitchFamily="18" charset="-127"/>
+            </a:rPr>
+            <a:t>현재</a:t>
+          </a:r>
+          <a:endParaRPr lang="ko-KR" altLang="en-US" sz="2500" kern="1200" dirty="0">
+            <a:latin typeface="HY수평선M" panose="02030600000101010101" pitchFamily="18" charset="-127"/>
+            <a:ea typeface="HY수평선M" panose="02030600000101010101" pitchFamily="18" charset="-127"/>
+          </a:endParaRPr>
+        </a:p>
+      </dsp:txBody>
+      <dsp:txXfrm>
+        <a:off x="0" y="4950099"/>
+        <a:ext cx="8128000" cy="447278"/>
+      </dsp:txXfrm>
+    </dsp:sp>
+    <dsp:sp modelId="{7585C92C-1AAB-439C-99FC-10FF304CCE81}">
+      <dsp:nvSpPr>
+        <dsp:cNvPr id="0" name=""/>
+        <dsp:cNvSpPr/>
+      </dsp:nvSpPr>
+      <dsp:spPr>
+        <a:xfrm rot="10800000">
+          <a:off x="0" y="2963601"/>
+          <a:ext cx="8128000" cy="1495464"/>
+        </a:xfrm>
+        <a:prstGeom prst="upArrowCallout">
+          <a:avLst/>
+        </a:prstGeom>
+        <a:solidFill>
+          <a:schemeClr val="accent1">
+            <a:hueOff val="0"/>
+            <a:satOff val="0"/>
+            <a:lumOff val="0"/>
+            <a:alphaOff val="0"/>
+          </a:schemeClr>
+        </a:solidFill>
+        <a:ln w="12700" cap="flat" cmpd="sng" algn="ctr">
+          <a:solidFill>
+            <a:schemeClr val="lt1">
+              <a:hueOff val="0"/>
+              <a:satOff val="0"/>
+              <a:lumOff val="0"/>
+              <a:alphaOff val="0"/>
+            </a:schemeClr>
+          </a:solidFill>
+          <a:prstDash val="solid"/>
+          <a:miter lim="800000"/>
+        </a:ln>
+        <a:effectLst/>
+      </dsp:spPr>
+      <dsp:style>
+        <a:lnRef idx="2">
+          <a:scrgbClr r="0" g="0" b="0"/>
+        </a:lnRef>
+        <a:fillRef idx="1">
+          <a:scrgbClr r="0" g="0" b="0"/>
+        </a:fillRef>
+        <a:effectRef idx="0">
+          <a:scrgbClr r="0" g="0" b="0"/>
+        </a:effectRef>
+        <a:fontRef idx="minor">
+          <a:schemeClr val="lt1"/>
+        </a:fontRef>
+      </dsp:style>
+      <dsp:txBody>
+        <a:bodyPr spcFirstLastPara="0" vert="horz" wrap="square" lIns="256032" tIns="256032" rIns="256032" bIns="256032" numCol="1" spcCol="1270" anchor="ctr" anchorCtr="0">
+          <a:noAutofit/>
+        </a:bodyPr>
+        <a:lstStyle/>
+        <a:p>
+          <a:pPr lvl="0" algn="ctr" defTabSz="1600200" latinLnBrk="1">
+            <a:lnSpc>
+              <a:spcPct val="90000"/>
+            </a:lnSpc>
+            <a:spcBef>
+              <a:spcPct val="0"/>
+            </a:spcBef>
+            <a:spcAft>
+              <a:spcPct val="35000"/>
+            </a:spcAft>
+          </a:pPr>
+          <a:r>
+            <a:rPr lang="en-US" altLang="ko-KR" sz="3600" kern="1200" dirty="0" smtClean="0">
+              <a:latin typeface="HY수평선M" panose="02030600000101010101" pitchFamily="18" charset="-127"/>
+              <a:ea typeface="HY수평선M" panose="02030600000101010101" pitchFamily="18" charset="-127"/>
+            </a:rPr>
+            <a:t>20</a:t>
+          </a:r>
+          <a:r>
+            <a:rPr lang="ko-KR" altLang="en-US" sz="3600" kern="1200" dirty="0" smtClean="0">
+              <a:latin typeface="HY수평선M" panose="02030600000101010101" pitchFamily="18" charset="-127"/>
+              <a:ea typeface="HY수평선M" panose="02030600000101010101" pitchFamily="18" charset="-127"/>
+            </a:rPr>
+            <a:t>번 부서 삭제</a:t>
+          </a:r>
+          <a:endParaRPr lang="ko-KR" altLang="en-US" sz="3600" kern="1200" dirty="0">
+            <a:latin typeface="HY수평선M" panose="02030600000101010101" pitchFamily="18" charset="-127"/>
+            <a:ea typeface="HY수평선M" panose="02030600000101010101" pitchFamily="18" charset="-127"/>
+          </a:endParaRPr>
+        </a:p>
+      </dsp:txBody>
+      <dsp:txXfrm rot="-10800000">
+        <a:off x="0" y="2963601"/>
+        <a:ext cx="8128000" cy="524908"/>
+      </dsp:txXfrm>
+    </dsp:sp>
+    <dsp:sp modelId="{644E8BBF-7C4C-437A-B369-BB3EC5A259A8}">
+      <dsp:nvSpPr>
+        <dsp:cNvPr id="0" name=""/>
+        <dsp:cNvSpPr/>
+      </dsp:nvSpPr>
+      <dsp:spPr>
+        <a:xfrm>
+          <a:off x="0" y="3488509"/>
+          <a:ext cx="8128000" cy="447143"/>
+        </a:xfrm>
+        <a:prstGeom prst="rect">
+          <a:avLst/>
+        </a:prstGeom>
+        <a:solidFill>
+          <a:schemeClr val="accent1">
+            <a:alpha val="90000"/>
+            <a:tint val="40000"/>
+            <a:hueOff val="0"/>
+            <a:satOff val="0"/>
+            <a:lumOff val="0"/>
+            <a:alphaOff val="0"/>
+          </a:schemeClr>
+        </a:solidFill>
+        <a:ln w="12700" cap="flat" cmpd="sng" algn="ctr">
+          <a:solidFill>
+            <a:schemeClr val="accent1">
+              <a:alpha val="90000"/>
+              <a:tint val="40000"/>
+              <a:hueOff val="0"/>
+              <a:satOff val="0"/>
+              <a:lumOff val="0"/>
+              <a:alphaOff val="0"/>
+            </a:schemeClr>
+          </a:solidFill>
+          <a:prstDash val="solid"/>
+          <a:miter lim="800000"/>
+        </a:ln>
+        <a:effectLst/>
+      </dsp:spPr>
+      <dsp:style>
+        <a:lnRef idx="2">
+          <a:scrgbClr r="0" g="0" b="0"/>
+        </a:lnRef>
+        <a:fillRef idx="1">
+          <a:scrgbClr r="0" g="0" b="0"/>
+        </a:fillRef>
+        <a:effectRef idx="0">
+          <a:scrgbClr r="0" g="0" b="0"/>
+        </a:effectRef>
+        <a:fontRef idx="minor"/>
+      </dsp:style>
+      <dsp:txBody>
+        <a:bodyPr spcFirstLastPara="0" vert="horz" wrap="square" lIns="177800" tIns="31750" rIns="177800" bIns="31750" numCol="1" spcCol="1270" anchor="ctr" anchorCtr="0">
+          <a:noAutofit/>
+        </a:bodyPr>
+        <a:lstStyle/>
+        <a:p>
+          <a:pPr lvl="0" algn="ctr" defTabSz="1111250" latinLnBrk="1">
+            <a:lnSpc>
+              <a:spcPct val="90000"/>
+            </a:lnSpc>
+            <a:spcBef>
+              <a:spcPct val="0"/>
+            </a:spcBef>
+            <a:spcAft>
+              <a:spcPct val="35000"/>
+            </a:spcAft>
+          </a:pPr>
+          <a:r>
+            <a:rPr lang="ko-KR" altLang="en-US" sz="2500" kern="1200" dirty="0" smtClean="0">
+              <a:latin typeface="HY수평선M" panose="02030600000101010101" pitchFamily="18" charset="-127"/>
+              <a:ea typeface="HY수평선M" panose="02030600000101010101" pitchFamily="18" charset="-127"/>
+            </a:rPr>
+            <a:t>세이브포인트 </a:t>
+          </a:r>
+          <a:r>
+            <a:rPr lang="en-US" altLang="ko-KR" sz="2500" kern="1200" dirty="0" smtClean="0">
+              <a:latin typeface="HY수평선M" panose="02030600000101010101" pitchFamily="18" charset="-127"/>
+              <a:ea typeface="HY수평선M" panose="02030600000101010101" pitchFamily="18" charset="-127"/>
+            </a:rPr>
+            <a:t>C2</a:t>
+          </a:r>
+          <a:r>
+            <a:rPr lang="ko-KR" altLang="en-US" sz="2500" kern="1200" dirty="0" smtClean="0">
+              <a:latin typeface="HY수평선M" panose="02030600000101010101" pitchFamily="18" charset="-127"/>
+              <a:ea typeface="HY수평선M" panose="02030600000101010101" pitchFamily="18" charset="-127"/>
+            </a:rPr>
+            <a:t>생성</a:t>
+          </a:r>
+          <a:endParaRPr lang="ko-KR" altLang="en-US" sz="2500" kern="1200" dirty="0">
+            <a:latin typeface="HY수평선M" panose="02030600000101010101" pitchFamily="18" charset="-127"/>
+            <a:ea typeface="HY수평선M" panose="02030600000101010101" pitchFamily="18" charset="-127"/>
+          </a:endParaRPr>
+        </a:p>
+      </dsp:txBody>
+      <dsp:txXfrm>
+        <a:off x="0" y="3488509"/>
+        <a:ext cx="8128000" cy="447143"/>
+      </dsp:txXfrm>
+    </dsp:sp>
+    <dsp:sp modelId="{2D4770C8-225A-4FC8-AEB6-99ADC2F7D4E6}">
+      <dsp:nvSpPr>
+        <dsp:cNvPr id="0" name=""/>
+        <dsp:cNvSpPr/>
+      </dsp:nvSpPr>
+      <dsp:spPr>
+        <a:xfrm rot="10800000">
+          <a:off x="0" y="1482721"/>
+          <a:ext cx="8128000" cy="1495464"/>
+        </a:xfrm>
+        <a:prstGeom prst="upArrowCallout">
+          <a:avLst/>
+        </a:prstGeom>
+        <a:solidFill>
+          <a:schemeClr val="accent1">
+            <a:hueOff val="0"/>
+            <a:satOff val="0"/>
+            <a:lumOff val="0"/>
+            <a:alphaOff val="0"/>
+          </a:schemeClr>
+        </a:solidFill>
+        <a:ln w="12700" cap="flat" cmpd="sng" algn="ctr">
+          <a:solidFill>
+            <a:schemeClr val="lt1">
+              <a:hueOff val="0"/>
+              <a:satOff val="0"/>
+              <a:lumOff val="0"/>
+              <a:alphaOff val="0"/>
+            </a:schemeClr>
+          </a:solidFill>
+          <a:prstDash val="solid"/>
+          <a:miter lim="800000"/>
+        </a:ln>
+        <a:effectLst/>
+      </dsp:spPr>
+      <dsp:style>
+        <a:lnRef idx="2">
+          <a:scrgbClr r="0" g="0" b="0"/>
+        </a:lnRef>
+        <a:fillRef idx="1">
+          <a:scrgbClr r="0" g="0" b="0"/>
+        </a:fillRef>
+        <a:effectRef idx="0">
+          <a:scrgbClr r="0" g="0" b="0"/>
+        </a:effectRef>
+        <a:fontRef idx="minor">
+          <a:schemeClr val="lt1"/>
+        </a:fontRef>
+      </dsp:style>
+      <dsp:txBody>
+        <a:bodyPr spcFirstLastPara="0" vert="horz" wrap="square" lIns="256032" tIns="256032" rIns="256032" bIns="256032" numCol="1" spcCol="1270" anchor="ctr" anchorCtr="0">
+          <a:noAutofit/>
+        </a:bodyPr>
+        <a:lstStyle/>
+        <a:p>
+          <a:pPr lvl="0" algn="ctr" defTabSz="1600200" latinLnBrk="1">
+            <a:lnSpc>
+              <a:spcPct val="90000"/>
+            </a:lnSpc>
+            <a:spcBef>
+              <a:spcPct val="0"/>
+            </a:spcBef>
+            <a:spcAft>
+              <a:spcPct val="35000"/>
+            </a:spcAft>
+          </a:pPr>
+          <a:r>
+            <a:rPr lang="en-US" altLang="ko-KR" sz="3600" kern="1200" dirty="0" smtClean="0">
+              <a:latin typeface="HY수평선M" panose="02030600000101010101" pitchFamily="18" charset="-127"/>
+              <a:ea typeface="HY수평선M" panose="02030600000101010101" pitchFamily="18" charset="-127"/>
+            </a:rPr>
+            <a:t>30</a:t>
+          </a:r>
+          <a:r>
+            <a:rPr lang="ko-KR" altLang="en-US" sz="3600" kern="1200" dirty="0" smtClean="0">
+              <a:latin typeface="HY수평선M" panose="02030600000101010101" pitchFamily="18" charset="-127"/>
+              <a:ea typeface="HY수평선M" panose="02030600000101010101" pitchFamily="18" charset="-127"/>
+            </a:rPr>
+            <a:t>번 부서 삭제</a:t>
+          </a:r>
+          <a:endParaRPr lang="ko-KR" altLang="en-US" sz="3600" kern="1200" dirty="0">
+            <a:latin typeface="HY수평선M" panose="02030600000101010101" pitchFamily="18" charset="-127"/>
+            <a:ea typeface="HY수평선M" panose="02030600000101010101" pitchFamily="18" charset="-127"/>
+          </a:endParaRPr>
+        </a:p>
+      </dsp:txBody>
+      <dsp:txXfrm rot="-10800000">
+        <a:off x="0" y="1482721"/>
+        <a:ext cx="8128000" cy="524908"/>
+      </dsp:txXfrm>
+    </dsp:sp>
+    <dsp:sp modelId="{DCF53F88-1B33-4DD2-A681-F1B0C1D4A2F9}">
+      <dsp:nvSpPr>
+        <dsp:cNvPr id="0" name=""/>
+        <dsp:cNvSpPr/>
+      </dsp:nvSpPr>
+      <dsp:spPr>
+        <a:xfrm>
+          <a:off x="0" y="2007629"/>
+          <a:ext cx="8128000" cy="447143"/>
+        </a:xfrm>
+        <a:prstGeom prst="rect">
+          <a:avLst/>
+        </a:prstGeom>
+        <a:solidFill>
+          <a:schemeClr val="accent1">
+            <a:alpha val="90000"/>
+            <a:tint val="40000"/>
+            <a:hueOff val="0"/>
+            <a:satOff val="0"/>
+            <a:lumOff val="0"/>
+            <a:alphaOff val="0"/>
+          </a:schemeClr>
+        </a:solidFill>
+        <a:ln w="12700" cap="flat" cmpd="sng" algn="ctr">
+          <a:solidFill>
+            <a:schemeClr val="accent1">
+              <a:alpha val="90000"/>
+              <a:tint val="40000"/>
+              <a:hueOff val="0"/>
+              <a:satOff val="0"/>
+              <a:lumOff val="0"/>
+              <a:alphaOff val="0"/>
+            </a:schemeClr>
+          </a:solidFill>
+          <a:prstDash val="solid"/>
+          <a:miter lim="800000"/>
+        </a:ln>
+        <a:effectLst/>
+      </dsp:spPr>
+      <dsp:style>
+        <a:lnRef idx="2">
+          <a:scrgbClr r="0" g="0" b="0"/>
+        </a:lnRef>
+        <a:fillRef idx="1">
+          <a:scrgbClr r="0" g="0" b="0"/>
+        </a:fillRef>
+        <a:effectRef idx="0">
+          <a:scrgbClr r="0" g="0" b="0"/>
+        </a:effectRef>
+        <a:fontRef idx="minor"/>
+      </dsp:style>
+      <dsp:txBody>
+        <a:bodyPr spcFirstLastPara="0" vert="horz" wrap="square" lIns="142240" tIns="25400" rIns="142240" bIns="25400" numCol="1" spcCol="1270" anchor="ctr" anchorCtr="0">
+          <a:noAutofit/>
+        </a:bodyPr>
+        <a:lstStyle/>
+        <a:p>
+          <a:pPr lvl="0" algn="ctr" defTabSz="889000" latinLnBrk="1">
+            <a:lnSpc>
+              <a:spcPct val="90000"/>
+            </a:lnSpc>
+            <a:spcBef>
+              <a:spcPct val="0"/>
+            </a:spcBef>
+            <a:spcAft>
+              <a:spcPct val="35000"/>
+            </a:spcAft>
+          </a:pPr>
+          <a:r>
+            <a:rPr lang="ko-KR" altLang="en-US" sz="2000" kern="1200" dirty="0" smtClean="0">
+              <a:latin typeface="HY수평선M" panose="02030600000101010101" pitchFamily="18" charset="-127"/>
+              <a:ea typeface="HY수평선M" panose="02030600000101010101" pitchFamily="18" charset="-127"/>
+            </a:rPr>
+            <a:t>세이브포인트 </a:t>
+          </a:r>
+          <a:r>
+            <a:rPr lang="en-US" altLang="ko-KR" sz="2000" kern="1200" dirty="0" smtClean="0">
+              <a:latin typeface="HY수평선M" panose="02030600000101010101" pitchFamily="18" charset="-127"/>
+              <a:ea typeface="HY수평선M" panose="02030600000101010101" pitchFamily="18" charset="-127"/>
+            </a:rPr>
+            <a:t>C1 </a:t>
+          </a:r>
+          <a:r>
+            <a:rPr lang="ko-KR" altLang="en-US" sz="2000" kern="1200" dirty="0" smtClean="0">
+              <a:latin typeface="HY수평선M" panose="02030600000101010101" pitchFamily="18" charset="-127"/>
+              <a:ea typeface="HY수평선M" panose="02030600000101010101" pitchFamily="18" charset="-127"/>
+            </a:rPr>
+            <a:t>생성</a:t>
+          </a:r>
+          <a:endParaRPr lang="ko-KR" altLang="en-US" sz="2000" kern="1200" dirty="0">
+            <a:latin typeface="HY수평선M" panose="02030600000101010101" pitchFamily="18" charset="-127"/>
+            <a:ea typeface="HY수평선M" panose="02030600000101010101" pitchFamily="18" charset="-127"/>
+          </a:endParaRPr>
+        </a:p>
+      </dsp:txBody>
+      <dsp:txXfrm>
+        <a:off x="0" y="2007629"/>
+        <a:ext cx="8128000" cy="447143"/>
+      </dsp:txXfrm>
+    </dsp:sp>
+    <dsp:sp modelId="{17FB83D9-56D7-4897-93A7-13A38605C9CD}">
+      <dsp:nvSpPr>
+        <dsp:cNvPr id="0" name=""/>
+        <dsp:cNvSpPr/>
+      </dsp:nvSpPr>
+      <dsp:spPr>
+        <a:xfrm rot="10800000">
+          <a:off x="0" y="1842"/>
+          <a:ext cx="8128000" cy="1495464"/>
+        </a:xfrm>
+        <a:prstGeom prst="upArrowCallout">
+          <a:avLst/>
+        </a:prstGeom>
+        <a:solidFill>
+          <a:schemeClr val="accent1">
+            <a:hueOff val="0"/>
+            <a:satOff val="0"/>
+            <a:lumOff val="0"/>
+            <a:alphaOff val="0"/>
+          </a:schemeClr>
+        </a:solidFill>
+        <a:ln w="12700" cap="flat" cmpd="sng" algn="ctr">
+          <a:solidFill>
+            <a:schemeClr val="lt1">
+              <a:hueOff val="0"/>
+              <a:satOff val="0"/>
+              <a:lumOff val="0"/>
+              <a:alphaOff val="0"/>
+            </a:schemeClr>
+          </a:solidFill>
+          <a:prstDash val="solid"/>
+          <a:miter lim="800000"/>
+        </a:ln>
+        <a:effectLst/>
+      </dsp:spPr>
+      <dsp:style>
+        <a:lnRef idx="2">
+          <a:scrgbClr r="0" g="0" b="0"/>
+        </a:lnRef>
+        <a:fillRef idx="1">
+          <a:scrgbClr r="0" g="0" b="0"/>
+        </a:fillRef>
+        <a:effectRef idx="0">
+          <a:scrgbClr r="0" g="0" b="0"/>
+        </a:effectRef>
+        <a:fontRef idx="minor">
+          <a:schemeClr val="lt1"/>
+        </a:fontRef>
+      </dsp:style>
+      <dsp:txBody>
+        <a:bodyPr spcFirstLastPara="0" vert="horz" wrap="square" lIns="256032" tIns="256032" rIns="256032" bIns="256032" numCol="1" spcCol="1270" anchor="ctr" anchorCtr="0">
+          <a:noAutofit/>
+        </a:bodyPr>
+        <a:lstStyle/>
+        <a:p>
+          <a:pPr lvl="0" algn="ctr" defTabSz="1600200" latinLnBrk="1">
+            <a:lnSpc>
+              <a:spcPct val="90000"/>
+            </a:lnSpc>
+            <a:spcBef>
+              <a:spcPct val="0"/>
+            </a:spcBef>
+            <a:spcAft>
+              <a:spcPct val="35000"/>
+            </a:spcAft>
+          </a:pPr>
+          <a:r>
+            <a:rPr lang="en-US" altLang="ko-KR" sz="3600" kern="1200" dirty="0" smtClean="0">
+              <a:latin typeface="HY수평선M" panose="02030600000101010101" pitchFamily="18" charset="-127"/>
+              <a:ea typeface="HY수평선M" panose="02030600000101010101" pitchFamily="18" charset="-127"/>
+            </a:rPr>
+            <a:t>40</a:t>
+          </a:r>
+          <a:r>
+            <a:rPr lang="ko-KR" altLang="en-US" sz="3600" kern="1200" dirty="0" smtClean="0">
+              <a:latin typeface="HY수평선M" panose="02030600000101010101" pitchFamily="18" charset="-127"/>
+              <a:ea typeface="HY수평선M" panose="02030600000101010101" pitchFamily="18" charset="-127"/>
+            </a:rPr>
+            <a:t>번 부서 삭제</a:t>
+          </a:r>
+          <a:endParaRPr lang="ko-KR" altLang="en-US" sz="3600" kern="1200" dirty="0">
+            <a:latin typeface="HY수평선M" panose="02030600000101010101" pitchFamily="18" charset="-127"/>
+            <a:ea typeface="HY수평선M" panose="02030600000101010101" pitchFamily="18" charset="-127"/>
+          </a:endParaRPr>
+        </a:p>
+      </dsp:txBody>
+      <dsp:txXfrm rot="-10800000">
+        <a:off x="0" y="1842"/>
+        <a:ext cx="8128000" cy="524908"/>
+      </dsp:txXfrm>
+    </dsp:sp>
+    <dsp:sp modelId="{933C193F-A094-4748-99DF-69B14DE8B15C}">
+      <dsp:nvSpPr>
+        <dsp:cNvPr id="0" name=""/>
+        <dsp:cNvSpPr/>
+      </dsp:nvSpPr>
+      <dsp:spPr>
+        <a:xfrm>
+          <a:off x="0" y="526750"/>
+          <a:ext cx="8128000" cy="447143"/>
+        </a:xfrm>
+        <a:prstGeom prst="rect">
+          <a:avLst/>
+        </a:prstGeom>
+        <a:solidFill>
+          <a:schemeClr val="accent1">
+            <a:alpha val="90000"/>
+            <a:tint val="40000"/>
+            <a:hueOff val="0"/>
+            <a:satOff val="0"/>
+            <a:lumOff val="0"/>
+            <a:alphaOff val="0"/>
+          </a:schemeClr>
+        </a:solidFill>
+        <a:ln w="12700" cap="flat" cmpd="sng" algn="ctr">
+          <a:solidFill>
+            <a:schemeClr val="accent1">
+              <a:alpha val="90000"/>
+              <a:tint val="40000"/>
+              <a:hueOff val="0"/>
+              <a:satOff val="0"/>
+              <a:lumOff val="0"/>
+              <a:alphaOff val="0"/>
+            </a:schemeClr>
+          </a:solidFill>
+          <a:prstDash val="solid"/>
+          <a:miter lim="800000"/>
+        </a:ln>
+        <a:effectLst/>
+      </dsp:spPr>
+      <dsp:style>
+        <a:lnRef idx="2">
+          <a:scrgbClr r="0" g="0" b="0"/>
+        </a:lnRef>
+        <a:fillRef idx="1">
+          <a:scrgbClr r="0" g="0" b="0"/>
+        </a:fillRef>
+        <a:effectRef idx="0">
+          <a:scrgbClr r="0" g="0" b="0"/>
+        </a:effectRef>
+        <a:fontRef idx="minor"/>
+      </dsp:style>
+      <dsp:txBody>
+        <a:bodyPr spcFirstLastPara="0" vert="horz" wrap="square" lIns="177800" tIns="31750" rIns="177800" bIns="31750" numCol="1" spcCol="1270" anchor="ctr" anchorCtr="0">
+          <a:noAutofit/>
+        </a:bodyPr>
+        <a:lstStyle/>
+        <a:p>
+          <a:pPr lvl="0" algn="ctr" defTabSz="1111250" latinLnBrk="1">
+            <a:lnSpc>
+              <a:spcPct val="90000"/>
+            </a:lnSpc>
+            <a:spcBef>
+              <a:spcPct val="0"/>
+            </a:spcBef>
+            <a:spcAft>
+              <a:spcPct val="35000"/>
+            </a:spcAft>
+          </a:pPr>
+          <a:r>
+            <a:rPr lang="en-US" altLang="ko-KR" sz="2500" kern="1200" dirty="0" smtClean="0">
+              <a:latin typeface="HY수평선M" panose="02030600000101010101" pitchFamily="18" charset="-127"/>
+              <a:ea typeface="HY수평선M" panose="02030600000101010101" pitchFamily="18" charset="-127"/>
+            </a:rPr>
+            <a:t>Commit</a:t>
+          </a:r>
+          <a:endParaRPr lang="ko-KR" altLang="en-US" sz="2500" kern="1200" dirty="0">
+            <a:latin typeface="HY수평선M" panose="02030600000101010101" pitchFamily="18" charset="-127"/>
+            <a:ea typeface="HY수평선M" panose="02030600000101010101" pitchFamily="18" charset="-127"/>
+          </a:endParaRPr>
+        </a:p>
+      </dsp:txBody>
+      <dsp:txXfrm>
+        <a:off x="0" y="526750"/>
+        <a:ext cx="8128000" cy="447143"/>
+      </dsp:txXfrm>
+    </dsp:sp>
+  </dsp:spTree>
+</dsp:drawing>
+</file>
+
+<file path=ppt/diagrams/layout1.xml><?xml version="1.0" encoding="utf-8"?>
+<dgm:layoutDef xmlns:dgm="http://schemas.openxmlformats.org/drawingml/2006/diagram" xmlns:a="http://schemas.openxmlformats.org/drawingml/2006/main" uniqueId="urn:microsoft.com/office/officeart/2005/8/layout/process4">
+  <dgm:title val=""/>
+  <dgm:desc val=""/>
+  <dgm:catLst>
+    <dgm:cat type="process" pri="16000"/>
+    <dgm:cat type="list" pri="20000"/>
+  </dgm:catLst>
+  <dgm:sampData>
+    <dgm:dataModel>
+      <dgm:ptLst>
+        <dgm:pt modelId="0" type="doc"/>
+        <dgm:pt modelId="1">
+          <dgm:prSet phldr="1"/>
+        </dgm:pt>
+        <dgm:pt modelId="11">
+          <dgm:prSet phldr="1"/>
+        </dgm:pt>
+        <dgm:pt modelId="12">
+          <dgm:prSet phldr="1"/>
+        </dgm:pt>
+        <dgm:pt modelId="2">
+          <dgm:prSet phldr="1"/>
+        </dgm:pt>
+        <dgm:pt modelId="21">
+          <dgm:prSet phldr="1"/>
+        </dgm:pt>
+        <dgm:pt modelId="22">
+          <dgm:prSet phldr="1"/>
+        </dgm:pt>
+        <dgm:pt modelId="3">
+          <dgm:prSet phldr="1"/>
+        </dgm:pt>
+        <dgm:pt modelId="31">
+          <dgm:prSet phldr="1"/>
+        </dgm:pt>
+        <dgm:pt modelId="32">
+          <dgm:prSet phldr="1"/>
+        </dgm:pt>
+      </dgm:ptLst>
+      <dgm:cxnLst>
+        <dgm:cxn modelId="4" srcId="0" destId="1" srcOrd="0" destOrd="0"/>
+        <dgm:cxn modelId="5" srcId="0" destId="2" srcOrd="1" destOrd="0"/>
+        <dgm:cxn modelId="6" srcId="0" destId="3" srcOrd="2" destOrd="0"/>
+        <dgm:cxn modelId="13" srcId="1" destId="11" srcOrd="0" destOrd="0"/>
+        <dgm:cxn modelId="14" srcId="1" destId="12" srcOrd="1" destOrd="0"/>
+        <dgm:cxn modelId="23" srcId="2" destId="21" srcOrd="0" destOrd="0"/>
+        <dgm:cxn modelId="24" srcId="2" destId="22" srcOrd="1" destOrd="0"/>
+        <dgm:cxn modelId="33" srcId="3" destId="31" srcOrd="0" destOrd="0"/>
+        <dgm:cxn modelId="34" srcId="3" destId="32" srcOrd="1" destOrd="0"/>
+      </dgm:cxnLst>
+      <dgm:bg/>
+      <dgm:whole/>
+    </dgm:dataModel>
+  </dgm:sampData>
+  <dgm:styleData>
+    <dgm:dataModel>
+      <dgm:ptLst>
+        <dgm:pt modelId="0" type="doc"/>
+        <dgm:pt modelId="1"/>
+        <dgm:pt modelId="11"/>
+        <dgm:pt modelId="2"/>
+        <dgm:pt modelId="21"/>
+      </dgm:ptLst>
+      <dgm:cxnLst>
+        <dgm:cxn modelId="4" srcId="0" destId="1" srcOrd="0" destOrd="0"/>
+        <dgm:cxn modelId="5" srcId="0" destId="2" srcOrd="1" destOrd="0"/>
+        <dgm:cxn modelId="13" srcId="1" destId="11" srcOrd="0" destOrd="0"/>
+        <dgm:cxn modelId="23" srcId="2" destId="21" srcOrd="0" destOrd="0"/>
+      </dgm:cxnLst>
+      <dgm:bg/>
+      <dgm:whole/>
+    </dgm:dataModel>
+  </dgm:styleData>
+  <dgm:clrData>
+    <dgm:dataModel>
+      <dgm:ptLst>
+        <dgm:pt modelId="0" type="doc"/>
+        <dgm:pt modelId="1"/>
+        <dgm:pt modelId="11"/>
+        <dgm:pt modelId="2"/>
+        <dgm:pt modelId="21"/>
+        <dgm:pt modelId="3"/>
+        <dgm:pt modelId="31"/>
+        <dgm:pt modelId="4"/>
+        <dgm:pt modelId="41"/>
+      </dgm:ptLst>
+      <dgm:cxnLst>
+        <dgm:cxn modelId="5" srcId="0" destId="1" srcOrd="0" destOrd="0"/>
+        <dgm:cxn modelId="6" srcId="0" destId="2" srcOrd="1" destOrd="0"/>
+        <dgm:cxn modelId="7" srcId="0" destId="3" srcOrd="2" destOrd="0"/>
+        <dgm:cxn modelId="8" srcId="0" destId="4" srcOrd="3" destOrd="0"/>
+        <dgm:cxn modelId="13" srcId="1" destId="11" srcOrd="0" destOrd="0"/>
+        <dgm:cxn modelId="23" srcId="2" destId="21" srcOrd="0" destOrd="0"/>
+        <dgm:cxn modelId="33" srcId="3" destId="31" srcOrd="0" destOrd="0"/>
+        <dgm:cxn modelId="43" srcId="4" destId="41" srcOrd="0" destOrd="0"/>
+      </dgm:cxnLst>
+      <dgm:bg/>
+      <dgm:whole/>
+    </dgm:dataModel>
+  </dgm:clrData>
+  <dgm:layoutNode name="Name0">
+    <dgm:varLst>
+      <dgm:dir/>
+      <dgm:animLvl val="lvl"/>
+      <dgm:resizeHandles val="exact"/>
+    </dgm:varLst>
+    <dgm:alg type="lin">
+      <dgm:param type="linDir" val="fromB"/>
+    </dgm:alg>
+    <dgm:shape xmlns:r="http://schemas.openxmlformats.org/officeDocument/2006/relationships" r:blip="">
+      <dgm:adjLst/>
+    </dgm:shape>
+    <dgm:presOf/>
+    <dgm:constrLst>
+      <dgm:constr type="h" for="ch" forName="boxAndChildren" refType="h"/>
+      <dgm:constr type="h" for="ch" forName="arrowAndChildren" refType="h" refFor="ch" refForName="boxAndChildren" op="equ" fact="1.538"/>
+      <dgm:constr type="w" for="ch" forName="arrowAndChildren" refType="w"/>
+      <dgm:constr type="w" for="ch" forName="boxAndChildren" refType="w"/>
+      <dgm:constr type="h" for="ch" forName="sp" refType="h" fact="-0.015"/>
+      <dgm:constr type="primFontSz" for="des" forName="parentTextBox" val="65"/>
+      <dgm:constr type="primFontSz" for="des" forName="parentTextArrow" refType="primFontSz" refFor="des" refForName="parentTextBox" op="equ"/>
+      <dgm:constr type="primFontSz" for="des" forName="childTextArrow" val="65"/>
+      <dgm:constr type="primFontSz" for="des" forName="childTextBox" refType="primFontSz" refFor="des" refForName="childTextArrow" op="equ"/>
+    </dgm:constrLst>
+    <dgm:ruleLst/>
+    <dgm:forEach name="Name1" axis="ch" ptType="node" st="-1" step="-1">
+      <dgm:choose name="Name2">
+        <dgm:if name="Name3" axis="self" ptType="node" func="revPos" op="equ" val="1">
+          <dgm:layoutNode name="boxAndChildren">
+            <dgm:alg type="composite"/>
+            <dgm:shape xmlns:r="http://schemas.openxmlformats.org/officeDocument/2006/relationships" r:blip="">
+              <dgm:adjLst/>
+            </dgm:shape>
+            <dgm:presOf/>
+            <dgm:choose name="Name4">
+              <dgm:if name="Name5" axis="ch" ptType="node" func="cnt" op="gte" val="1">
+                <dgm:constrLst>
+                  <dgm:constr type="w" for="ch" forName="parentTextBox" refType="w"/>
+                  <dgm:constr type="h" for="ch" forName="parentTextBox" refType="h" fact="0.54"/>
+                  <dgm:constr type="t" for="ch" forName="parentTextBox"/>
+                  <dgm:constr type="w" for="ch" forName="entireBox" refType="w"/>
+                  <dgm:constr type="h" for="ch" forName="entireBox" refType="h"/>
+                  <dgm:constr type="w" for="ch" forName="descendantBox" refType="w"/>
+                  <dgm:constr type="b" for="ch" forName="descendantBox" refType="h" fact="0.98"/>
+                  <dgm:constr type="h" for="ch" forName="descendantBox" refType="h" fact="0.46"/>
+                </dgm:constrLst>
+              </dgm:if>
+              <dgm:else name="Name6">
+                <dgm:constrLst>
+                  <dgm:constr type="w" for="ch" forName="parentTextBox" refType="w"/>
+                  <dgm:constr type="h" for="ch" forName="parentTextBox" refType="h"/>
+                </dgm:constrLst>
+              </dgm:else>
+            </dgm:choose>
+            <dgm:ruleLst/>
+            <dgm:layoutNode name="parentTextBox">
+              <dgm:alg type="tx"/>
+              <dgm:choose name="Name7">
+                <dgm:if name="Name8" axis="ch" ptType="node" func="cnt" op="gte" val="1">
+                  <dgm:shape xmlns:r="http://schemas.openxmlformats.org/officeDocument/2006/relationships" type="rect" r:blip="" zOrderOff="1" hideGeom="1">
+                    <dgm:adjLst/>
+                  </dgm:shape>
+                </dgm:if>
+                <dgm:else name="Name9">
+                  <dgm:shape xmlns:r="http://schemas.openxmlformats.org/officeDocument/2006/relationships" type="rect" r:blip="">
+                    <dgm:adjLst/>
+                  </dgm:shape>
+                </dgm:else>
+              </dgm:choose>
+              <dgm:presOf axis="self"/>
+              <dgm:constrLst/>
+              <dgm:ruleLst>
+                <dgm:rule type="primFontSz" val="5" fact="NaN" max="NaN"/>
+              </dgm:ruleLst>
+            </dgm:layoutNode>
+            <dgm:choose name="Name10">
+              <dgm:if name="Name11" axis="ch" ptType="node" func="cnt" op="gte" val="1">
+                <dgm:layoutNode name="entireBox">
+                  <dgm:alg type="sp"/>
+                  <dgm:shape xmlns:r="http://schemas.openxmlformats.org/officeDocument/2006/relationships" type="rect" r:blip="">
+                    <dgm:adjLst/>
+                  </dgm:shape>
+                  <dgm:presOf axis="self"/>
+                  <dgm:constrLst/>
+                  <dgm:ruleLst/>
+                </dgm:layoutNode>
+                <dgm:layoutNode name="descendantBox" styleLbl="fgAccFollowNode1">
+                  <dgm:choose name="Name12">
+                    <dgm:if name="Name13" func="var" arg="dir" op="equ" val="norm">
+                      <dgm:alg type="lin"/>
+                    </dgm:if>
+                    <dgm:else name="Name14">
+                      <dgm:alg type="lin">
+                        <dgm:param type="linDir" val="fromR"/>
+                      </dgm:alg>
+                    </dgm:else>
+                  </dgm:choose>
+                  <dgm:shape xmlns:r="http://schemas.openxmlformats.org/officeDocument/2006/relationships" r:blip="">
+                    <dgm:adjLst/>
+                  </dgm:shape>
+                  <dgm:presOf/>
+                  <dgm:constrLst>
+                    <dgm:constr type="w" for="ch" forName="childTextBox" refType="w"/>
+                    <dgm:constr type="h" for="ch" forName="childTextBox" refType="h"/>
+                  </dgm:constrLst>
+                  <dgm:ruleLst/>
+                  <dgm:forEach name="Name15" axis="ch" ptType="node">
+                    <dgm:layoutNode name="childTextBox" styleLbl="fgAccFollowNode1">
+                      <dgm:varLst>
+                        <dgm:bulletEnabled val="1"/>
+                      </dgm:varLst>
+                      <dgm:alg type="tx"/>
+                      <dgm:shape xmlns:r="http://schemas.openxmlformats.org/officeDocument/2006/relationships" type="rect" r:blip="">
+                        <dgm:adjLst/>
+                      </dgm:shape>
+                      <dgm:presOf axis="desOrSelf" ptType="node"/>
+                      <dgm:constrLst>
+                        <dgm:constr type="tMarg" refType="primFontSz" fact="0.1"/>
+                        <dgm:constr type="bMarg" refType="primFontSz" fact="0.1"/>
+                      </dgm:constrLst>
+                      <dgm:ruleLst>
+                        <dgm:rule type="primFontSz" val="5" fact="NaN" max="NaN"/>
+                      </dgm:ruleLst>
+                    </dgm:layoutNode>
+                  </dgm:forEach>
+                </dgm:layoutNode>
+              </dgm:if>
+              <dgm:else name="Name16"/>
+            </dgm:choose>
+          </dgm:layoutNode>
+        </dgm:if>
+        <dgm:else name="Name17">
+          <dgm:layoutNode name="arrowAndChildren">
+            <dgm:alg type="composite"/>
+            <dgm:shape xmlns:r="http://schemas.openxmlformats.org/officeDocument/2006/relationships" r:blip="">
+              <dgm:adjLst/>
+            </dgm:shape>
+            <dgm:presOf/>
+            <dgm:choose name="Name18">
+              <dgm:if name="Name19" axis="ch" ptType="node" func="cnt" op="gte" val="1">
+                <dgm:constrLst>
+                  <dgm:constr type="w" for="ch" forName="parentTextArrow" refType="w"/>
+                  <dgm:constr type="t" for="ch" forName="parentTextArrow"/>
+                  <dgm:constr type="h" for="ch" forName="parentTextArrow" refType="h" fact="0.351"/>
+                  <dgm:constr type="w" for="ch" forName="arrow" refType="w"/>
+                  <dgm:constr type="h" for="ch" forName="arrow" refType="h"/>
+                  <dgm:constr type="w" for="ch" forName="descendantArrow" refType="w"/>
+                  <dgm:constr type="b" for="ch" forName="descendantArrow" refType="h" fact="0.65"/>
+                  <dgm:constr type="h" for="ch" forName="descendantArrow" refType="h" fact="0.299"/>
+                </dgm:constrLst>
+              </dgm:if>
+              <dgm:else name="Name20">
+                <dgm:constrLst>
+                  <dgm:constr type="w" for="ch" forName="parentTextArrow" refType="w"/>
+                  <dgm:constr type="h" for="ch" forName="parentTextArrow" refType="h"/>
+                </dgm:constrLst>
+              </dgm:else>
+            </dgm:choose>
+            <dgm:ruleLst/>
+            <dgm:layoutNode name="parentTextArrow">
+              <dgm:alg type="tx"/>
+              <dgm:choose name="Name21">
+                <dgm:if name="Name22" axis="ch" ptType="node" func="cnt" op="gte" val="1">
+                  <dgm:shape xmlns:r="http://schemas.openxmlformats.org/officeDocument/2006/relationships" type="rect" r:blip="" zOrderOff="1" hideGeom="1">
+                    <dgm:adjLst/>
+                  </dgm:shape>
+                </dgm:if>
+                <dgm:else name="Name23">
+                  <dgm:shape xmlns:r="http://schemas.openxmlformats.org/officeDocument/2006/relationships" rot="180" type="upArrowCallout" r:blip="">
+                    <dgm:adjLst/>
+                  </dgm:shape>
+                </dgm:else>
+              </dgm:choose>
+              <dgm:presOf axis="self"/>
+              <dgm:constrLst/>
+              <dgm:ruleLst>
+                <dgm:rule type="primFontSz" val="5" fact="NaN" max="NaN"/>
+              </dgm:ruleLst>
+            </dgm:layoutNode>
+            <dgm:choose name="Name24">
+              <dgm:if name="Name25" axis="ch" ptType="node" func="cnt" op="gte" val="1">
+                <dgm:layoutNode name="arrow">
+                  <dgm:alg type="sp"/>
+                  <dgm:shape xmlns:r="http://schemas.openxmlformats.org/officeDocument/2006/relationships" rot="180" type="upArrowCallout" r:blip="">
+                    <dgm:adjLst/>
+                  </dgm:shape>
+                  <dgm:presOf axis="self"/>
+                  <dgm:constrLst/>
+                  <dgm:ruleLst/>
+                </dgm:layoutNode>
+                <dgm:layoutNode name="descendantArrow">
+                  <dgm:choose name="Name26">
+                    <dgm:if name="Name27" func="var" arg="dir" op="equ" val="norm">
+                      <dgm:alg type="lin"/>
+                    </dgm:if>
+                    <dgm:else name="Name28">
+                      <dgm:alg type="lin">
+                        <dgm:param type="linDir" val="fromR"/>
+                      </dgm:alg>
+                    </dgm:else>
+                  </dgm:choose>
+                  <dgm:shape xmlns:r="http://schemas.openxmlformats.org/officeDocument/2006/relationships" r:blip="">
+                    <dgm:adjLst/>
+                  </dgm:shape>
+                  <dgm:presOf/>
+                  <dgm:constrLst>
+                    <dgm:constr type="w" for="ch" forName="childTextArrow" refType="w"/>
+                    <dgm:constr type="h" for="ch" forName="childTextArrow" refType="h"/>
+                  </dgm:constrLst>
+                  <dgm:ruleLst/>
+                  <dgm:forEach name="Name29" axis="ch" ptType="node">
+                    <dgm:layoutNode name="childTextArrow" styleLbl="fgAccFollowNode1">
+                      <dgm:varLst>
+                        <dgm:bulletEnabled val="1"/>
+                      </dgm:varLst>
+                      <dgm:alg type="tx"/>
+                      <dgm:shape xmlns:r="http://schemas.openxmlformats.org/officeDocument/2006/relationships" type="rect" r:blip="">
+                        <dgm:adjLst/>
+                      </dgm:shape>
+                      <dgm:presOf axis="desOrSelf" ptType="node"/>
+                      <dgm:constrLst>
+                        <dgm:constr type="tMarg" refType="primFontSz" fact="0.1"/>
+                        <dgm:constr type="bMarg" refType="primFontSz" fact="0.1"/>
+                      </dgm:constrLst>
+                      <dgm:ruleLst>
+                        <dgm:rule type="primFontSz" val="5" fact="NaN" max="NaN"/>
+                      </dgm:ruleLst>
+                    </dgm:layoutNode>
+                  </dgm:forEach>
+                </dgm:layoutNode>
+              </dgm:if>
+              <dgm:else name="Name30"/>
+            </dgm:choose>
+          </dgm:layoutNode>
+        </dgm:else>
+      </dgm:choose>
+      <dgm:forEach name="Name31" axis="precedSib" ptType="sibTrans" st="-1" cnt="1">
+        <dgm:layoutNode name="sp">
+          <dgm:alg type="sp"/>
+          <dgm:shape xmlns:r="http://schemas.openxmlformats.org/officeDocument/2006/relationships" r:blip="">
+            <dgm:adjLst/>
+          </dgm:shape>
+          <dgm:presOf axis="self"/>
+          <dgm:constrLst/>
+          <dgm:ruleLst/>
+        </dgm:layoutNode>
+      </dgm:forEach>
+    </dgm:forEach>
+  </dgm:layoutNode>
+</dgm:layoutDef>
+</file>
+
+<file path=ppt/diagrams/quickStyle1.xml><?xml version="1.0" encoding="utf-8"?>
+<dgm:styleDef xmlns:dgm="http://schemas.openxmlformats.org/drawingml/2006/diagram" xmlns:a="http://schemas.openxmlformats.org/drawingml/2006/main" uniqueId="urn:microsoft.com/office/officeart/2005/8/quickstyle/simple1">
+  <dgm:title val=""/>
+  <dgm:desc val=""/>
+  <dgm:catLst>
+    <dgm:cat type="simple" pri="10100"/>
+  </dgm:catLst>
+  <dgm:scene3d>
+    <a:camera prst="orthographicFront"/>
+    <a:lightRig rig="threePt" dir="t"/>
+  </dgm:scene3d>
+  <dgm:styleLbl name="node0">
+    <dgm:scene3d>
+      <a:camera prst="orthographicFront"/>
+      <a:lightRig rig="threePt" dir="t"/>
+    </dgm:scene3d>
+    <dgm:sp3d/>
+    <dgm:txPr/>
+    <dgm:style>
+      <a:lnRef idx="2">
+        <a:scrgbClr r="0" g="0" b="0"/>
+      </a:lnRef>
+      <a:fillRef idx="1">
+        <a:scrgbClr r="0" g="0" b="0"/>
+      </a:fillRef>
+      <a:effectRef idx="0">
+        <a:scrgbClr r="0" g="0" b="0"/>
+      </a:effectRef>
+      <a:fontRef idx="minor">
+        <a:schemeClr val="lt1"/>
+      </a:fontRef>
+    </dgm:style>
+  </dgm:styleLbl>
+  <dgm:styleLbl name="lnNode1">
+    <dgm:scene3d>
+      <a:camera prst="orthographicFront"/>
+      <a:lightRig rig="threePt" dir="t"/>
+    </dgm:scene3d>
+    <dgm:sp3d/>
+    <dgm:txPr/>
+    <dgm:style>
+      <a:lnRef idx="2">
+        <a:scrgbClr r="0" g="0" b="0"/>
+      </a:lnRef>
+      <a:fillRef idx="1">
+        <a:scrgbClr r="0" g="0" b="0"/>
+      </a:fillRef>
+      <a:effectRef idx="0">
+        <a:scrgbClr r="0" g="0" b="0"/>
+      </a:effectRef>
+      <a:fontRef idx="minor">
+        <a:schemeClr val="lt1"/>
+      </a:fontRef>
+    </dgm:style>
+  </dgm:styleLbl>
+  <dgm:styleLbl name="vennNode1">
+    <dgm:scene3d>
+      <a:camera prst="orthographicFront"/>
+      <a:lightRig rig="threePt" dir="t"/>
+    </dgm:scene3d>
+    <dgm:sp3d/>
+    <dgm:txPr/>
+    <dgm:style>
+      <a:lnRef idx="2">
+        <a:scrgbClr r="0" g="0" b="0"/>
+      </a:lnRef>
+      <a:fillRef idx="1">
+        <a:scrgbClr r="0" g="0" b="0"/>
+      </a:fillRef>
+      <a:effectRef idx="0">
+        <a:scrgbClr r="0" g="0" b="0"/>
+      </a:effectRef>
+      <a:fontRef idx="minor">
+        <a:schemeClr val="tx1"/>
+      </a:fontRef>
+    </dgm:style>
+  </dgm:styleLbl>
+  <dgm:styleLbl name="alignNode1">
+    <dgm:scene3d>
+      <a:camera prst="orthographicFront"/>
+      <a:lightRig rig="threePt" dir="t"/>
+    </dgm:scene3d>
+    <dgm:sp3d/>
+    <dgm:txPr/>
+    <dgm:style>
+      <a:lnRef idx="2">
+        <a:scrgbClr r="0" g="0" b="0"/>
+      </a:lnRef>
+      <a:fillRef idx="1">
+        <a:scrgbClr r="0" g="0" b="0"/>
+      </a:fillRef>
+      <a:effectRef idx="0">
+        <a:scrgbClr r="0" g="0" b="0"/>
+      </a:effectRef>
+      <a:fontRef idx="minor">
+        <a:schemeClr val="lt1"/>
+      </a:fontRef>
+    </dgm:style>
+  </dgm:styleLbl>
+  <dgm:styleLbl name="node1">
+    <dgm:scene3d>
+      <a:camera prst="orthographicFront"/>
+      <a:lightRig rig="threePt" dir="t"/>
+    </dgm:scene3d>
+    <dgm:sp3d/>
+    <dgm:txPr/>
+    <dgm:style>
+      <a:lnRef idx="2">
+        <a:scrgbClr r="0" g="0" b="0"/>
+      </a:lnRef>
+      <a:fillRef idx="1">
+        <a:scrgbClr r="0" g="0" b="0"/>
+      </a:fillRef>
+      <a:effectRef idx="0">
+        <a:scrgbClr r="0" g="0" b="0"/>
+      </a:effectRef>
+      <a:fontRef idx="minor">
+        <a:schemeClr val="lt1"/>
+      </a:fontRef>
+    </dgm:style>
+  </dgm:styleLbl>
+  <dgm:styleLbl name="node2">
+    <dgm:scene3d>
+      <a:camera prst="orthographicFront"/>
+      <a:lightRig rig="threePt" dir="t"/>
+    </dgm:scene3d>
+    <dgm:sp3d/>
+    <dgm:txPr/>
+    <dgm:style>
+      <a:lnRef idx="2">
+        <a:scrgbClr r="0" g="0" b="0"/>
+      </a:lnRef>
+      <a:fillRef idx="1">
+        <a:scrgbClr r="0" g="0" b="0"/>
+      </a:fillRef>
+      <a:effectRef idx="0">
+        <a:scrgbClr r="0" g="0" b="0"/>
+      </a:effectRef>
+      <a:fontRef idx="minor">
+        <a:schemeClr val="lt1"/>
+      </a:fontRef>
+    </dgm:style>
+  </dgm:styleLbl>
+  <dgm:styleLbl name="node3">
+    <dgm:scene3d>
+      <a:camera prst="orthographicFront"/>
+      <a:lightRig rig="threePt" dir="t"/>
+    </dgm:scene3d>
+    <dgm:sp3d/>
+    <dgm:txPr/>
+    <dgm:style>
+      <a:lnRef idx="2">
+        <a:scrgbClr r="0" g="0" b="0"/>
+      </a:lnRef>
+      <a:fillRef idx="1">
+        <a:scrgbClr r="0" g="0" b="0"/>
+      </a:fillRef>
+      <a:effectRef idx="0">
+        <a:scrgbClr r="0" g="0" b="0"/>
+      </a:effectRef>
+      <a:fontRef idx="minor">
+        <a:schemeClr val="lt1"/>
+      </a:fontRef>
+    </dgm:style>
+  </dgm:styleLbl>
+  <dgm:styleLbl name="node4">
+    <dgm:scene3d>
+      <a:camera prst="orthographicFront"/>
+      <a:lightRig rig="threePt" dir="t"/>
+    </dgm:scene3d>
+    <dgm:sp3d/>
+    <dgm:txPr/>
+    <dgm:style>
+      <a:lnRef idx="2">
+        <a:scrgbClr r="0" g="0" b="0"/>
+      </a:lnRef>
+      <a:fillRef idx="1">
+        <a:scrgbClr r="0" g="0" b="0"/>
+      </a:fillRef>
+      <a:effectRef idx="0">
+        <a:scrgbClr r="0" g="0" b="0"/>
+      </a:effectRef>
+      <a:fontRef idx="minor">
+        <a:schemeClr val="lt1"/>
+      </a:fontRef>
+    </dgm:style>
+  </dgm:styleLbl>
+  <dgm:styleLbl name="fgImgPlace1">
+    <dgm:scene3d>
+      <a:camera prst="orthographicFront"/>
+      <a:lightRig rig="threePt" dir="t"/>
+    </dgm:scene3d>
+    <dgm:sp3d/>
+    <dgm:txPr/>
+    <dgm:style>
+      <a:lnRef idx="2">
+        <a:scrgbClr r="0" g="0" b="0"/>
+      </a:lnRef>
+      <a:fillRef idx="1">
+        <a:scrgbClr r="0" g="0" b="0"/>
+      </a:fillRef>
+      <a:effectRef idx="0">
+        <a:scrgbClr r="0" g="0" b="0"/>
+      </a:effectRef>
+      <a:fontRef idx="minor"/>
+    </dgm:style>
+  </dgm:styleLbl>
+  <dgm:styleLbl name="alignImgPlace1">
+    <dgm:scene3d>
+      <a:camera prst="orthographicFront"/>
+      <a:lightRig rig="threePt" dir="t"/>
+    </dgm:scene3d>
+    <dgm:sp3d/>
+    <dgm:txPr/>
+    <dgm:style>
+      <a:lnRef idx="2">
+        <a:scrgbClr r="0" g="0" b="0"/>
+      </a:lnRef>
+      <a:fillRef idx="1">
+        <a:scrgbClr r="0" g="0" b="0"/>
+      </a:fillRef>
+      <a:effectRef idx="0">
+        <a:scrgbClr r="0" g="0" b="0"/>
+      </a:effectRef>
+      <a:fontRef idx="minor"/>
+    </dgm:style>
+  </dgm:styleLbl>
+  <dgm:styleLbl name="bgImgPlace1">
+    <dgm:scene3d>
+      <a:camera prst="orthographicFront"/>
+      <a:lightRig rig="threePt" dir="t"/>
+    </dgm:scene3d>
+    <dgm:sp3d/>
+    <dgm:txPr/>
+    <dgm:style>
+      <a:lnRef idx="2">
+        <a:scrgbClr r="0" g="0" b="0"/>
+      </a:lnRef>
+      <a:fillRef idx="1">
+        <a:scrgbClr r="0" g="0" b="0"/>
+      </a:fillRef>
+      <a:effectRef idx="0">
+        <a:scrgbClr r="0" g="0" b="0"/>
+      </a:effectRef>
+      <a:fontRef idx="minor"/>
+    </dgm:style>
+  </dgm:styleLbl>
+  <dgm:styleLbl name="sibTrans2D1">
+    <dgm:scene3d>
+      <a:camera prst="orthographicFront"/>
+      <a:lightRig rig="threePt" dir="t"/>
+    </dgm:scene3d>
+    <dgm:sp3d/>
+    <dgm:txPr/>
+    <dgm:style>
+      <a:lnRef idx="0">
+        <a:scrgbClr r="0" g="0" b="0"/>
+      </a:lnRef>
+      <a:fillRef idx="1">
+        <a:scrgbClr r="0" g="0" b="0"/>
+      </a:fillRef>
+      <a:effectRef idx="0">
+        <a:scrgbClr r="0" g="0" b="0"/>
+      </a:effectRef>
+      <a:fontRef idx="minor">
+        <a:schemeClr val="lt1"/>
+      </a:fontRef>
+    </dgm:style>
+  </dgm:styleLbl>
+  <dgm:styleLbl name="fgSibTrans2D1">
+    <dgm:scene3d>
+      <a:camera prst="orthographicFront"/>
+      <a:lightRig rig="threePt" dir="t"/>
+    </dgm:scene3d>
+    <dgm:sp3d/>
+    <dgm:txPr/>
+    <dgm:style>
+      <a:lnRef idx="0">
+        <a:scrgbClr r="0" g="0" b="0"/>
+      </a:lnRef>
+      <a:fillRef idx="1">
+        <a:scrgbClr r="0" g="0" b="0"/>
+      </a:fillRef>
+      <a:effectRef idx="0">
+        <a:scrgbClr r="0" g="0" b="0"/>
+      </a:effectRef>
+      <a:fontRef idx="minor">
+        <a:schemeClr val="lt1"/>
+      </a:fontRef>
+    </dgm:style>
+  </dgm:styleLbl>
+  <dgm:styleLbl name="bgSibTrans2D1">
+    <dgm:scene3d>
+      <a:camera prst="orthographicFront"/>
+      <a:lightRig rig="threePt" dir="t"/>
+    </dgm:scene3d>
+    <dgm:sp3d/>
+    <dgm:txPr/>
+    <dgm:style>
+      <a:lnRef idx="0">
+        <a:scrgbClr r="0" g="0" b="0"/>
+      </a:lnRef>
+      <a:fillRef idx="1">
+        <a:scrgbClr r="0" g="0" b="0"/>
+      </a:fillRef>
+      <a:effectRef idx="0">
+        <a:scrgbClr r="0" g="0" b="0"/>
+      </a:effectRef>
+      <a:fontRef idx="minor">
+        <a:schemeClr val="lt1"/>
+      </a:fontRef>
+    </dgm:style>
+  </dgm:styleLbl>
+  <dgm:styleLbl name="sibTrans1D1">
+    <dgm:scene3d>
+      <a:camera prst="orthographicFront"/>
+      <a:lightRig rig="threePt" dir="t"/>
+    </dgm:scene3d>
+    <dgm:sp3d/>
+    <dgm:txPr/>
+    <dgm:style>
+      <a:lnRef idx="1">
+        <a:scrgbClr r="0" g="0" b="0"/>
+      </a:lnRef>
+      <a:fillRef idx="0">
+        <a:scrgbClr r="0" g="0" b="0"/>
+      </a:fillRef>
+      <a:effectRef idx="0">
+        <a:scrgbClr r="0" g="0" b="0"/>
+      </a:effectRef>
+      <a:fontRef idx="minor"/>
+    </dgm:style>
+  </dgm:styleLbl>
+  <dgm:styleLbl name="callout">
+    <dgm:scene3d>
+      <a:camera prst="orthographicFront"/>
+      <a:lightRig rig="threePt" dir="t"/>
+    </dgm:scene3d>
+    <dgm:sp3d/>
+    <dgm:txPr/>
+    <dgm:style>
+      <a:lnRef idx="2">
+        <a:scrgbClr r="0" g="0" b="0"/>
+      </a:lnRef>
+      <a:fillRef idx="1">
+        <a:scrgbClr r="0" g="0" b="0"/>
+      </a:fillRef>
+      <a:effectRef idx="0">
+        <a:scrgbClr r="0" g="0" b="0"/>
+      </a:effectRef>
+      <a:fontRef idx="minor"/>
+    </dgm:style>
+  </dgm:styleLbl>
+  <dgm:styleLbl name="asst0">
+    <dgm:scene3d>
+      <a:camera prst="orthographicFront"/>
+      <a:lightRig rig="threePt" dir="t"/>
+    </dgm:scene3d>
+    <dgm:sp3d/>
+    <dgm:txPr/>
+    <dgm:style>
+      <a:lnRef idx="2">
+        <a:scrgbClr r="0" g="0" b="0"/>
+      </a:lnRef>
+      <a:fillRef idx="1">
+        <a:scrgbClr r="0" g="0" b="0"/>
+      </a:fillRef>
+      <a:effectRef idx="0">
+        <a:scrgbClr r="0" g="0" b="0"/>
+      </a:effectRef>
+      <a:fontRef idx="minor">
+        <a:schemeClr val="lt1"/>
+      </a:fontRef>
+    </dgm:style>
+  </dgm:styleLbl>
+  <dgm:styleLbl name="asst1">
+    <dgm:scene3d>
+      <a:camera prst="orthographicFront"/>
+      <a:lightRig rig="threePt" dir="t"/>
+    </dgm:scene3d>
+    <dgm:sp3d/>
+    <dgm:txPr/>
+    <dgm:style>
+      <a:lnRef idx="2">
+        <a:scrgbClr r="0" g="0" b="0"/>
+      </a:lnRef>
+      <a:fillRef idx="1">
+        <a:scrgbClr r="0" g="0" b="0"/>
+      </a:fillRef>
+      <a:effectRef idx="0">
+        <a:scrgbClr r="0" g="0" b="0"/>
+      </a:effectRef>
+      <a:fontRef idx="minor">
+        <a:schemeClr val="lt1"/>
+      </a:fontRef>
+    </dgm:style>
+  </dgm:styleLbl>
+  <dgm:styleLbl name="asst2">
+    <dgm:scene3d>
+      <a:camera prst="orthographicFront"/>
+      <a:lightRig rig="threePt" dir="t"/>
+    </dgm:scene3d>
+    <dgm:sp3d/>
+    <dgm:txPr/>
+    <dgm:style>
+      <a:lnRef idx="2">
+        <a:scrgbClr r="0" g="0" b="0"/>
+      </a:lnRef>
+      <a:fillRef idx="1">
+        <a:scrgbClr r="0" g="0" b="0"/>
+      </a:fillRef>
+      <a:effectRef idx="0">
+        <a:scrgbClr r="0" g="0" b="0"/>
+      </a:effectRef>
+      <a:fontRef idx="minor">
+        <a:schemeClr val="lt1"/>
+      </a:fontRef>
+    </dgm:style>
+  </dgm:styleLbl>
+  <dgm:styleLbl name="asst3">
+    <dgm:scene3d>
+      <a:camera prst="orthographicFront"/>
+      <a:lightRig rig="threePt" dir="t"/>
+    </dgm:scene3d>
+    <dgm:sp3d/>
+    <dgm:txPr/>
+    <dgm:style>
+      <a:lnRef idx="2">
+        <a:scrgbClr r="0" g="0" b="0"/>
+      </a:lnRef>
+      <a:fillRef idx="1">
+        <a:scrgbClr r="0" g="0" b="0"/>
+      </a:fillRef>
+      <a:effectRef idx="0">
+        <a:scrgbClr r="0" g="0" b="0"/>
+      </a:effectRef>
+      <a:fontRef idx="minor">
+        <a:schemeClr val="lt1"/>
+      </a:fontRef>
+    </dgm:style>
+  </dgm:styleLbl>
+  <dgm:styleLbl name="asst4">
+    <dgm:scene3d>
+      <a:camera prst="orthographicFront"/>
+      <a:lightRig rig="threePt" dir="t"/>
+    </dgm:scene3d>
+    <dgm:sp3d/>
+    <dgm:txPr/>
+    <dgm:style>
+      <a:lnRef idx="2">
+        <a:scrgbClr r="0" g="0" b="0"/>
+      </a:lnRef>
+      <a:fillRef idx="1">
+        <a:scrgbClr r="0" g="0" b="0"/>
+      </a:fillRef>
+      <a:effectRef idx="0">
+        <a:scrgbClr r="0" g="0" b="0"/>
+      </a:effectRef>
+      <a:fontRef idx="minor">
+        <a:schemeClr val="lt1"/>
+      </a:fontRef>
+    </dgm:style>
+  </dgm:styleLbl>
+  <dgm:styleLbl name="parChTrans2D1">
+    <dgm:scene3d>
+      <a:camera prst="orthographicFront"/>
+      <a:lightRig rig="threePt" dir="t"/>
+    </dgm:scene3d>
+    <dgm:sp3d/>
+    <dgm:txPr/>
+    <dgm:style>
+      <a:lnRef idx="2">
+        <a:scrgbClr r="0" g="0" b="0"/>
+      </a:lnRef>
+      <a:fillRef idx="1">
+        <a:scrgbClr r="0" g="0" b="0"/>
+      </a:fillRef>
+      <a:effectRef idx="0">
+        <a:scrgbClr r="0" g="0" b="0"/>
+      </a:effectRef>
+      <a:fontRef idx="minor">
+        <a:schemeClr val="lt1"/>
+      </a:fontRef>
+    </dgm:style>
+  </dgm:styleLbl>
+  <dgm:styleLbl name="parChTrans2D2">
+    <dgm:scene3d>
+      <a:camera prst="orthographicFront"/>
+      <a:lightRig rig="threePt" dir="t"/>
+    </dgm:scene3d>
+    <dgm:sp3d/>
+    <dgm:txPr/>
+    <dgm:style>
+      <a:lnRef idx="2">
+        <a:scrgbClr r="0" g="0" b="0"/>
+      </a:lnRef>
+      <a:fillRef idx="1">
+        <a:scrgbClr r="0" g="0" b="0"/>
+      </a:fillRef>
+      <a:effectRef idx="0">
+        <a:scrgbClr r="0" g="0" b="0"/>
+      </a:effectRef>
+      <a:fontRef idx="minor">
+        <a:schemeClr val="lt1"/>
+      </a:fontRef>
+    </dgm:style>
+  </dgm:styleLbl>
+  <dgm:styleLbl name="parChTrans2D3">
+    <dgm:scene3d>
+      <a:camera prst="orthographicFront"/>
+      <a:lightRig rig="threePt" dir="t"/>
+    </dgm:scene3d>
+    <dgm:sp3d/>
+    <dgm:txPr/>
+    <dgm:style>
+      <a:lnRef idx="2">
+        <a:scrgbClr r="0" g="0" b="0"/>
+      </a:lnRef>
+      <a:fillRef idx="1">
+        <a:scrgbClr r="0" g="0" b="0"/>
+      </a:fillRef>
+      <a:effectRef idx="0">
+        <a:scrgbClr r="0" g="0" b="0"/>
+      </a:effectRef>
+      <a:fontRef idx="minor">
+        <a:schemeClr val="lt1"/>
+      </a:fontRef>
+    </dgm:style>
+  </dgm:styleLbl>
+  <dgm:styleLbl name="parChTrans2D4">
+    <dgm:scene3d>
+      <a:camera prst="orthographicFront"/>
+      <a:lightRig rig="threePt" dir="t"/>
+    </dgm:scene3d>
+    <dgm:sp3d/>
+    <dgm:txPr/>
+    <dgm:style>
+      <a:lnRef idx="2">
+        <a:scrgbClr r="0" g="0" b="0"/>
+      </a:lnRef>
+      <a:fillRef idx="1">
+        <a:scrgbClr r="0" g="0" b="0"/>
+      </a:fillRef>
+      <a:effectRef idx="0">
+        <a:scrgbClr r="0" g="0" b="0"/>
+      </a:effectRef>
+      <a:fontRef idx="minor">
+        <a:schemeClr val="lt1"/>
+      </a:fontRef>
+    </dgm:style>
+  </dgm:styleLbl>
+  <dgm:styleLbl name="parChTrans1D1">
+    <dgm:scene3d>
+      <a:camera prst="orthographicFront"/>
+      <a:lightRig rig="threePt" dir="t"/>
+    </dgm:scene3d>
+    <dgm:sp3d/>
+    <dgm:txPr/>
+    <dgm:style>
+      <a:lnRef idx="2">
+        <a:scrgbClr r="0" g="0" b="0"/>
+      </a:lnRef>
+      <a:fillRef idx="0">
+        <a:scrgbClr r="0" g="0" b="0"/>
+      </a:fillRef>
+      <a:effectRef idx="0">
+        <a:scrgbClr r="0" g="0" b="0"/>
+      </a:effectRef>
+      <a:fontRef idx="minor"/>
+    </dgm:style>
+  </dgm:styleLbl>
+  <dgm:styleLbl name="parChTrans1D2">
+    <dgm:scene3d>
+      <a:camera prst="orthographicFront"/>
+      <a:lightRig rig="threePt" dir="t"/>
+    </dgm:scene3d>
+    <dgm:sp3d/>
+    <dgm:txPr/>
+    <dgm:style>
+      <a:lnRef idx="2">
+        <a:scrgbClr r="0" g="0" b="0"/>
+      </a:lnRef>
+      <a:fillRef idx="0">
+        <a:scrgbClr r="0" g="0" b="0"/>
+      </a:fillRef>
+      <a:effectRef idx="0">
+        <a:scrgbClr r="0" g="0" b="0"/>
+      </a:effectRef>
+      <a:fontRef idx="minor"/>
+    </dgm:style>
+  </dgm:styleLbl>
+  <dgm:styleLbl name="parChTrans1D3">
+    <dgm:scene3d>
+      <a:camera prst="orthographicFront"/>
+      <a:lightRig rig="threePt" dir="t"/>
+    </dgm:scene3d>
+    <dgm:sp3d/>
+    <dgm:txPr/>
+    <dgm:style>
+      <a:lnRef idx="2">
+        <a:scrgbClr r="0" g="0" b="0"/>
+      </a:lnRef>
+      <a:fillRef idx="0">
+        <a:scrgbClr r="0" g="0" b="0"/>
+      </a:fillRef>
+      <a:effectRef idx="0">
+        <a:scrgbClr r="0" g="0" b="0"/>
+      </a:effectRef>
+      <a:fontRef idx="minor"/>
+    </dgm:style>
+  </dgm:styleLbl>
+  <dgm:styleLbl name="parChTrans1D4">
+    <dgm:scene3d>
+      <a:camera prst="orthographicFront"/>
+      <a:lightRig rig="threePt" dir="t"/>
+    </dgm:scene3d>
+    <dgm:sp3d/>
+    <dgm:txPr/>
+    <dgm:style>
+      <a:lnRef idx="2">
+        <a:scrgbClr r="0" g="0" b="0"/>
+      </a:lnRef>
+      <a:fillRef idx="0">
+        <a:scrgbClr r="0" g="0" b="0"/>
+      </a:fillRef>
+      <a:effectRef idx="0">
+        <a:scrgbClr r="0" g="0" b="0"/>
+      </a:effectRef>
+      <a:fontRef idx="minor"/>
+    </dgm:style>
+  </dgm:styleLbl>
+  <dgm:styleLbl name="fgAcc1">
+    <dgm:scene3d>
+      <a:camera prst="orthographicFront"/>
+      <a:lightRig rig="threePt" dir="t"/>
+    </dgm:scene3d>
+    <dgm:sp3d/>
+    <dgm:txPr/>
+    <dgm:style>
+      <a:lnRef idx="2">
+        <a:scrgbClr r="0" g="0" b="0"/>
+      </a:lnRef>
+      <a:fillRef idx="1">
+        <a:scrgbClr r="0" g="0" b="0"/>
+      </a:fillRef>
+      <a:effectRef idx="0">
+        <a:scrgbClr r="0" g="0" b="0"/>
+      </a:effectRef>
+      <a:fontRef idx="minor"/>
+    </dgm:style>
+  </dgm:styleLbl>
+  <dgm:styleLbl name="conFgAcc1">
+    <dgm:scene3d>
+      <a:camera prst="orthographicFront"/>
+      <a:lightRig rig="threePt" dir="t"/>
+    </dgm:scene3d>
+    <dgm:sp3d/>
+    <dgm:txPr/>
+    <dgm:style>
+      <a:lnRef idx="2">
+        <a:scrgbClr r="0" g="0" b="0"/>
+      </a:lnRef>
+      <a:fillRef idx="1">
+        <a:scrgbClr r="0" g="0" b="0"/>
+      </a:fillRef>
+      <a:effectRef idx="0">
+        <a:scrgbClr r="0" g="0" b="0"/>
+      </a:effectRef>
+      <a:fontRef idx="minor"/>
+    </dgm:style>
+  </dgm:styleLbl>
+  <dgm:styleLbl name="alignAcc1">
+    <dgm:scene3d>
+      <a:camera prst="orthographicFront"/>
+      <a:lightRig rig="threePt" dir="t"/>
+    </dgm:scene3d>
+    <dgm:sp3d/>
+    <dgm:txPr/>
+    <dgm:style>
+      <a:lnRef idx="2">
+        <a:scrgbClr r="0" g="0" b="0"/>
+      </a:lnRef>
+      <a:fillRef idx="1">
+        <a:scrgbClr r="0" g="0" b="0"/>
+      </a:fillRef>
+      <a:effectRef idx="0">
+        <a:scrgbClr r="0" g="0" b="0"/>
+      </a:effectRef>
+      <a:fontRef idx="minor"/>
+    </dgm:style>
+  </dgm:styleLbl>
+  <dgm:styleLbl name="trAlignAcc1">
+    <dgm:scene3d>
+      <a:camera prst="orthographicFront"/>
+      <a:lightRig rig="threePt" dir="t"/>
+    </dgm:scene3d>
+    <dgm:sp3d/>
+    <dgm:txPr/>
+    <dgm:style>
+      <a:lnRef idx="1">
+        <a:scrgbClr r="0" g="0" b="0"/>
+      </a:lnRef>
+      <a:fillRef idx="1">
+        <a:scrgbClr r="0" g="0" b="0"/>
+      </a:fillRef>
+      <a:effectRef idx="0">
+        <a:scrgbClr r="0" g="0" b="0"/>
+      </a:effectRef>
+      <a:fontRef idx="minor"/>
+    </dgm:style>
+  </dgm:styleLbl>
+  <dgm:styleLbl name="bgAcc1">
+    <dgm:scene3d>
+      <a:camera prst="orthographicFront"/>
+      <a:lightRig rig="threePt" dir="t"/>
+    </dgm:scene3d>
+    <dgm:sp3d/>
+    <dgm:txPr/>
+    <dgm:style>
+      <a:lnRef idx="2">
+        <a:scrgbClr r="0" g="0" b="0"/>
+      </a:lnRef>
+      <a:fillRef idx="1">
+        <a:scrgbClr r="0" g="0" b="0"/>
+      </a:fillRef>
+      <a:effectRef idx="0">
+        <a:scrgbClr r="0" g="0" b="0"/>
+      </a:effectRef>
+      <a:fontRef idx="minor"/>
+    </dgm:style>
+  </dgm:styleLbl>
+  <dgm:styleLbl name="solidFgAcc1">
+    <dgm:scene3d>
+      <a:camera prst="orthographicFront"/>
+      <a:lightRig rig="threePt" dir="t"/>
+    </dgm:scene3d>
+    <dgm:sp3d/>
+    <dgm:txPr/>
+    <dgm:style>
+      <a:lnRef idx="2">
+        <a:scrgbClr r="0" g="0" b="0"/>
+      </a:lnRef>
+      <a:fillRef idx="1">
+        <a:scrgbClr r="0" g="0" b="0"/>
+      </a:fillRef>
+      <a:effectRef idx="0">
+        <a:scrgbClr r="0" g="0" b="0"/>
+      </a:effectRef>
+      <a:fontRef idx="minor"/>
+    </dgm:style>
+  </dgm:styleLbl>
+  <dgm:styleLbl name="solidAlignAcc1">
+    <dgm:scene3d>
+      <a:camera prst="orthographicFront"/>
+      <a:lightRig rig="threePt" dir="t"/>
+    </dgm:scene3d>
+    <dgm:sp3d/>
+    <dgm:txPr/>
+    <dgm:style>
+      <a:lnRef idx="2">
+        <a:scrgbClr r="0" g="0" b="0"/>
+      </a:lnRef>
+      <a:fillRef idx="1">
+        <a:scrgbClr r="0" g="0" b="0"/>
+      </a:fillRef>
+      <a:effectRef idx="0">
+        <a:scrgbClr r="0" g="0" b="0"/>
+      </a:effectRef>
+      <a:fontRef idx="minor"/>
+    </dgm:style>
+  </dgm:styleLbl>
+  <dgm:styleLbl name="solidBgAcc1">
+    <dgm:scene3d>
+      <a:camera prst="orthographicFront"/>
+      <a:lightRig rig="threePt" dir="t"/>
+    </dgm:scene3d>
+    <dgm:sp3d/>
+    <dgm:txPr/>
+    <dgm:style>
+      <a:lnRef idx="2">
+        <a:scrgbClr r="0" g="0" b="0"/>
+      </a:lnRef>
+      <a:fillRef idx="1">
+        <a:scrgbClr r="0" g="0" b="0"/>
+      </a:fillRef>
+      <a:effectRef idx="0">
+        <a:scrgbClr r="0" g="0" b="0"/>
+      </a:effectRef>
+      <a:fontRef idx="minor"/>
+    </dgm:style>
+  </dgm:styleLbl>
+  <dgm:styleLbl name="fgAccFollowNode1">
+    <dgm:scene3d>
+      <a:camera prst="orthographicFront"/>
+      <a:lightRig rig="threePt" dir="t"/>
+    </dgm:scene3d>
+    <dgm:sp3d/>
+    <dgm:txPr/>
+    <dgm:style>
+      <a:lnRef idx="2">
+        <a:scrgbClr r="0" g="0" b="0"/>
+      </a:lnRef>
+      <a:fillRef idx="1">
+        <a:scrgbClr r="0" g="0" b="0"/>
+      </a:fillRef>
+      <a:effectRef idx="0">
+        <a:scrgbClr r="0" g="0" b="0"/>
+      </a:effectRef>
+      <a:fontRef idx="minor"/>
+    </dgm:style>
+  </dgm:styleLbl>
+  <dgm:styleLbl name="alignAccFollowNode1">
+    <dgm:scene3d>
+      <a:camera prst="orthographicFront"/>
+      <a:lightRig rig="threePt" dir="t"/>
+    </dgm:scene3d>
+    <dgm:sp3d/>
+    <dgm:txPr/>
+    <dgm:style>
+      <a:lnRef idx="2">
+        <a:scrgbClr r="0" g="0" b="0"/>
+      </a:lnRef>
+      <a:fillRef idx="1">
+        <a:scrgbClr r="0" g="0" b="0"/>
+      </a:fillRef>
+      <a:effectRef idx="0">
+        <a:scrgbClr r="0" g="0" b="0"/>
+      </a:effectRef>
+      <a:fontRef idx="minor"/>
+    </dgm:style>
+  </dgm:styleLbl>
+  <dgm:styleLbl name="bgAccFollowNode1">
+    <dgm:scene3d>
+      <a:camera prst="orthographicFront"/>
+      <a:lightRig rig="threePt" dir="t"/>
+    </dgm:scene3d>
+    <dgm:sp3d/>
+    <dgm:txPr/>
+    <dgm:style>
+      <a:lnRef idx="2">
+        <a:scrgbClr r="0" g="0" b="0"/>
+      </a:lnRef>
+      <a:fillRef idx="1">
+        <a:scrgbClr r="0" g="0" b="0"/>
+      </a:fillRef>
+      <a:effectRef idx="0">
+        <a:scrgbClr r="0" g="0" b="0"/>
+      </a:effectRef>
+      <a:fontRef idx="minor"/>
+    </dgm:style>
+  </dgm:styleLbl>
+  <dgm:styleLbl name="fgAcc0">
+    <dgm:scene3d>
+      <a:camera prst="orthographicFront"/>
+      <a:lightRig rig="threePt" dir="t"/>
+    </dgm:scene3d>
+    <dgm:sp3d/>
+    <dgm:txPr/>
+    <dgm:style>
+      <a:lnRef idx="2">
+        <a:scrgbClr r="0" g="0" b="0"/>
+      </a:lnRef>
+      <a:fillRef idx="1">
+        <a:scrgbClr r="0" g="0" b="0"/>
+      </a:fillRef>
+      <a:effectRef idx="0">
+        <a:scrgbClr r="0" g="0" b="0"/>
+      </a:effectRef>
+      <a:fontRef idx="minor"/>
+    </dgm:style>
+  </dgm:styleLbl>
+  <dgm:styleLbl name="fgAcc2">
+    <dgm:scene3d>
+      <a:camera prst="orthographicFront"/>
+      <a:lightRig rig="threePt" dir="t"/>
+    </dgm:scene3d>
+    <dgm:sp3d/>
+    <dgm:txPr/>
+    <dgm:style>
+      <a:lnRef idx="2">
+        <a:scrgbClr r="0" g="0" b="0"/>
+      </a:lnRef>
+      <a:fillRef idx="1">
+        <a:scrgbClr r="0" g="0" b="0"/>
+      </a:fillRef>
+      <a:effectRef idx="0">
+        <a:scrgbClr r="0" g="0" b="0"/>
+      </a:effectRef>
+      <a:fontRef idx="minor"/>
+    </dgm:style>
+  </dgm:styleLbl>
+  <dgm:styleLbl name="fgAcc3">
+    <dgm:scene3d>
+      <a:camera prst="orthographicFront"/>
+      <a:lightRig rig="threePt" dir="t"/>
+    </dgm:scene3d>
+    <dgm:sp3d/>
+    <dgm:txPr/>
+    <dgm:style>
+      <a:lnRef idx="2">
+        <a:scrgbClr r="0" g="0" b="0"/>
+      </a:lnRef>
+      <a:fillRef idx="1">
+        <a:scrgbClr r="0" g="0" b="0"/>
+      </a:fillRef>
+      <a:effectRef idx="0">
+        <a:scrgbClr r="0" g="0" b="0"/>
+      </a:effectRef>
+      <a:fontRef idx="minor"/>
+    </dgm:style>
+  </dgm:styleLbl>
+  <dgm:styleLbl name="fgAcc4">
+    <dgm:scene3d>
+      <a:camera prst="orthographicFront"/>
+      <a:lightRig rig="threePt" dir="t"/>
+    </dgm:scene3d>
+    <dgm:sp3d/>
+    <dgm:txPr/>
+    <dgm:style>
+      <a:lnRef idx="2">
+        <a:scrgbClr r="0" g="0" b="0"/>
+      </a:lnRef>
+      <a:fillRef idx="1">
+        <a:scrgbClr r="0" g="0" b="0"/>
+      </a:fillRef>
+      <a:effectRef idx="0">
+        <a:scrgbClr r="0" g="0" b="0"/>
+      </a:effectRef>
+      <a:fontRef idx="minor"/>
+    </dgm:style>
+  </dgm:styleLbl>
+  <dgm:styleLbl name="bgShp">
+    <dgm:scene3d>
+      <a:camera prst="orthographicFront"/>
+      <a:lightRig rig="threePt" dir="t"/>
+    </dgm:scene3d>
+    <dgm:sp3d/>
+    <dgm:txPr/>
+    <dgm:style>
+      <a:lnRef idx="0">
+        <a:scrgbClr r="0" g="0" b="0"/>
+      </a:lnRef>
+      <a:fillRef idx="1">
+        <a:scrgbClr r="0" g="0" b="0"/>
+      </a:fillRef>
+      <a:effectRef idx="0">
+        <a:scrgbClr r="0" g="0" b="0"/>
+      </a:effectRef>
+      <a:fontRef idx="minor"/>
+    </dgm:style>
+  </dgm:styleLbl>
+  <dgm:styleLbl name="dkBgShp">
+    <dgm:scene3d>
+      <a:camera prst="orthographicFront"/>
+      <a:lightRig rig="threePt" dir="t"/>
+    </dgm:scene3d>
+    <dgm:sp3d/>
+    <dgm:txPr/>
+    <dgm:style>
+      <a:lnRef idx="0">
+        <a:scrgbClr r="0" g="0" b="0"/>
+      </a:lnRef>
+      <a:fillRef idx="1">
+        <a:scrgbClr r="0" g="0" b="0"/>
+      </a:fillRef>
+      <a:effectRef idx="0">
+        <a:scrgbClr r="0" g="0" b="0"/>
+      </a:effectRef>
+      <a:fontRef idx="minor"/>
+    </dgm:style>
+  </dgm:styleLbl>
+  <dgm:styleLbl name="trBgShp">
+    <dgm:scene3d>
+      <a:camera prst="orthographicFront"/>
+      <a:lightRig rig="threePt" dir="t"/>
+    </dgm:scene3d>
+    <dgm:sp3d/>
+    <dgm:txPr/>
+    <dgm:style>
+      <a:lnRef idx="0">
+        <a:scrgbClr r="0" g="0" b="0"/>
+      </a:lnRef>
+      <a:fillRef idx="1">
+        <a:scrgbClr r="0" g="0" b="0"/>
+      </a:fillRef>
+      <a:effectRef idx="0">
+        <a:scrgbClr r="0" g="0" b="0"/>
+      </a:effectRef>
+      <a:fontRef idx="minor"/>
+    </dgm:style>
+  </dgm:styleLbl>
+  <dgm:styleLbl name="fgShp">
+    <dgm:scene3d>
+      <a:camera prst="orthographicFront"/>
+      <a:lightRig rig="threePt" dir="t"/>
+    </dgm:scene3d>
+    <dgm:sp3d/>
+    <dgm:txPr/>
+    <dgm:style>
+      <a:lnRef idx="2">
+        <a:scrgbClr r="0" g="0" b="0"/>
+      </a:lnRef>
+      <a:fillRef idx="1">
+        <a:scrgbClr r="0" g="0" b="0"/>
+      </a:fillRef>
+      <a:effectRef idx="0">
+        <a:scrgbClr r="0" g="0" b="0"/>
+      </a:effectRef>
+      <a:fontRef idx="minor"/>
+    </dgm:style>
+  </dgm:styleLbl>
+  <dgm:styleLbl name="revTx">
+    <dgm:scene3d>
+      <a:camera prst="orthographicFront"/>
+      <a:lightRig rig="threePt" dir="t"/>
+    </dgm:scene3d>
+    <dgm:sp3d/>
+    <dgm:txPr/>
+    <dgm:style>
+      <a:lnRef idx="0">
+        <a:scrgbClr r="0" g="0" b="0"/>
+      </a:lnRef>
+      <a:fillRef idx="0">
+        <a:scrgbClr r="0" g="0" b="0"/>
+      </a:fillRef>
+      <a:effectRef idx="0">
+        <a:scrgbClr r="0" g="0" b="0"/>
+      </a:effectRef>
+      <a:fontRef idx="minor"/>
+    </dgm:style>
+  </dgm:styleLbl>
+</dgm:styleDef>
+</file>
+
 <file path=ppt/slideLayouts/slideLayout1.xml><?xml version="1.0" encoding="utf-8"?>
 <p:sldLayout xmlns:a="http://schemas.openxmlformats.org/drawingml/2006/main" xmlns:r="http://schemas.openxmlformats.org/officeDocument/2006/relationships" xmlns:p="http://schemas.openxmlformats.org/presentationml/2006/main" type="title" preserve="1">
   <p:cSld name="제목 슬라이드">
@@ -263,7 +3923,7 @@
           <a:p>
             <a:fld id="{5E6CD08F-FB2D-4DEF-BC10-4A490193DC67}" type="datetimeFigureOut">
               <a:rPr lang="ko-KR" altLang="en-US" smtClean="0"/>
-              <a:t>2017-09-15</a:t>
+              <a:t>2018-11-23</a:t>
             </a:fld>
             <a:endParaRPr lang="ko-KR" altLang="en-US"/>
           </a:p>
@@ -433,7 +4093,7 @@
           <a:p>
             <a:fld id="{5E6CD08F-FB2D-4DEF-BC10-4A490193DC67}" type="datetimeFigureOut">
               <a:rPr lang="ko-KR" altLang="en-US" smtClean="0"/>
-              <a:t>2017-09-15</a:t>
+              <a:t>2018-11-23</a:t>
             </a:fld>
             <a:endParaRPr lang="ko-KR" altLang="en-US"/>
           </a:p>
@@ -613,7 +4273,7 @@
           <a:p>
             <a:fld id="{5E6CD08F-FB2D-4DEF-BC10-4A490193DC67}" type="datetimeFigureOut">
               <a:rPr lang="ko-KR" altLang="en-US" smtClean="0"/>
-              <a:t>2017-09-15</a:t>
+              <a:t>2018-11-23</a:t>
             </a:fld>
             <a:endParaRPr lang="ko-KR" altLang="en-US"/>
           </a:p>
@@ -783,7 +4443,7 @@
           <a:p>
             <a:fld id="{5E6CD08F-FB2D-4DEF-BC10-4A490193DC67}" type="datetimeFigureOut">
               <a:rPr lang="ko-KR" altLang="en-US" smtClean="0"/>
-              <a:t>2017-09-15</a:t>
+              <a:t>2018-11-23</a:t>
             </a:fld>
             <a:endParaRPr lang="ko-KR" altLang="en-US"/>
           </a:p>
@@ -1029,7 +4689,7 @@
           <a:p>
             <a:fld id="{5E6CD08F-FB2D-4DEF-BC10-4A490193DC67}" type="datetimeFigureOut">
               <a:rPr lang="ko-KR" altLang="en-US" smtClean="0"/>
-              <a:t>2017-09-15</a:t>
+              <a:t>2018-11-23</a:t>
             </a:fld>
             <a:endParaRPr lang="ko-KR" altLang="en-US"/>
           </a:p>
@@ -1261,7 +4921,7 @@
           <a:p>
             <a:fld id="{5E6CD08F-FB2D-4DEF-BC10-4A490193DC67}" type="datetimeFigureOut">
               <a:rPr lang="ko-KR" altLang="en-US" smtClean="0"/>
-              <a:t>2017-09-15</a:t>
+              <a:t>2018-11-23</a:t>
             </a:fld>
             <a:endParaRPr lang="ko-KR" altLang="en-US"/>
           </a:p>
@@ -1628,7 +5288,7 @@
           <a:p>
             <a:fld id="{5E6CD08F-FB2D-4DEF-BC10-4A490193DC67}" type="datetimeFigureOut">
               <a:rPr lang="ko-KR" altLang="en-US" smtClean="0"/>
-              <a:t>2017-09-15</a:t>
+              <a:t>2018-11-23</a:t>
             </a:fld>
             <a:endParaRPr lang="ko-KR" altLang="en-US"/>
           </a:p>
@@ -1746,7 +5406,7 @@
           <a:p>
             <a:fld id="{5E6CD08F-FB2D-4DEF-BC10-4A490193DC67}" type="datetimeFigureOut">
               <a:rPr lang="ko-KR" altLang="en-US" smtClean="0"/>
-              <a:t>2017-09-15</a:t>
+              <a:t>2018-11-23</a:t>
             </a:fld>
             <a:endParaRPr lang="ko-KR" altLang="en-US"/>
           </a:p>
@@ -1841,7 +5501,7 @@
           <a:p>
             <a:fld id="{5E6CD08F-FB2D-4DEF-BC10-4A490193DC67}" type="datetimeFigureOut">
               <a:rPr lang="ko-KR" altLang="en-US" smtClean="0"/>
-              <a:t>2017-09-15</a:t>
+              <a:t>2018-11-23</a:t>
             </a:fld>
             <a:endParaRPr lang="ko-KR" altLang="en-US"/>
           </a:p>
@@ -2118,7 +5778,7 @@
           <a:p>
             <a:fld id="{5E6CD08F-FB2D-4DEF-BC10-4A490193DC67}" type="datetimeFigureOut">
               <a:rPr lang="ko-KR" altLang="en-US" smtClean="0"/>
-              <a:t>2017-09-15</a:t>
+              <a:t>2018-11-23</a:t>
             </a:fld>
             <a:endParaRPr lang="ko-KR" altLang="en-US"/>
           </a:p>
@@ -2371,7 +6031,7 @@
           <a:p>
             <a:fld id="{5E6CD08F-FB2D-4DEF-BC10-4A490193DC67}" type="datetimeFigureOut">
               <a:rPr lang="ko-KR" altLang="en-US" smtClean="0"/>
-              <a:t>2017-09-15</a:t>
+              <a:t>2018-11-23</a:t>
             </a:fld>
             <a:endParaRPr lang="ko-KR" altLang="en-US"/>
           </a:p>
@@ -2584,7 +6244,7 @@
           <a:p>
             <a:fld id="{5E6CD08F-FB2D-4DEF-BC10-4A490193DC67}" type="datetimeFigureOut">
               <a:rPr lang="ko-KR" altLang="en-US" smtClean="0"/>
-              <a:t>2017-09-15</a:t>
+              <a:t>2018-11-23</a:t>
             </a:fld>
             <a:endParaRPr lang="ko-KR" altLang="en-US"/>
           </a:p>
@@ -3049,196 +6709,2382 @@
           <a:chExt cx="0" cy="0"/>
         </a:xfrm>
       </p:grpSpPr>
+      <p:pic>
+        <p:nvPicPr>
+          <p:cNvPr id="2" name="그림 1"/>
+          <p:cNvPicPr>
+            <a:picLocks noChangeAspect="1"/>
+          </p:cNvPicPr>
+          <p:nvPr/>
+        </p:nvPicPr>
+        <p:blipFill>
+          <a:blip r:embed="rId2">
+            <a:extLst>
+              <a:ext uri="{28A0092B-C50C-407E-A947-70E740481C1C}">
+                <a14:useLocalDpi xmlns:a14="http://schemas.microsoft.com/office/drawing/2010/main" val="0"/>
+              </a:ext>
+            </a:extLst>
+          </a:blip>
+          <a:stretch>
+            <a:fillRect/>
+          </a:stretch>
+        </p:blipFill>
+        <p:spPr>
+          <a:xfrm>
+            <a:off x="3313080" y="607707"/>
+            <a:ext cx="6064759" cy="2442186"/>
+          </a:xfrm>
+          <a:prstGeom prst="rect">
+            <a:avLst/>
+          </a:prstGeom>
+        </p:spPr>
+      </p:pic>
       <p:sp>
         <p:nvSpPr>
-          <p:cNvPr id="2" name="제목 1"/>
-          <p:cNvSpPr>
-            <a:spLocks noGrp="1"/>
-          </p:cNvSpPr>
-          <p:nvPr>
-            <p:ph type="title"/>
-          </p:nvPr>
+          <p:cNvPr id="5" name="직사각형 4"/>
+          <p:cNvSpPr/>
+          <p:nvPr/>
         </p:nvSpPr>
         <p:spPr>
           <a:xfrm>
-            <a:off x="838200" y="365125"/>
-            <a:ext cx="10515600" cy="671195"/>
+            <a:off x="4727701" y="632645"/>
+            <a:ext cx="3235516" cy="860399"/>
           </a:xfrm>
+          <a:prstGeom prst="rect">
+            <a:avLst/>
+          </a:prstGeom>
+          <a:noFill/>
+          <a:ln w="38100">
+            <a:solidFill>
+              <a:srgbClr val="FF0000"/>
+            </a:solidFill>
+          </a:ln>
         </p:spPr>
+        <p:style>
+          <a:lnRef idx="2">
+            <a:schemeClr val="accent1">
+              <a:shade val="50000"/>
+            </a:schemeClr>
+          </a:lnRef>
+          <a:fillRef idx="1">
+            <a:schemeClr val="accent1"/>
+          </a:fillRef>
+          <a:effectRef idx="0">
+            <a:schemeClr val="accent1"/>
+          </a:effectRef>
+          <a:fontRef idx="minor">
+            <a:schemeClr val="lt1"/>
+          </a:fontRef>
+        </p:style>
         <p:txBody>
-          <a:bodyPr>
-            <a:normAutofit fontScale="90000"/>
-          </a:bodyPr>
+          <a:bodyPr rtlCol="0" anchor="ctr"/>
           <a:lstStyle/>
           <a:p>
-            <a:r>
-              <a:rPr lang="ko-KR" altLang="en-US" b="1" dirty="0" smtClean="0"/>
-              <a:t>회복기법</a:t>
-            </a:r>
-            <a:endParaRPr lang="ko-KR" altLang="en-US" b="1" dirty="0"/>
+            <a:pPr algn="ctr"/>
+            <a:endParaRPr lang="ko-KR" altLang="en-US"/>
+          </a:p>
+        </p:txBody>
+      </p:sp>
+      <p:pic>
+        <p:nvPicPr>
+          <p:cNvPr id="6" name="그림 5"/>
+          <p:cNvPicPr>
+            <a:picLocks noChangeAspect="1"/>
+          </p:cNvPicPr>
+          <p:nvPr/>
+        </p:nvPicPr>
+        <p:blipFill>
+          <a:blip r:embed="rId3">
+            <a:extLst>
+              <a:ext uri="{28A0092B-C50C-407E-A947-70E740481C1C}">
+                <a14:useLocalDpi xmlns:a14="http://schemas.microsoft.com/office/drawing/2010/main" val="0"/>
+              </a:ext>
+            </a:extLst>
+          </a:blip>
+          <a:stretch>
+            <a:fillRect/>
+          </a:stretch>
+        </p:blipFill>
+        <p:spPr>
+          <a:xfrm>
+            <a:off x="1040306" y="3583901"/>
+            <a:ext cx="10822587" cy="2725458"/>
+          </a:xfrm>
+          <a:prstGeom prst="rect">
+            <a:avLst/>
+          </a:prstGeom>
+        </p:spPr>
+      </p:pic>
+      <p:sp>
+        <p:nvSpPr>
+          <p:cNvPr id="7" name="직사각형 6"/>
+          <p:cNvSpPr/>
+          <p:nvPr/>
+        </p:nvSpPr>
+        <p:spPr>
+          <a:xfrm>
+            <a:off x="1706703" y="3583901"/>
+            <a:ext cx="3738133" cy="533907"/>
+          </a:xfrm>
+          <a:prstGeom prst="rect">
+            <a:avLst/>
+          </a:prstGeom>
+          <a:noFill/>
+          <a:ln w="38100">
+            <a:solidFill>
+              <a:srgbClr val="FF0000"/>
+            </a:solidFill>
+          </a:ln>
+        </p:spPr>
+        <p:style>
+          <a:lnRef idx="2">
+            <a:schemeClr val="accent1">
+              <a:shade val="50000"/>
+            </a:schemeClr>
+          </a:lnRef>
+          <a:fillRef idx="1">
+            <a:schemeClr val="accent1"/>
+          </a:fillRef>
+          <a:effectRef idx="0">
+            <a:schemeClr val="accent1"/>
+          </a:effectRef>
+          <a:fontRef idx="minor">
+            <a:schemeClr val="lt1"/>
+          </a:fontRef>
+        </p:style>
+        <p:txBody>
+          <a:bodyPr rtlCol="0" anchor="ctr"/>
+          <a:lstStyle/>
+          <a:p>
+            <a:pPr algn="ctr"/>
+            <a:endParaRPr lang="ko-KR" altLang="en-US"/>
           </a:p>
         </p:txBody>
       </p:sp>
       <p:sp>
         <p:nvSpPr>
-          <p:cNvPr id="5" name="내용 개체 틀 2"/>
-          <p:cNvSpPr>
-            <a:spLocks noGrp="1"/>
-          </p:cNvSpPr>
-          <p:nvPr>
-            <p:ph idx="1"/>
-          </p:nvPr>
+          <p:cNvPr id="8" name="TextBox 7"/>
+          <p:cNvSpPr txBox="1"/>
+          <p:nvPr/>
         </p:nvSpPr>
         <p:spPr>
           <a:xfrm>
-            <a:off x="838200" y="1267968"/>
-            <a:ext cx="10515600" cy="4908995"/>
+            <a:off x="4311963" y="3147189"/>
+            <a:ext cx="4367447" cy="369332"/>
           </a:xfrm>
+          <a:prstGeom prst="rect">
+            <a:avLst/>
+          </a:prstGeom>
+          <a:noFill/>
         </p:spPr>
         <p:txBody>
-          <a:bodyPr>
-            <a:noAutofit/>
+          <a:bodyPr wrap="square" rtlCol="0">
+            <a:spAutoFit/>
           </a:bodyPr>
           <a:lstStyle/>
           <a:p>
-            <a:pPr>
-              <a:lnSpc>
-                <a:spcPct val="150000"/>
-              </a:lnSpc>
-            </a:pPr>
-            <a:r>
-              <a:rPr lang="ko-KR" altLang="en-US" sz="1800" b="1" dirty="0" smtClean="0"/>
-              <a:t>검사 시점 기법</a:t>
-            </a:r>
-            <a:endParaRPr lang="en-US" altLang="ko-KR" sz="1800" b="1" dirty="0" smtClean="0"/>
-          </a:p>
-          <a:p>
-            <a:pPr marL="685800" lvl="2">
-              <a:lnSpc>
-                <a:spcPct val="150000"/>
-              </a:lnSpc>
-              <a:spcBef>
-                <a:spcPts val="1000"/>
-              </a:spcBef>
-            </a:pPr>
-            <a:r>
-              <a:rPr lang="ko-KR" altLang="en-US" sz="1800" dirty="0" smtClean="0"/>
-              <a:t>트랜잭션이 실행되는 중간에 검사 시점</a:t>
-            </a:r>
-            <a:r>
-              <a:rPr lang="en-US" altLang="ko-KR" sz="1800" dirty="0" smtClean="0"/>
-              <a:t>(Check Point)</a:t>
-            </a:r>
-            <a:r>
-              <a:rPr lang="ko-KR" altLang="en-US" sz="1800" dirty="0" smtClean="0"/>
-              <a:t>을 지정하여 검사 시점까지 수행 후 완료된 내용을 데이터베이스에 적용하는 기법</a:t>
-            </a:r>
-            <a:endParaRPr lang="en-US" altLang="ko-KR" sz="1800" dirty="0"/>
-          </a:p>
-          <a:p>
-            <a:pPr>
-              <a:lnSpc>
-                <a:spcPct val="150000"/>
-              </a:lnSpc>
-            </a:pPr>
-            <a:r>
-              <a:rPr lang="ko-KR" altLang="en-US" sz="1800" b="1" dirty="0" smtClean="0"/>
-              <a:t>그림자 </a:t>
-            </a:r>
-            <a:r>
-              <a:rPr lang="ko-KR" altLang="en-US" sz="1800" b="1" dirty="0" err="1" smtClean="0"/>
-              <a:t>페이징</a:t>
-            </a:r>
-            <a:r>
-              <a:rPr lang="en-US" altLang="ko-KR" sz="1800" b="1" dirty="0" smtClean="0"/>
-              <a:t>(Shadow Paging) </a:t>
-            </a:r>
-            <a:r>
-              <a:rPr lang="ko-KR" altLang="en-US" sz="1800" b="1" dirty="0" smtClean="0"/>
-              <a:t>기법</a:t>
-            </a:r>
-            <a:endParaRPr lang="en-US" altLang="ko-KR" sz="1800" dirty="0" smtClean="0"/>
-          </a:p>
-          <a:p>
-            <a:pPr marL="685800" lvl="2">
-              <a:lnSpc>
-                <a:spcPct val="150000"/>
-              </a:lnSpc>
-              <a:spcBef>
-                <a:spcPts val="1000"/>
-              </a:spcBef>
-            </a:pPr>
-            <a:r>
-              <a:rPr lang="ko-KR" altLang="en-US" sz="1800" dirty="0" smtClean="0"/>
-              <a:t>로그</a:t>
-            </a:r>
-            <a:r>
-              <a:rPr lang="en-US" altLang="ko-KR" sz="1800" dirty="0" smtClean="0"/>
-              <a:t>(Log)</a:t>
-            </a:r>
-            <a:r>
-              <a:rPr lang="ko-KR" altLang="en-US" sz="1800" dirty="0" smtClean="0"/>
-              <a:t>를 사용하지 않고</a:t>
-            </a:r>
-            <a:r>
-              <a:rPr lang="en-US" altLang="ko-KR" sz="1800" dirty="0" smtClean="0"/>
-              <a:t>, </a:t>
-            </a:r>
-            <a:r>
-              <a:rPr lang="ko-KR" altLang="en-US" sz="1800" dirty="0" smtClean="0"/>
-              <a:t>데이터베이스를 동일한 크기의 단위인 페이지로 나누어 각 페이지 마다 복사하여 그림자 페이지를 보관하는 기법</a:t>
-            </a:r>
-            <a:endParaRPr lang="en-US" altLang="ko-KR" sz="1800" b="1" dirty="0" smtClean="0"/>
-          </a:p>
-          <a:p>
-            <a:pPr marL="685800" lvl="2">
-              <a:lnSpc>
-                <a:spcPct val="150000"/>
-              </a:lnSpc>
-              <a:spcBef>
-                <a:spcPts val="1000"/>
-              </a:spcBef>
-            </a:pPr>
-            <a:r>
-              <a:rPr lang="ko-KR" altLang="en-US" sz="1800" dirty="0" smtClean="0"/>
-              <a:t>데이터베이스의 변경되는 내용은 원본 페이지에만 적용하고</a:t>
-            </a:r>
-            <a:r>
-              <a:rPr lang="en-US" altLang="ko-KR" sz="1800" dirty="0" smtClean="0"/>
-              <a:t>, </a:t>
-            </a:r>
-            <a:r>
-              <a:rPr lang="ko-KR" altLang="en-US" sz="1800" dirty="0" smtClean="0"/>
-              <a:t>장애가 발생되는 경우 그림자 페이지를 </a:t>
-            </a:r>
-            <a:r>
-              <a:rPr lang="ko-KR" altLang="en-US" sz="1800" dirty="0" smtClean="0"/>
-              <a:t>이용해 회복</a:t>
-            </a:r>
-            <a:endParaRPr lang="en-US" altLang="ko-KR" sz="1800" dirty="0" smtClean="0"/>
-          </a:p>
-          <a:p>
-            <a:pPr>
-              <a:lnSpc>
-                <a:spcPct val="150000"/>
-              </a:lnSpc>
-            </a:pPr>
-            <a:endParaRPr lang="en-US" altLang="ko-KR" sz="1800" dirty="0" smtClean="0"/>
-          </a:p>
-          <a:p>
-            <a:pPr>
-              <a:lnSpc>
-                <a:spcPct val="150000"/>
-              </a:lnSpc>
-            </a:pPr>
-            <a:endParaRPr lang="en-US" altLang="ko-KR" sz="1800" dirty="0" smtClean="0"/>
+            <a:r>
+              <a:rPr lang="en-US" altLang="ko-KR" dirty="0" smtClean="0"/>
+              <a:t>Rollback</a:t>
+            </a:r>
+            <a:r>
+              <a:rPr lang="ko-KR" altLang="en-US" dirty="0" smtClean="0"/>
+              <a:t>을 이용하여 이전 상태로 되돌림</a:t>
+            </a:r>
+            <a:r>
+              <a:rPr lang="en-US" altLang="ko-KR" dirty="0" smtClean="0"/>
+              <a:t>.</a:t>
+            </a:r>
+            <a:endParaRPr lang="ko-KR" altLang="en-US" dirty="0"/>
           </a:p>
         </p:txBody>
       </p:sp>
     </p:spTree>
     <p:extLst>
       <p:ext uri="{BB962C8B-B14F-4D97-AF65-F5344CB8AC3E}">
-        <p14:creationId xmlns:p14="http://schemas.microsoft.com/office/powerpoint/2010/main" val="978479832"/>
+        <p14:creationId xmlns:p14="http://schemas.microsoft.com/office/powerpoint/2010/main" val="3807713347"/>
+      </p:ext>
+    </p:extLst>
+  </p:cSld>
+  <p:clrMapOvr>
+    <a:masterClrMapping/>
+  </p:clrMapOvr>
+</p:sld>
+</file>
+
+<file path=ppt/slides/slide11.xml><?xml version="1.0" encoding="utf-8"?>
+<p:sld xmlns:a="http://schemas.openxmlformats.org/drawingml/2006/main" xmlns:r="http://schemas.openxmlformats.org/officeDocument/2006/relationships" xmlns:p="http://schemas.openxmlformats.org/presentationml/2006/main">
+  <p:cSld>
+    <p:spTree>
+      <p:nvGrpSpPr>
+        <p:cNvPr id="1" name=""/>
+        <p:cNvGrpSpPr/>
+        <p:nvPr/>
+      </p:nvGrpSpPr>
+      <p:grpSpPr>
+        <a:xfrm>
+          <a:off x="0" y="0"/>
+          <a:ext cx="0" cy="0"/>
+          <a:chOff x="0" y="0"/>
+          <a:chExt cx="0" cy="0"/>
+        </a:xfrm>
+      </p:grpSpPr>
+      <p:pic>
+        <p:nvPicPr>
+          <p:cNvPr id="2" name="그림 1"/>
+          <p:cNvPicPr>
+            <a:picLocks noChangeAspect="1"/>
+          </p:cNvPicPr>
+          <p:nvPr/>
+        </p:nvPicPr>
+        <p:blipFill>
+          <a:blip r:embed="rId2">
+            <a:extLst>
+              <a:ext uri="{28A0092B-C50C-407E-A947-70E740481C1C}">
+                <a14:useLocalDpi xmlns:a14="http://schemas.microsoft.com/office/drawing/2010/main" val="0"/>
+              </a:ext>
+            </a:extLst>
+          </a:blip>
+          <a:stretch>
+            <a:fillRect/>
+          </a:stretch>
+        </p:blipFill>
+        <p:spPr>
+          <a:xfrm>
+            <a:off x="1452515" y="440176"/>
+            <a:ext cx="6629351" cy="2519153"/>
+          </a:xfrm>
+          <a:prstGeom prst="rect">
+            <a:avLst/>
+          </a:prstGeom>
+        </p:spPr>
+      </p:pic>
+      <p:pic>
+        <p:nvPicPr>
+          <p:cNvPr id="3" name="그림 2"/>
+          <p:cNvPicPr>
+            <a:picLocks noChangeAspect="1"/>
+          </p:cNvPicPr>
+          <p:nvPr/>
+        </p:nvPicPr>
+        <p:blipFill>
+          <a:blip r:embed="rId3">
+            <a:extLst>
+              <a:ext uri="{28A0092B-C50C-407E-A947-70E740481C1C}">
+                <a14:useLocalDpi xmlns:a14="http://schemas.microsoft.com/office/drawing/2010/main" val="0"/>
+              </a:ext>
+            </a:extLst>
+          </a:blip>
+          <a:stretch>
+            <a:fillRect/>
+          </a:stretch>
+        </p:blipFill>
+        <p:spPr>
+          <a:xfrm>
+            <a:off x="1452515" y="3625347"/>
+            <a:ext cx="6805648" cy="2600885"/>
+          </a:xfrm>
+          <a:prstGeom prst="rect">
+            <a:avLst/>
+          </a:prstGeom>
+        </p:spPr>
+      </p:pic>
+      <p:sp>
+        <p:nvSpPr>
+          <p:cNvPr id="5" name="직사각형 4"/>
+          <p:cNvSpPr/>
+          <p:nvPr/>
+        </p:nvSpPr>
+        <p:spPr>
+          <a:xfrm>
+            <a:off x="2624580" y="499641"/>
+            <a:ext cx="5147819" cy="1287595"/>
+          </a:xfrm>
+          <a:prstGeom prst="rect">
+            <a:avLst/>
+          </a:prstGeom>
+          <a:noFill/>
+          <a:ln w="38100">
+            <a:solidFill>
+              <a:srgbClr val="FF0000"/>
+            </a:solidFill>
+          </a:ln>
+        </p:spPr>
+        <p:style>
+          <a:lnRef idx="2">
+            <a:schemeClr val="accent1">
+              <a:shade val="50000"/>
+            </a:schemeClr>
+          </a:lnRef>
+          <a:fillRef idx="1">
+            <a:schemeClr val="accent1"/>
+          </a:fillRef>
+          <a:effectRef idx="0">
+            <a:schemeClr val="accent1"/>
+          </a:effectRef>
+          <a:fontRef idx="minor">
+            <a:schemeClr val="lt1"/>
+          </a:fontRef>
+        </p:style>
+        <p:txBody>
+          <a:bodyPr rtlCol="0" anchor="ctr"/>
+          <a:lstStyle/>
+          <a:p>
+            <a:pPr algn="ctr"/>
+            <a:endParaRPr lang="ko-KR" altLang="en-US"/>
+          </a:p>
+        </p:txBody>
+      </p:sp>
+      <p:sp>
+        <p:nvSpPr>
+          <p:cNvPr id="6" name="직사각형 5"/>
+          <p:cNvSpPr/>
+          <p:nvPr/>
+        </p:nvSpPr>
+        <p:spPr>
+          <a:xfrm>
+            <a:off x="2934047" y="3625347"/>
+            <a:ext cx="2826673" cy="880151"/>
+          </a:xfrm>
+          <a:prstGeom prst="rect">
+            <a:avLst/>
+          </a:prstGeom>
+          <a:noFill/>
+          <a:ln w="38100">
+            <a:solidFill>
+              <a:srgbClr val="FF0000"/>
+            </a:solidFill>
+          </a:ln>
+        </p:spPr>
+        <p:style>
+          <a:lnRef idx="2">
+            <a:schemeClr val="accent1">
+              <a:shade val="50000"/>
+            </a:schemeClr>
+          </a:lnRef>
+          <a:fillRef idx="1">
+            <a:schemeClr val="accent1"/>
+          </a:fillRef>
+          <a:effectRef idx="0">
+            <a:schemeClr val="accent1"/>
+          </a:effectRef>
+          <a:fontRef idx="minor">
+            <a:schemeClr val="lt1"/>
+          </a:fontRef>
+        </p:style>
+        <p:txBody>
+          <a:bodyPr rtlCol="0" anchor="ctr"/>
+          <a:lstStyle/>
+          <a:p>
+            <a:pPr algn="ctr"/>
+            <a:endParaRPr lang="ko-KR" altLang="en-US"/>
+          </a:p>
+        </p:txBody>
+      </p:sp>
+      <p:sp>
+        <p:nvSpPr>
+          <p:cNvPr id="7" name="TextBox 6"/>
+          <p:cNvSpPr txBox="1"/>
+          <p:nvPr/>
+        </p:nvSpPr>
+        <p:spPr>
+          <a:xfrm>
+            <a:off x="8366228" y="2588094"/>
+            <a:ext cx="3566160" cy="1477328"/>
+          </a:xfrm>
+          <a:prstGeom prst="rect">
+            <a:avLst/>
+          </a:prstGeom>
+          <a:noFill/>
+        </p:spPr>
+        <p:txBody>
+          <a:bodyPr wrap="square" rtlCol="0">
+            <a:spAutoFit/>
+          </a:bodyPr>
+          <a:lstStyle/>
+          <a:p>
+            <a:r>
+              <a:rPr lang="en-US" altLang="ko-KR" dirty="0" smtClean="0"/>
+              <a:t>40</a:t>
+            </a:r>
+            <a:r>
+              <a:rPr lang="ko-KR" altLang="en-US" dirty="0" smtClean="0"/>
+              <a:t>번 부서를 삭제한 뒤 </a:t>
+            </a:r>
+            <a:endParaRPr lang="en-US" altLang="ko-KR" dirty="0" smtClean="0"/>
+          </a:p>
+          <a:p>
+            <a:endParaRPr lang="en-US" altLang="ko-KR" dirty="0"/>
+          </a:p>
+          <a:p>
+            <a:r>
+              <a:rPr lang="en-US" altLang="ko-KR" dirty="0" smtClean="0"/>
+              <a:t>Commit</a:t>
+            </a:r>
+            <a:r>
+              <a:rPr lang="ko-KR" altLang="en-US" dirty="0" smtClean="0"/>
+              <a:t>명령어를 이용하여 </a:t>
+            </a:r>
+            <a:endParaRPr lang="en-US" altLang="ko-KR" dirty="0" smtClean="0"/>
+          </a:p>
+          <a:p>
+            <a:endParaRPr lang="en-US" altLang="ko-KR" dirty="0"/>
+          </a:p>
+          <a:p>
+            <a:r>
+              <a:rPr lang="ko-KR" altLang="en-US" dirty="0" smtClean="0"/>
+              <a:t>데이터베이스에 영구적으로 적용</a:t>
+            </a:r>
+            <a:endParaRPr lang="ko-KR" altLang="en-US" dirty="0"/>
+          </a:p>
+        </p:txBody>
+      </p:sp>
+    </p:spTree>
+    <p:extLst>
+      <p:ext uri="{BB962C8B-B14F-4D97-AF65-F5344CB8AC3E}">
+        <p14:creationId xmlns:p14="http://schemas.microsoft.com/office/powerpoint/2010/main" val="626757252"/>
+      </p:ext>
+    </p:extLst>
+  </p:cSld>
+  <p:clrMapOvr>
+    <a:masterClrMapping/>
+  </p:clrMapOvr>
+</p:sld>
+</file>
+
+<file path=ppt/slides/slide12.xml><?xml version="1.0" encoding="utf-8"?>
+<p:sld xmlns:a="http://schemas.openxmlformats.org/drawingml/2006/main" xmlns:r="http://schemas.openxmlformats.org/officeDocument/2006/relationships" xmlns:p="http://schemas.openxmlformats.org/presentationml/2006/main">
+  <p:cSld>
+    <p:spTree>
+      <p:nvGrpSpPr>
+        <p:cNvPr id="1" name=""/>
+        <p:cNvGrpSpPr/>
+        <p:nvPr/>
+      </p:nvGrpSpPr>
+      <p:grpSpPr>
+        <a:xfrm>
+          <a:off x="0" y="0"/>
+          <a:ext cx="0" cy="0"/>
+          <a:chOff x="0" y="0"/>
+          <a:chExt cx="0" cy="0"/>
+        </a:xfrm>
+      </p:grpSpPr>
+      <p:pic>
+        <p:nvPicPr>
+          <p:cNvPr id="2" name="그림 1"/>
+          <p:cNvPicPr>
+            <a:picLocks noChangeAspect="1"/>
+          </p:cNvPicPr>
+          <p:nvPr/>
+        </p:nvPicPr>
+        <p:blipFill>
+          <a:blip r:embed="rId2">
+            <a:extLst>
+              <a:ext uri="{28A0092B-C50C-407E-A947-70E740481C1C}">
+                <a14:useLocalDpi xmlns:a14="http://schemas.microsoft.com/office/drawing/2010/main" val="0"/>
+              </a:ext>
+            </a:extLst>
+          </a:blip>
+          <a:stretch>
+            <a:fillRect/>
+          </a:stretch>
+        </p:blipFill>
+        <p:spPr>
+          <a:xfrm>
+            <a:off x="943395" y="353750"/>
+            <a:ext cx="10758908" cy="2614873"/>
+          </a:xfrm>
+          <a:prstGeom prst="rect">
+            <a:avLst/>
+          </a:prstGeom>
+        </p:spPr>
+      </p:pic>
+      <p:sp>
+        <p:nvSpPr>
+          <p:cNvPr id="5" name="직사각형 4"/>
+          <p:cNvSpPr/>
+          <p:nvPr/>
+        </p:nvSpPr>
+        <p:spPr>
+          <a:xfrm>
+            <a:off x="1662200" y="375052"/>
+            <a:ext cx="3566505" cy="594880"/>
+          </a:xfrm>
+          <a:prstGeom prst="rect">
+            <a:avLst/>
+          </a:prstGeom>
+          <a:noFill/>
+          <a:ln w="38100">
+            <a:solidFill>
+              <a:srgbClr val="FF0000"/>
+            </a:solidFill>
+          </a:ln>
+        </p:spPr>
+        <p:style>
+          <a:lnRef idx="2">
+            <a:schemeClr val="accent1">
+              <a:shade val="50000"/>
+            </a:schemeClr>
+          </a:lnRef>
+          <a:fillRef idx="1">
+            <a:schemeClr val="accent1"/>
+          </a:fillRef>
+          <a:effectRef idx="0">
+            <a:schemeClr val="accent1"/>
+          </a:effectRef>
+          <a:fontRef idx="minor">
+            <a:schemeClr val="lt1"/>
+          </a:fontRef>
+        </p:style>
+        <p:txBody>
+          <a:bodyPr rtlCol="0" anchor="ctr"/>
+          <a:lstStyle/>
+          <a:p>
+            <a:pPr algn="ctr"/>
+            <a:endParaRPr lang="ko-KR" altLang="en-US"/>
+          </a:p>
+        </p:txBody>
+      </p:sp>
+      <p:sp>
+        <p:nvSpPr>
+          <p:cNvPr id="6" name="직사각형 5"/>
+          <p:cNvSpPr/>
+          <p:nvPr/>
+        </p:nvSpPr>
+        <p:spPr>
+          <a:xfrm>
+            <a:off x="943395" y="1087607"/>
+            <a:ext cx="8441674" cy="1902317"/>
+          </a:xfrm>
+          <a:prstGeom prst="rect">
+            <a:avLst/>
+          </a:prstGeom>
+          <a:noFill/>
+          <a:ln w="38100">
+            <a:solidFill>
+              <a:srgbClr val="FF0000"/>
+            </a:solidFill>
+          </a:ln>
+        </p:spPr>
+        <p:style>
+          <a:lnRef idx="2">
+            <a:schemeClr val="accent1">
+              <a:shade val="50000"/>
+            </a:schemeClr>
+          </a:lnRef>
+          <a:fillRef idx="1">
+            <a:schemeClr val="accent1"/>
+          </a:fillRef>
+          <a:effectRef idx="0">
+            <a:schemeClr val="accent1"/>
+          </a:effectRef>
+          <a:fontRef idx="minor">
+            <a:schemeClr val="lt1"/>
+          </a:fontRef>
+        </p:style>
+        <p:txBody>
+          <a:bodyPr rtlCol="0" anchor="ctr"/>
+          <a:lstStyle/>
+          <a:p>
+            <a:pPr algn="ctr"/>
+            <a:endParaRPr lang="ko-KR" altLang="en-US"/>
+          </a:p>
+        </p:txBody>
+      </p:sp>
+      <p:sp>
+        <p:nvSpPr>
+          <p:cNvPr id="7" name="TextBox 6"/>
+          <p:cNvSpPr txBox="1"/>
+          <p:nvPr/>
+        </p:nvSpPr>
+        <p:spPr>
+          <a:xfrm>
+            <a:off x="5073073" y="3255606"/>
+            <a:ext cx="4919975" cy="1477328"/>
+          </a:xfrm>
+          <a:prstGeom prst="rect">
+            <a:avLst/>
+          </a:prstGeom>
+          <a:noFill/>
+        </p:spPr>
+        <p:txBody>
+          <a:bodyPr wrap="square" rtlCol="0">
+            <a:spAutoFit/>
+          </a:bodyPr>
+          <a:lstStyle/>
+          <a:p>
+            <a:r>
+              <a:rPr lang="en-US" altLang="ko-KR" dirty="0" smtClean="0"/>
+              <a:t>40</a:t>
+            </a:r>
+            <a:r>
+              <a:rPr lang="ko-KR" altLang="en-US" dirty="0" smtClean="0"/>
+              <a:t>번 부서가 삭제 된 것을 확인</a:t>
+            </a:r>
+            <a:endParaRPr lang="en-US" altLang="ko-KR" dirty="0" smtClean="0"/>
+          </a:p>
+          <a:p>
+            <a:endParaRPr lang="en-US" altLang="ko-KR" dirty="0"/>
+          </a:p>
+          <a:p>
+            <a:r>
+              <a:rPr lang="ko-KR" altLang="en-US" dirty="0" smtClean="0"/>
+              <a:t>여기서 다시 롤백을 하여도</a:t>
+            </a:r>
+            <a:endParaRPr lang="en-US" altLang="ko-KR" dirty="0" smtClean="0"/>
+          </a:p>
+          <a:p>
+            <a:endParaRPr lang="en-US" altLang="ko-KR" dirty="0"/>
+          </a:p>
+          <a:p>
+            <a:r>
+              <a:rPr lang="en-US" altLang="ko-KR" dirty="0" smtClean="0"/>
+              <a:t>40</a:t>
+            </a:r>
+            <a:r>
+              <a:rPr lang="ko-KR" altLang="en-US" dirty="0" smtClean="0"/>
+              <a:t>번 부서가 삭제된 사실에는 변함이 없다</a:t>
+            </a:r>
+            <a:r>
+              <a:rPr lang="en-US" altLang="ko-KR" dirty="0" smtClean="0"/>
+              <a:t>. </a:t>
+            </a:r>
+            <a:r>
+              <a:rPr lang="ko-KR" altLang="en-US" dirty="0" smtClean="0"/>
+              <a:t> </a:t>
+            </a:r>
+            <a:endParaRPr lang="ko-KR" altLang="en-US" dirty="0"/>
+          </a:p>
+        </p:txBody>
+      </p:sp>
+      <p:pic>
+        <p:nvPicPr>
+          <p:cNvPr id="8" name="그림 7"/>
+          <p:cNvPicPr>
+            <a:picLocks noChangeAspect="1"/>
+          </p:cNvPicPr>
+          <p:nvPr/>
+        </p:nvPicPr>
+        <p:blipFill>
+          <a:blip r:embed="rId3">
+            <a:extLst>
+              <a:ext uri="{28A0092B-C50C-407E-A947-70E740481C1C}">
+                <a14:useLocalDpi xmlns:a14="http://schemas.microsoft.com/office/drawing/2010/main" val="0"/>
+              </a:ext>
+            </a:extLst>
+          </a:blip>
+          <a:stretch>
+            <a:fillRect/>
+          </a:stretch>
+        </p:blipFill>
+        <p:spPr>
+          <a:xfrm>
+            <a:off x="943395" y="3177821"/>
+            <a:ext cx="3507175" cy="1412286"/>
+          </a:xfrm>
+          <a:prstGeom prst="rect">
+            <a:avLst/>
+          </a:prstGeom>
+        </p:spPr>
+      </p:pic>
+      <p:sp>
+        <p:nvSpPr>
+          <p:cNvPr id="9" name="직사각형 8"/>
+          <p:cNvSpPr/>
+          <p:nvPr/>
+        </p:nvSpPr>
+        <p:spPr>
+          <a:xfrm>
+            <a:off x="1761656" y="3184331"/>
+            <a:ext cx="1870652" cy="539450"/>
+          </a:xfrm>
+          <a:prstGeom prst="rect">
+            <a:avLst/>
+          </a:prstGeom>
+          <a:noFill/>
+          <a:ln w="38100">
+            <a:solidFill>
+              <a:srgbClr val="FF0000"/>
+            </a:solidFill>
+          </a:ln>
+        </p:spPr>
+        <p:style>
+          <a:lnRef idx="2">
+            <a:schemeClr val="accent1">
+              <a:shade val="50000"/>
+            </a:schemeClr>
+          </a:lnRef>
+          <a:fillRef idx="1">
+            <a:schemeClr val="accent1"/>
+          </a:fillRef>
+          <a:effectRef idx="0">
+            <a:schemeClr val="accent1"/>
+          </a:effectRef>
+          <a:fontRef idx="minor">
+            <a:schemeClr val="lt1"/>
+          </a:fontRef>
+        </p:style>
+        <p:txBody>
+          <a:bodyPr rtlCol="0" anchor="ctr"/>
+          <a:lstStyle/>
+          <a:p>
+            <a:pPr algn="ctr"/>
+            <a:endParaRPr lang="ko-KR" altLang="en-US"/>
+          </a:p>
+        </p:txBody>
+      </p:sp>
+      <p:pic>
+        <p:nvPicPr>
+          <p:cNvPr id="10" name="그림 9"/>
+          <p:cNvPicPr>
+            <a:picLocks noChangeAspect="1"/>
+          </p:cNvPicPr>
+          <p:nvPr/>
+        </p:nvPicPr>
+        <p:blipFill>
+          <a:blip r:embed="rId2">
+            <a:extLst>
+              <a:ext uri="{28A0092B-C50C-407E-A947-70E740481C1C}">
+                <a14:useLocalDpi xmlns:a14="http://schemas.microsoft.com/office/drawing/2010/main" val="0"/>
+              </a:ext>
+            </a:extLst>
+          </a:blip>
+          <a:stretch>
+            <a:fillRect/>
+          </a:stretch>
+        </p:blipFill>
+        <p:spPr>
+          <a:xfrm>
+            <a:off x="943395" y="4732934"/>
+            <a:ext cx="6612874" cy="1607210"/>
+          </a:xfrm>
+          <a:prstGeom prst="rect">
+            <a:avLst/>
+          </a:prstGeom>
+        </p:spPr>
+      </p:pic>
+    </p:spTree>
+    <p:extLst>
+      <p:ext uri="{BB962C8B-B14F-4D97-AF65-F5344CB8AC3E}">
+        <p14:creationId xmlns:p14="http://schemas.microsoft.com/office/powerpoint/2010/main" val="1315745884"/>
+      </p:ext>
+    </p:extLst>
+  </p:cSld>
+  <p:clrMapOvr>
+    <a:masterClrMapping/>
+  </p:clrMapOvr>
+</p:sld>
+</file>
+
+<file path=ppt/slides/slide13.xml><?xml version="1.0" encoding="utf-8"?>
+<p:sld xmlns:a="http://schemas.openxmlformats.org/drawingml/2006/main" xmlns:r="http://schemas.openxmlformats.org/officeDocument/2006/relationships" xmlns:p="http://schemas.openxmlformats.org/presentationml/2006/main">
+  <p:cSld>
+    <p:spTree>
+      <p:nvGrpSpPr>
+        <p:cNvPr id="1" name=""/>
+        <p:cNvGrpSpPr/>
+        <p:nvPr/>
+      </p:nvGrpSpPr>
+      <p:grpSpPr>
+        <a:xfrm>
+          <a:off x="0" y="0"/>
+          <a:ext cx="0" cy="0"/>
+          <a:chOff x="0" y="0"/>
+          <a:chExt cx="0" cy="0"/>
+        </a:xfrm>
+      </p:grpSpPr>
+      <p:pic>
+        <p:nvPicPr>
+          <p:cNvPr id="2" name="그림 1"/>
+          <p:cNvPicPr>
+            <a:picLocks noChangeAspect="1"/>
+          </p:cNvPicPr>
+          <p:nvPr/>
+        </p:nvPicPr>
+        <p:blipFill>
+          <a:blip r:embed="rId2">
+            <a:extLst>
+              <a:ext uri="{28A0092B-C50C-407E-A947-70E740481C1C}">
+                <a14:useLocalDpi xmlns:a14="http://schemas.microsoft.com/office/drawing/2010/main" val="0"/>
+              </a:ext>
+            </a:extLst>
+          </a:blip>
+          <a:stretch>
+            <a:fillRect/>
+          </a:stretch>
+        </p:blipFill>
+        <p:spPr>
+          <a:xfrm>
+            <a:off x="1412366" y="455945"/>
+            <a:ext cx="10059197" cy="5958282"/>
+          </a:xfrm>
+          <a:prstGeom prst="rect">
+            <a:avLst/>
+          </a:prstGeom>
+        </p:spPr>
+      </p:pic>
+      <p:sp>
+        <p:nvSpPr>
+          <p:cNvPr id="5" name="직사각형 4"/>
+          <p:cNvSpPr/>
+          <p:nvPr/>
+        </p:nvSpPr>
+        <p:spPr>
+          <a:xfrm>
+            <a:off x="2075066" y="1951541"/>
+            <a:ext cx="2072986" cy="594880"/>
+          </a:xfrm>
+          <a:prstGeom prst="rect">
+            <a:avLst/>
+          </a:prstGeom>
+          <a:noFill/>
+          <a:ln w="38100">
+            <a:solidFill>
+              <a:srgbClr val="FF0000"/>
+            </a:solidFill>
+          </a:ln>
+        </p:spPr>
+        <p:style>
+          <a:lnRef idx="2">
+            <a:schemeClr val="accent1">
+              <a:shade val="50000"/>
+            </a:schemeClr>
+          </a:lnRef>
+          <a:fillRef idx="1">
+            <a:schemeClr val="accent1"/>
+          </a:fillRef>
+          <a:effectRef idx="0">
+            <a:schemeClr val="accent1"/>
+          </a:effectRef>
+          <a:fontRef idx="minor">
+            <a:schemeClr val="lt1"/>
+          </a:fontRef>
+        </p:style>
+        <p:txBody>
+          <a:bodyPr rtlCol="0" anchor="ctr"/>
+          <a:lstStyle/>
+          <a:p>
+            <a:pPr algn="ctr"/>
+            <a:endParaRPr lang="ko-KR" altLang="en-US"/>
+          </a:p>
+        </p:txBody>
+      </p:sp>
+      <p:sp>
+        <p:nvSpPr>
+          <p:cNvPr id="6" name="직사각형 5"/>
+          <p:cNvSpPr/>
+          <p:nvPr/>
+        </p:nvSpPr>
+        <p:spPr>
+          <a:xfrm>
+            <a:off x="2075066" y="4636897"/>
+            <a:ext cx="3566505" cy="594880"/>
+          </a:xfrm>
+          <a:prstGeom prst="rect">
+            <a:avLst/>
+          </a:prstGeom>
+          <a:noFill/>
+          <a:ln w="38100">
+            <a:solidFill>
+              <a:srgbClr val="FF0000"/>
+            </a:solidFill>
+          </a:ln>
+        </p:spPr>
+        <p:style>
+          <a:lnRef idx="2">
+            <a:schemeClr val="accent1">
+              <a:shade val="50000"/>
+            </a:schemeClr>
+          </a:lnRef>
+          <a:fillRef idx="1">
+            <a:schemeClr val="accent1"/>
+          </a:fillRef>
+          <a:effectRef idx="0">
+            <a:schemeClr val="accent1"/>
+          </a:effectRef>
+          <a:fontRef idx="minor">
+            <a:schemeClr val="lt1"/>
+          </a:fontRef>
+        </p:style>
+        <p:txBody>
+          <a:bodyPr rtlCol="0" anchor="ctr"/>
+          <a:lstStyle/>
+          <a:p>
+            <a:pPr algn="ctr"/>
+            <a:endParaRPr lang="ko-KR" altLang="en-US"/>
+          </a:p>
+        </p:txBody>
+      </p:sp>
+      <p:sp>
+        <p:nvSpPr>
+          <p:cNvPr id="7" name="직사각형 6"/>
+          <p:cNvSpPr/>
+          <p:nvPr/>
+        </p:nvSpPr>
+        <p:spPr>
+          <a:xfrm>
+            <a:off x="2075066" y="534503"/>
+            <a:ext cx="2829443" cy="762282"/>
+          </a:xfrm>
+          <a:prstGeom prst="rect">
+            <a:avLst/>
+          </a:prstGeom>
+          <a:noFill/>
+          <a:ln w="38100">
+            <a:solidFill>
+              <a:srgbClr val="FF0000"/>
+            </a:solidFill>
+          </a:ln>
+        </p:spPr>
+        <p:style>
+          <a:lnRef idx="2">
+            <a:schemeClr val="accent1">
+              <a:shade val="50000"/>
+            </a:schemeClr>
+          </a:lnRef>
+          <a:fillRef idx="1">
+            <a:schemeClr val="accent1"/>
+          </a:fillRef>
+          <a:effectRef idx="0">
+            <a:schemeClr val="accent1"/>
+          </a:effectRef>
+          <a:fontRef idx="minor">
+            <a:schemeClr val="lt1"/>
+          </a:fontRef>
+        </p:style>
+        <p:txBody>
+          <a:bodyPr rtlCol="0" anchor="ctr"/>
+          <a:lstStyle/>
+          <a:p>
+            <a:pPr algn="ctr"/>
+            <a:endParaRPr lang="ko-KR" altLang="en-US"/>
+          </a:p>
+        </p:txBody>
+      </p:sp>
+      <p:sp>
+        <p:nvSpPr>
+          <p:cNvPr id="8" name="직사각형 7"/>
+          <p:cNvSpPr/>
+          <p:nvPr/>
+        </p:nvSpPr>
+        <p:spPr>
+          <a:xfrm>
+            <a:off x="2083380" y="3201177"/>
+            <a:ext cx="2821129" cy="718325"/>
+          </a:xfrm>
+          <a:prstGeom prst="rect">
+            <a:avLst/>
+          </a:prstGeom>
+          <a:noFill/>
+          <a:ln w="38100">
+            <a:solidFill>
+              <a:srgbClr val="FF0000"/>
+            </a:solidFill>
+          </a:ln>
+        </p:spPr>
+        <p:style>
+          <a:lnRef idx="2">
+            <a:schemeClr val="accent1">
+              <a:shade val="50000"/>
+            </a:schemeClr>
+          </a:lnRef>
+          <a:fillRef idx="1">
+            <a:schemeClr val="accent1"/>
+          </a:fillRef>
+          <a:effectRef idx="0">
+            <a:schemeClr val="accent1"/>
+          </a:effectRef>
+          <a:fontRef idx="minor">
+            <a:schemeClr val="lt1"/>
+          </a:fontRef>
+        </p:style>
+        <p:txBody>
+          <a:bodyPr rtlCol="0" anchor="ctr"/>
+          <a:lstStyle/>
+          <a:p>
+            <a:pPr algn="ctr"/>
+            <a:endParaRPr lang="ko-KR" altLang="en-US"/>
+          </a:p>
+        </p:txBody>
+      </p:sp>
+      <p:sp>
+        <p:nvSpPr>
+          <p:cNvPr id="10" name="TextBox 9"/>
+          <p:cNvSpPr txBox="1"/>
+          <p:nvPr/>
+        </p:nvSpPr>
+        <p:spPr>
+          <a:xfrm>
+            <a:off x="5229284" y="667040"/>
+            <a:ext cx="4919975" cy="369332"/>
+          </a:xfrm>
+          <a:prstGeom prst="rect">
+            <a:avLst/>
+          </a:prstGeom>
+          <a:noFill/>
+        </p:spPr>
+        <p:txBody>
+          <a:bodyPr wrap="square" rtlCol="0">
+            <a:spAutoFit/>
+          </a:bodyPr>
+          <a:lstStyle/>
+          <a:p>
+            <a:r>
+              <a:rPr lang="en-US" altLang="ko-KR" dirty="0" smtClean="0">
+                <a:solidFill>
+                  <a:srgbClr val="FFFF00"/>
+                </a:solidFill>
+              </a:rPr>
+              <a:t>30</a:t>
+            </a:r>
+            <a:r>
+              <a:rPr lang="ko-KR" altLang="en-US" dirty="0" smtClean="0">
+                <a:solidFill>
+                  <a:srgbClr val="FFFF00"/>
+                </a:solidFill>
+              </a:rPr>
+              <a:t>번 부서 삭제</a:t>
+            </a:r>
+            <a:endParaRPr lang="en-US" altLang="ko-KR" dirty="0">
+              <a:solidFill>
+                <a:srgbClr val="FFFF00"/>
+              </a:solidFill>
+            </a:endParaRPr>
+          </a:p>
+        </p:txBody>
+      </p:sp>
+      <p:sp>
+        <p:nvSpPr>
+          <p:cNvPr id="11" name="TextBox 10"/>
+          <p:cNvSpPr txBox="1"/>
+          <p:nvPr/>
+        </p:nvSpPr>
+        <p:spPr>
+          <a:xfrm>
+            <a:off x="5229284" y="2064315"/>
+            <a:ext cx="4919975" cy="369332"/>
+          </a:xfrm>
+          <a:prstGeom prst="rect">
+            <a:avLst/>
+          </a:prstGeom>
+          <a:noFill/>
+        </p:spPr>
+        <p:txBody>
+          <a:bodyPr wrap="square" rtlCol="0">
+            <a:spAutoFit/>
+          </a:bodyPr>
+          <a:lstStyle/>
+          <a:p>
+            <a:r>
+              <a:rPr lang="en-US" altLang="ko-KR" dirty="0" err="1" smtClean="0">
+                <a:solidFill>
+                  <a:srgbClr val="FFFF00"/>
+                </a:solidFill>
+              </a:rPr>
+              <a:t>Savepoint</a:t>
+            </a:r>
+            <a:r>
+              <a:rPr lang="en-US" altLang="ko-KR" dirty="0" smtClean="0">
+                <a:solidFill>
+                  <a:srgbClr val="FFFF00"/>
+                </a:solidFill>
+              </a:rPr>
+              <a:t> C1 </a:t>
+            </a:r>
+            <a:r>
+              <a:rPr lang="ko-KR" altLang="en-US" dirty="0" smtClean="0">
+                <a:solidFill>
+                  <a:srgbClr val="FFFF00"/>
+                </a:solidFill>
+              </a:rPr>
+              <a:t>생성</a:t>
+            </a:r>
+            <a:endParaRPr lang="en-US" altLang="ko-KR" dirty="0">
+              <a:solidFill>
+                <a:srgbClr val="FFFF00"/>
+              </a:solidFill>
+            </a:endParaRPr>
+          </a:p>
+        </p:txBody>
+      </p:sp>
+      <p:sp>
+        <p:nvSpPr>
+          <p:cNvPr id="12" name="TextBox 11"/>
+          <p:cNvSpPr txBox="1"/>
+          <p:nvPr/>
+        </p:nvSpPr>
+        <p:spPr>
+          <a:xfrm>
+            <a:off x="5229283" y="3350606"/>
+            <a:ext cx="4919975" cy="369332"/>
+          </a:xfrm>
+          <a:prstGeom prst="rect">
+            <a:avLst/>
+          </a:prstGeom>
+          <a:noFill/>
+        </p:spPr>
+        <p:txBody>
+          <a:bodyPr wrap="square" rtlCol="0">
+            <a:spAutoFit/>
+          </a:bodyPr>
+          <a:lstStyle/>
+          <a:p>
+            <a:r>
+              <a:rPr lang="en-US" altLang="ko-KR" dirty="0" smtClean="0">
+                <a:solidFill>
+                  <a:srgbClr val="FFFF00"/>
+                </a:solidFill>
+              </a:rPr>
+              <a:t>20</a:t>
+            </a:r>
+            <a:r>
+              <a:rPr lang="ko-KR" altLang="en-US" dirty="0" smtClean="0">
+                <a:solidFill>
+                  <a:srgbClr val="FFFF00"/>
+                </a:solidFill>
+              </a:rPr>
+              <a:t>번 부서 삭제</a:t>
+            </a:r>
+            <a:endParaRPr lang="en-US" altLang="ko-KR" dirty="0">
+              <a:solidFill>
+                <a:srgbClr val="FFFF00"/>
+              </a:solidFill>
+            </a:endParaRPr>
+          </a:p>
+        </p:txBody>
+      </p:sp>
+      <p:sp>
+        <p:nvSpPr>
+          <p:cNvPr id="13" name="TextBox 12"/>
+          <p:cNvSpPr txBox="1"/>
+          <p:nvPr/>
+        </p:nvSpPr>
+        <p:spPr>
+          <a:xfrm>
+            <a:off x="5813944" y="4749671"/>
+            <a:ext cx="4919975" cy="369332"/>
+          </a:xfrm>
+          <a:prstGeom prst="rect">
+            <a:avLst/>
+          </a:prstGeom>
+          <a:noFill/>
+        </p:spPr>
+        <p:txBody>
+          <a:bodyPr wrap="square" rtlCol="0">
+            <a:spAutoFit/>
+          </a:bodyPr>
+          <a:lstStyle/>
+          <a:p>
+            <a:r>
+              <a:rPr lang="ko-KR" altLang="en-US" dirty="0" smtClean="0">
+                <a:solidFill>
+                  <a:srgbClr val="FFFF00"/>
+                </a:solidFill>
+              </a:rPr>
+              <a:t>출력해보면 </a:t>
+            </a:r>
+            <a:r>
+              <a:rPr lang="en-US" altLang="ko-KR" dirty="0" smtClean="0">
+                <a:solidFill>
+                  <a:srgbClr val="FFFF00"/>
+                </a:solidFill>
+              </a:rPr>
+              <a:t>10</a:t>
+            </a:r>
+            <a:r>
+              <a:rPr lang="ko-KR" altLang="en-US" dirty="0" smtClean="0">
+                <a:solidFill>
+                  <a:srgbClr val="FFFF00"/>
+                </a:solidFill>
+              </a:rPr>
+              <a:t>번 부서만 남아 있다</a:t>
+            </a:r>
+            <a:r>
+              <a:rPr lang="en-US" altLang="ko-KR" dirty="0" smtClean="0">
+                <a:solidFill>
+                  <a:srgbClr val="FFFF00"/>
+                </a:solidFill>
+              </a:rPr>
+              <a:t>. </a:t>
+            </a:r>
+            <a:endParaRPr lang="en-US" altLang="ko-KR" dirty="0">
+              <a:solidFill>
+                <a:srgbClr val="FFFF00"/>
+              </a:solidFill>
+            </a:endParaRPr>
+          </a:p>
+        </p:txBody>
+      </p:sp>
+    </p:spTree>
+    <p:extLst>
+      <p:ext uri="{BB962C8B-B14F-4D97-AF65-F5344CB8AC3E}">
+        <p14:creationId xmlns:p14="http://schemas.microsoft.com/office/powerpoint/2010/main" val="557575257"/>
+      </p:ext>
+    </p:extLst>
+  </p:cSld>
+  <p:clrMapOvr>
+    <a:masterClrMapping/>
+  </p:clrMapOvr>
+</p:sld>
+</file>
+
+<file path=ppt/slides/slide14.xml><?xml version="1.0" encoding="utf-8"?>
+<p:sld xmlns:a="http://schemas.openxmlformats.org/drawingml/2006/main" xmlns:r="http://schemas.openxmlformats.org/officeDocument/2006/relationships" xmlns:p="http://schemas.openxmlformats.org/presentationml/2006/main">
+  <p:cSld>
+    <p:spTree>
+      <p:nvGrpSpPr>
+        <p:cNvPr id="1" name=""/>
+        <p:cNvGrpSpPr/>
+        <p:nvPr/>
+      </p:nvGrpSpPr>
+      <p:grpSpPr>
+        <a:xfrm>
+          <a:off x="0" y="0"/>
+          <a:ext cx="0" cy="0"/>
+          <a:chOff x="0" y="0"/>
+          <a:chExt cx="0" cy="0"/>
+        </a:xfrm>
+      </p:grpSpPr>
+      <p:pic>
+        <p:nvPicPr>
+          <p:cNvPr id="2" name="그림 1"/>
+          <p:cNvPicPr>
+            <a:picLocks noChangeAspect="1"/>
+          </p:cNvPicPr>
+          <p:nvPr/>
+        </p:nvPicPr>
+        <p:blipFill>
+          <a:blip r:embed="rId2">
+            <a:extLst>
+              <a:ext uri="{28A0092B-C50C-407E-A947-70E740481C1C}">
+                <a14:useLocalDpi xmlns:a14="http://schemas.microsoft.com/office/drawing/2010/main" val="0"/>
+              </a:ext>
+            </a:extLst>
+          </a:blip>
+          <a:stretch>
+            <a:fillRect/>
+          </a:stretch>
+        </p:blipFill>
+        <p:spPr>
+          <a:xfrm>
+            <a:off x="1113572" y="575088"/>
+            <a:ext cx="6367881" cy="5431429"/>
+          </a:xfrm>
+          <a:prstGeom prst="rect">
+            <a:avLst/>
+          </a:prstGeom>
+        </p:spPr>
+      </p:pic>
+      <p:sp>
+        <p:nvSpPr>
+          <p:cNvPr id="5" name="직사각형 4"/>
+          <p:cNvSpPr/>
+          <p:nvPr/>
+        </p:nvSpPr>
+        <p:spPr>
+          <a:xfrm>
+            <a:off x="2041814" y="575087"/>
+            <a:ext cx="3078825" cy="746635"/>
+          </a:xfrm>
+          <a:prstGeom prst="rect">
+            <a:avLst/>
+          </a:prstGeom>
+          <a:noFill/>
+          <a:ln w="38100">
+            <a:solidFill>
+              <a:srgbClr val="FF0000"/>
+            </a:solidFill>
+          </a:ln>
+        </p:spPr>
+        <p:style>
+          <a:lnRef idx="2">
+            <a:schemeClr val="accent1">
+              <a:shade val="50000"/>
+            </a:schemeClr>
+          </a:lnRef>
+          <a:fillRef idx="1">
+            <a:schemeClr val="accent1"/>
+          </a:fillRef>
+          <a:effectRef idx="0">
+            <a:schemeClr val="accent1"/>
+          </a:effectRef>
+          <a:fontRef idx="minor">
+            <a:schemeClr val="lt1"/>
+          </a:fontRef>
+        </p:style>
+        <p:txBody>
+          <a:bodyPr rtlCol="0" anchor="ctr"/>
+          <a:lstStyle/>
+          <a:p>
+            <a:pPr algn="ctr"/>
+            <a:endParaRPr lang="ko-KR" altLang="en-US"/>
+          </a:p>
+        </p:txBody>
+      </p:sp>
+      <p:sp>
+        <p:nvSpPr>
+          <p:cNvPr id="6" name="직사각형 5"/>
+          <p:cNvSpPr/>
+          <p:nvPr/>
+        </p:nvSpPr>
+        <p:spPr>
+          <a:xfrm>
+            <a:off x="2041814" y="2306905"/>
+            <a:ext cx="4043102" cy="1051437"/>
+          </a:xfrm>
+          <a:prstGeom prst="rect">
+            <a:avLst/>
+          </a:prstGeom>
+          <a:noFill/>
+          <a:ln w="38100">
+            <a:solidFill>
+              <a:srgbClr val="FF0000"/>
+            </a:solidFill>
+          </a:ln>
+        </p:spPr>
+        <p:style>
+          <a:lnRef idx="2">
+            <a:schemeClr val="accent1">
+              <a:shade val="50000"/>
+            </a:schemeClr>
+          </a:lnRef>
+          <a:fillRef idx="1">
+            <a:schemeClr val="accent1"/>
+          </a:fillRef>
+          <a:effectRef idx="0">
+            <a:schemeClr val="accent1"/>
+          </a:effectRef>
+          <a:fontRef idx="minor">
+            <a:schemeClr val="lt1"/>
+          </a:fontRef>
+        </p:style>
+        <p:txBody>
+          <a:bodyPr rtlCol="0" anchor="ctr"/>
+          <a:lstStyle/>
+          <a:p>
+            <a:pPr algn="ctr"/>
+            <a:endParaRPr lang="ko-KR" altLang="en-US"/>
+          </a:p>
+        </p:txBody>
+      </p:sp>
+      <p:sp>
+        <p:nvSpPr>
+          <p:cNvPr id="7" name="직사각형 6"/>
+          <p:cNvSpPr/>
+          <p:nvPr/>
+        </p:nvSpPr>
+        <p:spPr>
+          <a:xfrm>
+            <a:off x="2025187" y="4343525"/>
+            <a:ext cx="4891001" cy="864623"/>
+          </a:xfrm>
+          <a:prstGeom prst="rect">
+            <a:avLst/>
+          </a:prstGeom>
+          <a:noFill/>
+          <a:ln w="38100">
+            <a:solidFill>
+              <a:srgbClr val="FF0000"/>
+            </a:solidFill>
+          </a:ln>
+        </p:spPr>
+        <p:style>
+          <a:lnRef idx="2">
+            <a:schemeClr val="accent1">
+              <a:shade val="50000"/>
+            </a:schemeClr>
+          </a:lnRef>
+          <a:fillRef idx="1">
+            <a:schemeClr val="accent1"/>
+          </a:fillRef>
+          <a:effectRef idx="0">
+            <a:schemeClr val="accent1"/>
+          </a:effectRef>
+          <a:fontRef idx="minor">
+            <a:schemeClr val="lt1"/>
+          </a:fontRef>
+        </p:style>
+        <p:txBody>
+          <a:bodyPr rtlCol="0" anchor="ctr"/>
+          <a:lstStyle/>
+          <a:p>
+            <a:pPr algn="ctr"/>
+            <a:endParaRPr lang="ko-KR" altLang="en-US"/>
+          </a:p>
+        </p:txBody>
+      </p:sp>
+      <p:sp>
+        <p:nvSpPr>
+          <p:cNvPr id="8" name="TextBox 7"/>
+          <p:cNvSpPr txBox="1"/>
+          <p:nvPr/>
+        </p:nvSpPr>
+        <p:spPr>
+          <a:xfrm>
+            <a:off x="7697583" y="724717"/>
+            <a:ext cx="2701637" cy="369332"/>
+          </a:xfrm>
+          <a:prstGeom prst="rect">
+            <a:avLst/>
+          </a:prstGeom>
+          <a:noFill/>
+        </p:spPr>
+        <p:txBody>
+          <a:bodyPr wrap="square" rtlCol="0">
+            <a:spAutoFit/>
+          </a:bodyPr>
+          <a:lstStyle/>
+          <a:p>
+            <a:r>
+              <a:rPr lang="en-US" altLang="ko-KR" dirty="0" err="1" smtClean="0"/>
+              <a:t>Savepoint</a:t>
+            </a:r>
+            <a:r>
+              <a:rPr lang="en-US" altLang="ko-KR" dirty="0" smtClean="0"/>
+              <a:t> C2 </a:t>
+            </a:r>
+            <a:r>
+              <a:rPr lang="ko-KR" altLang="en-US" dirty="0" smtClean="0"/>
+              <a:t>생성</a:t>
+            </a:r>
+            <a:endParaRPr lang="en-US" altLang="ko-KR" dirty="0"/>
+          </a:p>
+        </p:txBody>
+      </p:sp>
+      <p:sp>
+        <p:nvSpPr>
+          <p:cNvPr id="9" name="TextBox 8"/>
+          <p:cNvSpPr txBox="1"/>
+          <p:nvPr/>
+        </p:nvSpPr>
+        <p:spPr>
+          <a:xfrm>
+            <a:off x="7697581" y="2463291"/>
+            <a:ext cx="2701637" cy="369332"/>
+          </a:xfrm>
+          <a:prstGeom prst="rect">
+            <a:avLst/>
+          </a:prstGeom>
+          <a:noFill/>
+        </p:spPr>
+        <p:txBody>
+          <a:bodyPr wrap="square" rtlCol="0">
+            <a:spAutoFit/>
+          </a:bodyPr>
+          <a:lstStyle/>
+          <a:p>
+            <a:r>
+              <a:rPr lang="en-US" altLang="ko-KR" dirty="0" smtClean="0"/>
+              <a:t>10</a:t>
+            </a:r>
+            <a:r>
+              <a:rPr lang="ko-KR" altLang="en-US" dirty="0" smtClean="0"/>
+              <a:t>번 부서도 삭제</a:t>
+            </a:r>
+            <a:endParaRPr lang="en-US" altLang="ko-KR" dirty="0"/>
+          </a:p>
+        </p:txBody>
+      </p:sp>
+      <p:sp>
+        <p:nvSpPr>
+          <p:cNvPr id="10" name="TextBox 9"/>
+          <p:cNvSpPr txBox="1"/>
+          <p:nvPr/>
+        </p:nvSpPr>
+        <p:spPr>
+          <a:xfrm>
+            <a:off x="7697581" y="4591170"/>
+            <a:ext cx="3009212" cy="369332"/>
+          </a:xfrm>
+          <a:prstGeom prst="rect">
+            <a:avLst/>
+          </a:prstGeom>
+          <a:noFill/>
+        </p:spPr>
+        <p:txBody>
+          <a:bodyPr wrap="square" rtlCol="0">
+            <a:spAutoFit/>
+          </a:bodyPr>
+          <a:lstStyle/>
+          <a:p>
+            <a:r>
+              <a:rPr lang="ko-KR" altLang="en-US" dirty="0" smtClean="0"/>
+              <a:t>출력해도 아무것도 안 나옴</a:t>
+            </a:r>
+            <a:endParaRPr lang="en-US" altLang="ko-KR" dirty="0"/>
+          </a:p>
+        </p:txBody>
+      </p:sp>
+    </p:spTree>
+    <p:extLst>
+      <p:ext uri="{BB962C8B-B14F-4D97-AF65-F5344CB8AC3E}">
+        <p14:creationId xmlns:p14="http://schemas.microsoft.com/office/powerpoint/2010/main" val="3041502442"/>
+      </p:ext>
+    </p:extLst>
+  </p:cSld>
+  <p:clrMapOvr>
+    <a:masterClrMapping/>
+  </p:clrMapOvr>
+</p:sld>
+</file>
+
+<file path=ppt/slides/slide15.xml><?xml version="1.0" encoding="utf-8"?>
+<p:sld xmlns:a="http://schemas.openxmlformats.org/drawingml/2006/main" xmlns:r="http://schemas.openxmlformats.org/officeDocument/2006/relationships" xmlns:p="http://schemas.openxmlformats.org/presentationml/2006/main">
+  <p:cSld>
+    <p:spTree>
+      <p:nvGrpSpPr>
+        <p:cNvPr id="1" name=""/>
+        <p:cNvGrpSpPr/>
+        <p:nvPr/>
+      </p:nvGrpSpPr>
+      <p:grpSpPr>
+        <a:xfrm>
+          <a:off x="0" y="0"/>
+          <a:ext cx="0" cy="0"/>
+          <a:chOff x="0" y="0"/>
+          <a:chExt cx="0" cy="0"/>
+        </a:xfrm>
+      </p:grpSpPr>
+      <p:pic>
+        <p:nvPicPr>
+          <p:cNvPr id="2" name="그림 1"/>
+          <p:cNvPicPr>
+            <a:picLocks noChangeAspect="1"/>
+          </p:cNvPicPr>
+          <p:nvPr/>
+        </p:nvPicPr>
+        <p:blipFill>
+          <a:blip r:embed="rId2">
+            <a:extLst>
+              <a:ext uri="{28A0092B-C50C-407E-A947-70E740481C1C}">
+                <a14:useLocalDpi xmlns:a14="http://schemas.microsoft.com/office/drawing/2010/main" val="0"/>
+              </a:ext>
+            </a:extLst>
+          </a:blip>
+          <a:stretch>
+            <a:fillRect/>
+          </a:stretch>
+        </p:blipFill>
+        <p:spPr>
+          <a:xfrm>
+            <a:off x="1006349" y="801292"/>
+            <a:ext cx="10761704" cy="3180503"/>
+          </a:xfrm>
+          <a:prstGeom prst="rect">
+            <a:avLst/>
+          </a:prstGeom>
+        </p:spPr>
+      </p:pic>
+      <p:sp>
+        <p:nvSpPr>
+          <p:cNvPr id="5" name="직사각형 4"/>
+          <p:cNvSpPr/>
+          <p:nvPr/>
+        </p:nvSpPr>
+        <p:spPr>
+          <a:xfrm>
+            <a:off x="1653887" y="2165589"/>
+            <a:ext cx="3682884" cy="602549"/>
+          </a:xfrm>
+          <a:prstGeom prst="rect">
+            <a:avLst/>
+          </a:prstGeom>
+          <a:noFill/>
+          <a:ln w="38100">
+            <a:solidFill>
+              <a:srgbClr val="FF0000"/>
+            </a:solidFill>
+          </a:ln>
+        </p:spPr>
+        <p:style>
+          <a:lnRef idx="2">
+            <a:schemeClr val="accent1">
+              <a:shade val="50000"/>
+            </a:schemeClr>
+          </a:lnRef>
+          <a:fillRef idx="1">
+            <a:schemeClr val="accent1"/>
+          </a:fillRef>
+          <a:effectRef idx="0">
+            <a:schemeClr val="accent1"/>
+          </a:effectRef>
+          <a:fontRef idx="minor">
+            <a:schemeClr val="lt1"/>
+          </a:fontRef>
+        </p:style>
+        <p:txBody>
+          <a:bodyPr rtlCol="0" anchor="ctr"/>
+          <a:lstStyle/>
+          <a:p>
+            <a:pPr algn="ctr"/>
+            <a:endParaRPr lang="ko-KR" altLang="en-US"/>
+          </a:p>
+        </p:txBody>
+      </p:sp>
+      <p:sp>
+        <p:nvSpPr>
+          <p:cNvPr id="6" name="직사각형 5"/>
+          <p:cNvSpPr/>
+          <p:nvPr/>
+        </p:nvSpPr>
+        <p:spPr>
+          <a:xfrm>
+            <a:off x="1653887" y="801292"/>
+            <a:ext cx="2735233" cy="694999"/>
+          </a:xfrm>
+          <a:prstGeom prst="rect">
+            <a:avLst/>
+          </a:prstGeom>
+          <a:noFill/>
+          <a:ln w="38100">
+            <a:solidFill>
+              <a:srgbClr val="FF0000"/>
+            </a:solidFill>
+          </a:ln>
+        </p:spPr>
+        <p:style>
+          <a:lnRef idx="2">
+            <a:schemeClr val="accent1">
+              <a:shade val="50000"/>
+            </a:schemeClr>
+          </a:lnRef>
+          <a:fillRef idx="1">
+            <a:schemeClr val="accent1"/>
+          </a:fillRef>
+          <a:effectRef idx="0">
+            <a:schemeClr val="accent1"/>
+          </a:effectRef>
+          <a:fontRef idx="minor">
+            <a:schemeClr val="lt1"/>
+          </a:fontRef>
+        </p:style>
+        <p:txBody>
+          <a:bodyPr rtlCol="0" anchor="ctr"/>
+          <a:lstStyle/>
+          <a:p>
+            <a:pPr algn="ctr"/>
+            <a:endParaRPr lang="ko-KR" altLang="en-US"/>
+          </a:p>
+        </p:txBody>
+      </p:sp>
+      <p:sp>
+        <p:nvSpPr>
+          <p:cNvPr id="7" name="TextBox 6"/>
+          <p:cNvSpPr txBox="1"/>
+          <p:nvPr/>
+        </p:nvSpPr>
+        <p:spPr>
+          <a:xfrm>
+            <a:off x="1006349" y="4219291"/>
+            <a:ext cx="5569018" cy="923330"/>
+          </a:xfrm>
+          <a:prstGeom prst="rect">
+            <a:avLst/>
+          </a:prstGeom>
+          <a:noFill/>
+        </p:spPr>
+        <p:txBody>
+          <a:bodyPr wrap="square" rtlCol="0">
+            <a:spAutoFit/>
+          </a:bodyPr>
+          <a:lstStyle/>
+          <a:p>
+            <a:r>
+              <a:rPr lang="en-US" altLang="ko-KR" dirty="0" smtClean="0"/>
+              <a:t>C2 </a:t>
+            </a:r>
+            <a:r>
+              <a:rPr lang="ko-KR" altLang="en-US" dirty="0" smtClean="0"/>
+              <a:t>지점으로 롤백</a:t>
+            </a:r>
+            <a:endParaRPr lang="en-US" altLang="ko-KR" dirty="0" smtClean="0"/>
+          </a:p>
+          <a:p>
+            <a:endParaRPr lang="en-US" altLang="ko-KR" dirty="0"/>
+          </a:p>
+          <a:p>
+            <a:r>
+              <a:rPr lang="en-US" altLang="ko-KR" dirty="0" smtClean="0"/>
+              <a:t>10</a:t>
+            </a:r>
+            <a:r>
+              <a:rPr lang="ko-KR" altLang="en-US" dirty="0" smtClean="0"/>
+              <a:t>번 부서 삭제 이전으로 </a:t>
+            </a:r>
+            <a:r>
+              <a:rPr lang="ko-KR" altLang="en-US" dirty="0" err="1" smtClean="0"/>
+              <a:t>롤백됨</a:t>
+            </a:r>
+            <a:endParaRPr lang="en-US" altLang="ko-KR" dirty="0"/>
+          </a:p>
+        </p:txBody>
+      </p:sp>
+    </p:spTree>
+    <p:extLst>
+      <p:ext uri="{BB962C8B-B14F-4D97-AF65-F5344CB8AC3E}">
+        <p14:creationId xmlns:p14="http://schemas.microsoft.com/office/powerpoint/2010/main" val="1094052346"/>
+      </p:ext>
+    </p:extLst>
+  </p:cSld>
+  <p:clrMapOvr>
+    <a:masterClrMapping/>
+  </p:clrMapOvr>
+</p:sld>
+</file>
+
+<file path=ppt/slides/slide16.xml><?xml version="1.0" encoding="utf-8"?>
+<p:sld xmlns:a="http://schemas.openxmlformats.org/drawingml/2006/main" xmlns:r="http://schemas.openxmlformats.org/officeDocument/2006/relationships" xmlns:p="http://schemas.openxmlformats.org/presentationml/2006/main">
+  <p:cSld>
+    <p:spTree>
+      <p:nvGrpSpPr>
+        <p:cNvPr id="1" name=""/>
+        <p:cNvGrpSpPr/>
+        <p:nvPr/>
+      </p:nvGrpSpPr>
+      <p:grpSpPr>
+        <a:xfrm>
+          <a:off x="0" y="0"/>
+          <a:ext cx="0" cy="0"/>
+          <a:chOff x="0" y="0"/>
+          <a:chExt cx="0" cy="0"/>
+        </a:xfrm>
+      </p:grpSpPr>
+      <p:pic>
+        <p:nvPicPr>
+          <p:cNvPr id="2" name="그림 1"/>
+          <p:cNvPicPr>
+            <a:picLocks noChangeAspect="1"/>
+          </p:cNvPicPr>
+          <p:nvPr/>
+        </p:nvPicPr>
+        <p:blipFill>
+          <a:blip r:embed="rId2">
+            <a:extLst>
+              <a:ext uri="{28A0092B-C50C-407E-A947-70E740481C1C}">
+                <a14:useLocalDpi xmlns:a14="http://schemas.microsoft.com/office/drawing/2010/main" val="0"/>
+              </a:ext>
+            </a:extLst>
+          </a:blip>
+          <a:stretch>
+            <a:fillRect/>
+          </a:stretch>
+        </p:blipFill>
+        <p:spPr>
+          <a:xfrm>
+            <a:off x="1223692" y="924587"/>
+            <a:ext cx="9974848" cy="3256714"/>
+          </a:xfrm>
+          <a:prstGeom prst="rect">
+            <a:avLst/>
+          </a:prstGeom>
+        </p:spPr>
+      </p:pic>
+      <p:sp>
+        <p:nvSpPr>
+          <p:cNvPr id="5" name="직사각형 4"/>
+          <p:cNvSpPr/>
+          <p:nvPr/>
+        </p:nvSpPr>
+        <p:spPr>
+          <a:xfrm>
+            <a:off x="1778577" y="924587"/>
+            <a:ext cx="2535728" cy="602549"/>
+          </a:xfrm>
+          <a:prstGeom prst="rect">
+            <a:avLst/>
+          </a:prstGeom>
+          <a:noFill/>
+          <a:ln w="38100">
+            <a:solidFill>
+              <a:srgbClr val="FF0000"/>
+            </a:solidFill>
+          </a:ln>
+        </p:spPr>
+        <p:style>
+          <a:lnRef idx="2">
+            <a:schemeClr val="accent1">
+              <a:shade val="50000"/>
+            </a:schemeClr>
+          </a:lnRef>
+          <a:fillRef idx="1">
+            <a:schemeClr val="accent1"/>
+          </a:fillRef>
+          <a:effectRef idx="0">
+            <a:schemeClr val="accent1"/>
+          </a:effectRef>
+          <a:fontRef idx="minor">
+            <a:schemeClr val="lt1"/>
+          </a:fontRef>
+        </p:style>
+        <p:txBody>
+          <a:bodyPr rtlCol="0" anchor="ctr"/>
+          <a:lstStyle/>
+          <a:p>
+            <a:pPr algn="ctr"/>
+            <a:endParaRPr lang="ko-KR" altLang="en-US"/>
+          </a:p>
+        </p:txBody>
+      </p:sp>
+      <p:sp>
+        <p:nvSpPr>
+          <p:cNvPr id="6" name="직사각형 5"/>
+          <p:cNvSpPr/>
+          <p:nvPr/>
+        </p:nvSpPr>
+        <p:spPr>
+          <a:xfrm>
+            <a:off x="1778576" y="2124390"/>
+            <a:ext cx="3441815" cy="602549"/>
+          </a:xfrm>
+          <a:prstGeom prst="rect">
+            <a:avLst/>
+          </a:prstGeom>
+          <a:noFill/>
+          <a:ln w="38100">
+            <a:solidFill>
+              <a:srgbClr val="FF0000"/>
+            </a:solidFill>
+          </a:ln>
+        </p:spPr>
+        <p:style>
+          <a:lnRef idx="2">
+            <a:schemeClr val="accent1">
+              <a:shade val="50000"/>
+            </a:schemeClr>
+          </a:lnRef>
+          <a:fillRef idx="1">
+            <a:schemeClr val="accent1"/>
+          </a:fillRef>
+          <a:effectRef idx="0">
+            <a:schemeClr val="accent1"/>
+          </a:effectRef>
+          <a:fontRef idx="minor">
+            <a:schemeClr val="lt1"/>
+          </a:fontRef>
+        </p:style>
+        <p:txBody>
+          <a:bodyPr rtlCol="0" anchor="ctr"/>
+          <a:lstStyle/>
+          <a:p>
+            <a:pPr algn="ctr"/>
+            <a:endParaRPr lang="ko-KR" altLang="en-US"/>
+          </a:p>
+        </p:txBody>
+      </p:sp>
+      <p:sp>
+        <p:nvSpPr>
+          <p:cNvPr id="7" name="TextBox 6"/>
+          <p:cNvSpPr txBox="1"/>
+          <p:nvPr/>
+        </p:nvSpPr>
+        <p:spPr>
+          <a:xfrm>
+            <a:off x="1223692" y="4457774"/>
+            <a:ext cx="5569018" cy="923330"/>
+          </a:xfrm>
+          <a:prstGeom prst="rect">
+            <a:avLst/>
+          </a:prstGeom>
+          <a:noFill/>
+        </p:spPr>
+        <p:txBody>
+          <a:bodyPr wrap="square" rtlCol="0">
+            <a:spAutoFit/>
+          </a:bodyPr>
+          <a:lstStyle/>
+          <a:p>
+            <a:r>
+              <a:rPr lang="en-US" altLang="ko-KR" dirty="0" smtClean="0"/>
+              <a:t>C1 </a:t>
+            </a:r>
+            <a:r>
+              <a:rPr lang="ko-KR" altLang="en-US" dirty="0" smtClean="0"/>
+              <a:t>지점으로 롤백</a:t>
+            </a:r>
+            <a:endParaRPr lang="en-US" altLang="ko-KR" dirty="0" smtClean="0"/>
+          </a:p>
+          <a:p>
+            <a:endParaRPr lang="en-US" altLang="ko-KR" dirty="0"/>
+          </a:p>
+          <a:p>
+            <a:r>
+              <a:rPr lang="en-US" altLang="ko-KR" dirty="0" smtClean="0"/>
+              <a:t>20</a:t>
+            </a:r>
+            <a:r>
+              <a:rPr lang="ko-KR" altLang="en-US" dirty="0" smtClean="0"/>
+              <a:t>번 부서 삭제 이전으로 </a:t>
+            </a:r>
+            <a:r>
+              <a:rPr lang="ko-KR" altLang="en-US" dirty="0" err="1" smtClean="0"/>
+              <a:t>롤백됨</a:t>
+            </a:r>
+            <a:endParaRPr lang="en-US" altLang="ko-KR" dirty="0"/>
+          </a:p>
+        </p:txBody>
+      </p:sp>
+    </p:spTree>
+    <p:extLst>
+      <p:ext uri="{BB962C8B-B14F-4D97-AF65-F5344CB8AC3E}">
+        <p14:creationId xmlns:p14="http://schemas.microsoft.com/office/powerpoint/2010/main" val="3027273197"/>
+      </p:ext>
+    </p:extLst>
+  </p:cSld>
+  <p:clrMapOvr>
+    <a:masterClrMapping/>
+  </p:clrMapOvr>
+</p:sld>
+</file>
+
+<file path=ppt/slides/slide17.xml><?xml version="1.0" encoding="utf-8"?>
+<p:sld xmlns:a="http://schemas.openxmlformats.org/drawingml/2006/main" xmlns:r="http://schemas.openxmlformats.org/officeDocument/2006/relationships" xmlns:p="http://schemas.openxmlformats.org/presentationml/2006/main">
+  <p:cSld>
+    <p:spTree>
+      <p:nvGrpSpPr>
+        <p:cNvPr id="1" name=""/>
+        <p:cNvGrpSpPr/>
+        <p:nvPr/>
+      </p:nvGrpSpPr>
+      <p:grpSpPr>
+        <a:xfrm>
+          <a:off x="0" y="0"/>
+          <a:ext cx="0" cy="0"/>
+          <a:chOff x="0" y="0"/>
+          <a:chExt cx="0" cy="0"/>
+        </a:xfrm>
+      </p:grpSpPr>
+      <p:pic>
+        <p:nvPicPr>
+          <p:cNvPr id="3" name="그림 2"/>
+          <p:cNvPicPr>
+            <a:picLocks noChangeAspect="1"/>
+          </p:cNvPicPr>
+          <p:nvPr/>
+        </p:nvPicPr>
+        <p:blipFill>
+          <a:blip r:embed="rId2">
+            <a:extLst>
+              <a:ext uri="{28A0092B-C50C-407E-A947-70E740481C1C}">
+                <a14:useLocalDpi xmlns:a14="http://schemas.microsoft.com/office/drawing/2010/main" val="0"/>
+              </a:ext>
+            </a:extLst>
+          </a:blip>
+          <a:stretch>
+            <a:fillRect/>
+          </a:stretch>
+        </p:blipFill>
+        <p:spPr>
+          <a:xfrm>
+            <a:off x="1088297" y="790705"/>
+            <a:ext cx="10368151" cy="3541303"/>
+          </a:xfrm>
+          <a:prstGeom prst="rect">
+            <a:avLst/>
+          </a:prstGeom>
+        </p:spPr>
+      </p:pic>
+      <p:sp>
+        <p:nvSpPr>
+          <p:cNvPr id="5" name="직사각형 4"/>
+          <p:cNvSpPr/>
+          <p:nvPr/>
+        </p:nvSpPr>
+        <p:spPr>
+          <a:xfrm>
+            <a:off x="1725179" y="1917804"/>
+            <a:ext cx="3549708" cy="602549"/>
+          </a:xfrm>
+          <a:prstGeom prst="rect">
+            <a:avLst/>
+          </a:prstGeom>
+          <a:noFill/>
+          <a:ln w="38100">
+            <a:solidFill>
+              <a:srgbClr val="FF0000"/>
+            </a:solidFill>
+          </a:ln>
+        </p:spPr>
+        <p:style>
+          <a:lnRef idx="2">
+            <a:schemeClr val="accent1">
+              <a:shade val="50000"/>
+            </a:schemeClr>
+          </a:lnRef>
+          <a:fillRef idx="1">
+            <a:schemeClr val="accent1"/>
+          </a:fillRef>
+          <a:effectRef idx="0">
+            <a:schemeClr val="accent1"/>
+          </a:effectRef>
+          <a:fontRef idx="minor">
+            <a:schemeClr val="lt1"/>
+          </a:fontRef>
+        </p:style>
+        <p:txBody>
+          <a:bodyPr rtlCol="0" anchor="ctr"/>
+          <a:lstStyle/>
+          <a:p>
+            <a:pPr algn="ctr"/>
+            <a:endParaRPr lang="ko-KR" altLang="en-US"/>
+          </a:p>
+        </p:txBody>
+      </p:sp>
+      <p:sp>
+        <p:nvSpPr>
+          <p:cNvPr id="6" name="직사각형 5"/>
+          <p:cNvSpPr/>
+          <p:nvPr/>
+        </p:nvSpPr>
+        <p:spPr>
+          <a:xfrm>
+            <a:off x="1778576" y="789502"/>
+            <a:ext cx="1667511" cy="443708"/>
+          </a:xfrm>
+          <a:prstGeom prst="rect">
+            <a:avLst/>
+          </a:prstGeom>
+          <a:noFill/>
+          <a:ln w="38100">
+            <a:solidFill>
+              <a:srgbClr val="FF0000"/>
+            </a:solidFill>
+          </a:ln>
+        </p:spPr>
+        <p:style>
+          <a:lnRef idx="2">
+            <a:schemeClr val="accent1">
+              <a:shade val="50000"/>
+            </a:schemeClr>
+          </a:lnRef>
+          <a:fillRef idx="1">
+            <a:schemeClr val="accent1"/>
+          </a:fillRef>
+          <a:effectRef idx="0">
+            <a:schemeClr val="accent1"/>
+          </a:effectRef>
+          <a:fontRef idx="minor">
+            <a:schemeClr val="lt1"/>
+          </a:fontRef>
+        </p:style>
+        <p:txBody>
+          <a:bodyPr rtlCol="0" anchor="ctr"/>
+          <a:lstStyle/>
+          <a:p>
+            <a:pPr algn="ctr"/>
+            <a:endParaRPr lang="ko-KR" altLang="en-US"/>
+          </a:p>
+        </p:txBody>
+      </p:sp>
+      <p:sp>
+        <p:nvSpPr>
+          <p:cNvPr id="7" name="TextBox 6"/>
+          <p:cNvSpPr txBox="1"/>
+          <p:nvPr/>
+        </p:nvSpPr>
+        <p:spPr>
+          <a:xfrm>
+            <a:off x="1088297" y="4668178"/>
+            <a:ext cx="5569018" cy="923330"/>
+          </a:xfrm>
+          <a:prstGeom prst="rect">
+            <a:avLst/>
+          </a:prstGeom>
+          <a:noFill/>
+        </p:spPr>
+        <p:txBody>
+          <a:bodyPr wrap="square" rtlCol="0">
+            <a:spAutoFit/>
+          </a:bodyPr>
+          <a:lstStyle/>
+          <a:p>
+            <a:r>
+              <a:rPr lang="ko-KR" altLang="en-US" dirty="0" smtClean="0"/>
+              <a:t>마지막 </a:t>
+            </a:r>
+            <a:r>
+              <a:rPr lang="en-US" altLang="ko-KR" dirty="0" smtClean="0"/>
+              <a:t>Commit </a:t>
+            </a:r>
+            <a:r>
+              <a:rPr lang="ko-KR" altLang="en-US" dirty="0" smtClean="0"/>
+              <a:t>지점으로 롤백</a:t>
+            </a:r>
+            <a:endParaRPr lang="en-US" altLang="ko-KR" dirty="0" smtClean="0"/>
+          </a:p>
+          <a:p>
+            <a:endParaRPr lang="en-US" altLang="ko-KR" dirty="0"/>
+          </a:p>
+          <a:p>
+            <a:r>
+              <a:rPr lang="en-US" altLang="ko-KR" dirty="0" smtClean="0"/>
+              <a:t>40</a:t>
+            </a:r>
+            <a:r>
+              <a:rPr lang="ko-KR" altLang="en-US" dirty="0" smtClean="0"/>
+              <a:t>번 부서 삭제 이후로 </a:t>
+            </a:r>
+            <a:r>
+              <a:rPr lang="ko-KR" altLang="en-US" dirty="0" err="1" smtClean="0"/>
+              <a:t>롤백됨</a:t>
+            </a:r>
+            <a:r>
+              <a:rPr lang="en-US" altLang="ko-KR" dirty="0" smtClean="0"/>
+              <a:t>.</a:t>
+            </a:r>
+            <a:endParaRPr lang="en-US" altLang="ko-KR" dirty="0"/>
+          </a:p>
+        </p:txBody>
+      </p:sp>
+    </p:spTree>
+    <p:extLst>
+      <p:ext uri="{BB962C8B-B14F-4D97-AF65-F5344CB8AC3E}">
+        <p14:creationId xmlns:p14="http://schemas.microsoft.com/office/powerpoint/2010/main" val="3507650135"/>
+      </p:ext>
+    </p:extLst>
+  </p:cSld>
+  <p:clrMapOvr>
+    <a:masterClrMapping/>
+  </p:clrMapOvr>
+</p:sld>
+</file>
+
+<file path=ppt/slides/slide18.xml><?xml version="1.0" encoding="utf-8"?>
+<p:sld xmlns:a="http://schemas.openxmlformats.org/drawingml/2006/main" xmlns:r="http://schemas.openxmlformats.org/officeDocument/2006/relationships" xmlns:p="http://schemas.openxmlformats.org/presentationml/2006/main">
+  <p:cSld>
+    <p:spTree>
+      <p:nvGrpSpPr>
+        <p:cNvPr id="1" name=""/>
+        <p:cNvGrpSpPr/>
+        <p:nvPr/>
+      </p:nvGrpSpPr>
+      <p:grpSpPr>
+        <a:xfrm>
+          <a:off x="0" y="0"/>
+          <a:ext cx="0" cy="0"/>
+          <a:chOff x="0" y="0"/>
+          <a:chExt cx="0" cy="0"/>
+        </a:xfrm>
+      </p:grpSpPr>
+      <p:pic>
+        <p:nvPicPr>
+          <p:cNvPr id="6" name="그림 5"/>
+          <p:cNvPicPr>
+            <a:picLocks noChangeAspect="1"/>
+          </p:cNvPicPr>
+          <p:nvPr/>
+        </p:nvPicPr>
+        <p:blipFill>
+          <a:blip r:embed="rId2">
+            <a:extLst>
+              <a:ext uri="{28A0092B-C50C-407E-A947-70E740481C1C}">
+                <a14:useLocalDpi xmlns:a14="http://schemas.microsoft.com/office/drawing/2010/main" val="0"/>
+              </a:ext>
+            </a:extLst>
+          </a:blip>
+          <a:stretch>
+            <a:fillRect/>
+          </a:stretch>
+        </p:blipFill>
+        <p:spPr>
+          <a:xfrm>
+            <a:off x="629416" y="1189637"/>
+            <a:ext cx="11347393" cy="2061774"/>
+          </a:xfrm>
+          <a:prstGeom prst="rect">
+            <a:avLst/>
+          </a:prstGeom>
+        </p:spPr>
+      </p:pic>
+      <p:sp>
+        <p:nvSpPr>
+          <p:cNvPr id="8" name="직사각형 7"/>
+          <p:cNvSpPr/>
+          <p:nvPr/>
+        </p:nvSpPr>
+        <p:spPr>
+          <a:xfrm>
+            <a:off x="1236555" y="1240501"/>
+            <a:ext cx="2700445" cy="461300"/>
+          </a:xfrm>
+          <a:prstGeom prst="rect">
+            <a:avLst/>
+          </a:prstGeom>
+          <a:noFill/>
+          <a:ln w="38100">
+            <a:solidFill>
+              <a:srgbClr val="FF0000"/>
+            </a:solidFill>
+          </a:ln>
+        </p:spPr>
+        <p:style>
+          <a:lnRef idx="2">
+            <a:schemeClr val="accent1">
+              <a:shade val="50000"/>
+            </a:schemeClr>
+          </a:lnRef>
+          <a:fillRef idx="1">
+            <a:schemeClr val="accent1"/>
+          </a:fillRef>
+          <a:effectRef idx="0">
+            <a:schemeClr val="accent1"/>
+          </a:effectRef>
+          <a:fontRef idx="minor">
+            <a:schemeClr val="lt1"/>
+          </a:fontRef>
+        </p:style>
+        <p:txBody>
+          <a:bodyPr rtlCol="0" anchor="ctr"/>
+          <a:lstStyle/>
+          <a:p>
+            <a:pPr algn="ctr"/>
+            <a:endParaRPr lang="ko-KR" altLang="en-US"/>
+          </a:p>
+        </p:txBody>
+      </p:sp>
+      <p:sp>
+        <p:nvSpPr>
+          <p:cNvPr id="9" name="직사각형 8"/>
+          <p:cNvSpPr/>
+          <p:nvPr/>
+        </p:nvSpPr>
+        <p:spPr>
+          <a:xfrm>
+            <a:off x="2218688" y="2624667"/>
+            <a:ext cx="9617712" cy="508000"/>
+          </a:xfrm>
+          <a:prstGeom prst="rect">
+            <a:avLst/>
+          </a:prstGeom>
+          <a:noFill/>
+          <a:ln w="38100">
+            <a:solidFill>
+              <a:srgbClr val="FF0000"/>
+            </a:solidFill>
+          </a:ln>
+        </p:spPr>
+        <p:style>
+          <a:lnRef idx="2">
+            <a:schemeClr val="accent1">
+              <a:shade val="50000"/>
+            </a:schemeClr>
+          </a:lnRef>
+          <a:fillRef idx="1">
+            <a:schemeClr val="accent1"/>
+          </a:fillRef>
+          <a:effectRef idx="0">
+            <a:schemeClr val="accent1"/>
+          </a:effectRef>
+          <a:fontRef idx="minor">
+            <a:schemeClr val="lt1"/>
+          </a:fontRef>
+        </p:style>
+        <p:txBody>
+          <a:bodyPr rtlCol="0" anchor="ctr"/>
+          <a:lstStyle/>
+          <a:p>
+            <a:pPr algn="ctr"/>
+            <a:endParaRPr lang="ko-KR" altLang="en-US"/>
+          </a:p>
+        </p:txBody>
+      </p:sp>
+      <p:sp>
+        <p:nvSpPr>
+          <p:cNvPr id="10" name="TextBox 9"/>
+          <p:cNvSpPr txBox="1"/>
+          <p:nvPr/>
+        </p:nvSpPr>
+        <p:spPr>
+          <a:xfrm>
+            <a:off x="629416" y="3656884"/>
+            <a:ext cx="5569018" cy="369332"/>
+          </a:xfrm>
+          <a:prstGeom prst="rect">
+            <a:avLst/>
+          </a:prstGeom>
+          <a:noFill/>
+        </p:spPr>
+        <p:txBody>
+          <a:bodyPr wrap="square" rtlCol="0">
+            <a:spAutoFit/>
+          </a:bodyPr>
+          <a:lstStyle/>
+          <a:p>
+            <a:r>
+              <a:rPr lang="ko-KR" altLang="en-US" dirty="0" smtClean="0"/>
+              <a:t>다시 </a:t>
+            </a:r>
+            <a:r>
+              <a:rPr lang="en-US" altLang="ko-KR" dirty="0" smtClean="0"/>
+              <a:t>C2</a:t>
+            </a:r>
+            <a:r>
+              <a:rPr lang="ko-KR" altLang="en-US" dirty="0" smtClean="0"/>
+              <a:t>지점으로 돌아 갈 수는 없다</a:t>
+            </a:r>
+            <a:r>
+              <a:rPr lang="en-US" altLang="ko-KR" dirty="0" smtClean="0"/>
+              <a:t>. </a:t>
+            </a:r>
+            <a:endParaRPr lang="en-US" altLang="ko-KR" dirty="0"/>
+          </a:p>
+        </p:txBody>
+      </p:sp>
+    </p:spTree>
+    <p:extLst>
+      <p:ext uri="{BB962C8B-B14F-4D97-AF65-F5344CB8AC3E}">
+        <p14:creationId xmlns:p14="http://schemas.microsoft.com/office/powerpoint/2010/main" val="394313159"/>
+      </p:ext>
+    </p:extLst>
+  </p:cSld>
+  <p:clrMapOvr>
+    <a:masterClrMapping/>
+  </p:clrMapOvr>
+</p:sld>
+</file>
+
+<file path=ppt/slides/slide19.xml><?xml version="1.0" encoding="utf-8"?>
+<p:sld xmlns:a="http://schemas.openxmlformats.org/drawingml/2006/main" xmlns:r="http://schemas.openxmlformats.org/officeDocument/2006/relationships" xmlns:p="http://schemas.openxmlformats.org/presentationml/2006/main">
+  <p:cSld>
+    <p:spTree>
+      <p:nvGrpSpPr>
+        <p:cNvPr id="1" name=""/>
+        <p:cNvGrpSpPr/>
+        <p:nvPr/>
+      </p:nvGrpSpPr>
+      <p:grpSpPr>
+        <a:xfrm>
+          <a:off x="0" y="0"/>
+          <a:ext cx="0" cy="0"/>
+          <a:chOff x="0" y="0"/>
+          <a:chExt cx="0" cy="0"/>
+        </a:xfrm>
+      </p:grpSpPr>
+      <p:graphicFrame>
+        <p:nvGraphicFramePr>
+          <p:cNvPr id="3" name="다이어그램 2"/>
+          <p:cNvGraphicFramePr/>
+          <p:nvPr>
+            <p:extLst>
+              <p:ext uri="{D42A27DB-BD31-4B8C-83A1-F6EECF244321}">
+                <p14:modId xmlns:p14="http://schemas.microsoft.com/office/powerpoint/2010/main" val="326478549"/>
+              </p:ext>
+            </p:extLst>
+          </p:nvPr>
+        </p:nvGraphicFramePr>
+        <p:xfrm>
+          <a:off x="2032000" y="719666"/>
+          <a:ext cx="8128000" cy="5418667"/>
+        </p:xfrm>
+        <a:graphic>
+          <a:graphicData uri="http://schemas.openxmlformats.org/drawingml/2006/diagram">
+            <dgm:relIds xmlns:dgm="http://schemas.openxmlformats.org/drawingml/2006/diagram" xmlns:r="http://schemas.openxmlformats.org/officeDocument/2006/relationships" r:dm="rId2" r:lo="rId3" r:qs="rId4" r:cs="rId5"/>
+          </a:graphicData>
+        </a:graphic>
+      </p:graphicFrame>
+    </p:spTree>
+    <p:extLst>
+      <p:ext uri="{BB962C8B-B14F-4D97-AF65-F5344CB8AC3E}">
+        <p14:creationId xmlns:p14="http://schemas.microsoft.com/office/powerpoint/2010/main" val="948595847"/>
       </p:ext>
     </p:extLst>
   </p:cSld>
@@ -3517,6 +9363,714 @@
     <p:extLst>
       <p:ext uri="{BB962C8B-B14F-4D97-AF65-F5344CB8AC3E}">
         <p14:creationId xmlns:p14="http://schemas.microsoft.com/office/powerpoint/2010/main" val="128836348"/>
+      </p:ext>
+    </p:extLst>
+  </p:cSld>
+  <p:clrMapOvr>
+    <a:masterClrMapping/>
+  </p:clrMapOvr>
+</p:sld>
+</file>
+
+<file path=ppt/slides/slide20.xml><?xml version="1.0" encoding="utf-8"?>
+<p:sld xmlns:a="http://schemas.openxmlformats.org/drawingml/2006/main" xmlns:r="http://schemas.openxmlformats.org/officeDocument/2006/relationships" xmlns:p="http://schemas.openxmlformats.org/presentationml/2006/main">
+  <p:cSld>
+    <p:spTree>
+      <p:nvGrpSpPr>
+        <p:cNvPr id="1" name=""/>
+        <p:cNvGrpSpPr/>
+        <p:nvPr/>
+      </p:nvGrpSpPr>
+      <p:grpSpPr>
+        <a:xfrm>
+          <a:off x="0" y="0"/>
+          <a:ext cx="0" cy="0"/>
+          <a:chOff x="0" y="0"/>
+          <a:chExt cx="0" cy="0"/>
+        </a:xfrm>
+      </p:grpSpPr>
+      <p:sp>
+        <p:nvSpPr>
+          <p:cNvPr id="2" name="제목 1"/>
+          <p:cNvSpPr>
+            <a:spLocks noGrp="1"/>
+          </p:cNvSpPr>
+          <p:nvPr>
+            <p:ph type="title"/>
+          </p:nvPr>
+        </p:nvSpPr>
+        <p:spPr>
+          <a:xfrm>
+            <a:off x="838200" y="365125"/>
+            <a:ext cx="10515600" cy="671195"/>
+          </a:xfrm>
+        </p:spPr>
+        <p:txBody>
+          <a:bodyPr>
+            <a:normAutofit fontScale="90000"/>
+          </a:bodyPr>
+          <a:lstStyle/>
+          <a:p>
+            <a:r>
+              <a:rPr lang="ko-KR" altLang="en-US" b="1" dirty="0" smtClean="0"/>
+              <a:t>회복기법</a:t>
+            </a:r>
+            <a:endParaRPr lang="ko-KR" altLang="en-US" b="1" dirty="0"/>
+          </a:p>
+        </p:txBody>
+      </p:sp>
+      <p:sp>
+        <p:nvSpPr>
+          <p:cNvPr id="5" name="내용 개체 틀 2"/>
+          <p:cNvSpPr>
+            <a:spLocks noGrp="1"/>
+          </p:cNvSpPr>
+          <p:nvPr>
+            <p:ph idx="1"/>
+          </p:nvPr>
+        </p:nvSpPr>
+        <p:spPr>
+          <a:xfrm>
+            <a:off x="838200" y="1267968"/>
+            <a:ext cx="10515600" cy="4908995"/>
+          </a:xfrm>
+        </p:spPr>
+        <p:txBody>
+          <a:bodyPr>
+            <a:noAutofit/>
+          </a:bodyPr>
+          <a:lstStyle/>
+          <a:p>
+            <a:pPr>
+              <a:lnSpc>
+                <a:spcPct val="150000"/>
+              </a:lnSpc>
+            </a:pPr>
+            <a:r>
+              <a:rPr lang="en-US" altLang="ko-KR" sz="1800" b="1" dirty="0"/>
+              <a:t>Log</a:t>
+            </a:r>
+          </a:p>
+          <a:p>
+            <a:pPr lvl="1">
+              <a:lnSpc>
+                <a:spcPct val="150000"/>
+              </a:lnSpc>
+            </a:pPr>
+            <a:r>
+              <a:rPr lang="ko-KR" altLang="en-US" sz="1800" dirty="0"/>
+              <a:t>트랜잭션이 수행되어 변경되는 데이터베이스의 상황 정보를 기록한 것</a:t>
+            </a:r>
+            <a:endParaRPr lang="en-US" altLang="ko-KR" sz="1800" dirty="0"/>
+          </a:p>
+          <a:p>
+            <a:pPr>
+              <a:lnSpc>
+                <a:spcPct val="150000"/>
+              </a:lnSpc>
+            </a:pPr>
+            <a:r>
+              <a:rPr lang="en-US" altLang="ko-KR" sz="1800" b="1" dirty="0" smtClean="0"/>
+              <a:t>REDO</a:t>
+            </a:r>
+          </a:p>
+          <a:p>
+            <a:pPr marL="685800" lvl="2">
+              <a:lnSpc>
+                <a:spcPct val="150000"/>
+              </a:lnSpc>
+              <a:spcBef>
+                <a:spcPts val="1000"/>
+              </a:spcBef>
+            </a:pPr>
+            <a:r>
+              <a:rPr lang="ko-KR" altLang="en-US" sz="1800" dirty="0" smtClean="0"/>
+              <a:t>트랜잭션이 수행되어 </a:t>
+            </a:r>
+            <a:r>
+              <a:rPr lang="en-US" altLang="ko-KR" sz="1800" dirty="0" smtClean="0"/>
+              <a:t>COMMIT</a:t>
+            </a:r>
+            <a:r>
+              <a:rPr lang="ko-KR" altLang="en-US" sz="1800" dirty="0" smtClean="0"/>
+              <a:t>이 되면 변경된 내용을 데이터베이스에 반영</a:t>
+            </a:r>
+            <a:endParaRPr lang="en-US" altLang="ko-KR" sz="1800" dirty="0" smtClean="0"/>
+          </a:p>
+          <a:p>
+            <a:pPr marL="685800" lvl="2">
+              <a:lnSpc>
+                <a:spcPct val="150000"/>
+              </a:lnSpc>
+              <a:spcBef>
+                <a:spcPts val="1000"/>
+              </a:spcBef>
+            </a:pPr>
+            <a:r>
+              <a:rPr lang="ko-KR" altLang="en-US" sz="1800" dirty="0" smtClean="0"/>
+              <a:t>로그</a:t>
+            </a:r>
+            <a:r>
+              <a:rPr lang="en-US" altLang="ko-KR" sz="1800" dirty="0" smtClean="0"/>
+              <a:t>(Log)</a:t>
+            </a:r>
+            <a:r>
+              <a:rPr lang="ko-KR" altLang="en-US" sz="1800" dirty="0" smtClean="0"/>
+              <a:t>의 내용을 토대로 </a:t>
+            </a:r>
+            <a:r>
+              <a:rPr lang="ko-KR" altLang="en-US" sz="1800" dirty="0" err="1" smtClean="0"/>
+              <a:t>재수행하며</a:t>
+            </a:r>
+            <a:r>
+              <a:rPr lang="ko-KR" altLang="en-US" sz="1800" dirty="0" smtClean="0"/>
+              <a:t> 변경된 내용을 데이터베이스에 반영</a:t>
+            </a:r>
+            <a:endParaRPr lang="en-US" altLang="ko-KR" sz="1800" dirty="0"/>
+          </a:p>
+          <a:p>
+            <a:pPr>
+              <a:lnSpc>
+                <a:spcPct val="150000"/>
+              </a:lnSpc>
+            </a:pPr>
+            <a:r>
+              <a:rPr lang="en-US" altLang="ko-KR" sz="1800" b="1" dirty="0" smtClean="0"/>
+              <a:t>UNDO</a:t>
+            </a:r>
+            <a:endParaRPr lang="en-US" altLang="ko-KR" sz="1800" dirty="0" smtClean="0"/>
+          </a:p>
+          <a:p>
+            <a:pPr marL="685800" lvl="2">
+              <a:lnSpc>
+                <a:spcPct val="150000"/>
+              </a:lnSpc>
+              <a:spcBef>
+                <a:spcPts val="1000"/>
+              </a:spcBef>
+            </a:pPr>
+            <a:r>
+              <a:rPr lang="ko-KR" altLang="en-US" sz="1800" dirty="0" smtClean="0"/>
+              <a:t>트랜잭션이 수행되는 도중 오류가 발생하거나 비정상적으로 종료되는 경우 트랜잭션이 시작된 시점으로 되돌아 가는 과정</a:t>
+            </a:r>
+            <a:endParaRPr lang="en-US" altLang="ko-KR" sz="1400" dirty="0"/>
+          </a:p>
+          <a:p>
+            <a:pPr marL="0" lvl="1" indent="0">
+              <a:lnSpc>
+                <a:spcPct val="150000"/>
+              </a:lnSpc>
+              <a:spcBef>
+                <a:spcPts val="1000"/>
+              </a:spcBef>
+              <a:buNone/>
+            </a:pPr>
+            <a:r>
+              <a:rPr lang="en-US" altLang="ko-KR" sz="1800" dirty="0" smtClean="0"/>
+              <a:t>	▶ COMMIT</a:t>
+            </a:r>
+            <a:r>
+              <a:rPr lang="ko-KR" altLang="en-US" sz="1800" dirty="0" smtClean="0"/>
+              <a:t>과 </a:t>
+            </a:r>
+            <a:r>
+              <a:rPr lang="en-US" altLang="ko-KR" sz="1800" dirty="0" smtClean="0"/>
+              <a:t>ROLLBACK</a:t>
+            </a:r>
+            <a:r>
+              <a:rPr lang="ko-KR" altLang="en-US" sz="1800" dirty="0" smtClean="0"/>
+              <a:t>은 </a:t>
+            </a:r>
+            <a:r>
+              <a:rPr lang="en-US" altLang="ko-KR" sz="1800" dirty="0" smtClean="0"/>
+              <a:t>‘</a:t>
+            </a:r>
+            <a:r>
+              <a:rPr lang="ko-KR" altLang="en-US" sz="1800" dirty="0" smtClean="0"/>
+              <a:t>저장해라</a:t>
+            </a:r>
+            <a:r>
+              <a:rPr lang="en-US" altLang="ko-KR" sz="1800" dirty="0" smtClean="0"/>
+              <a:t>‘ ‘</a:t>
+            </a:r>
+            <a:r>
+              <a:rPr lang="ko-KR" altLang="en-US" sz="1800" dirty="0" smtClean="0"/>
+              <a:t>취소해라</a:t>
+            </a:r>
+            <a:r>
+              <a:rPr lang="en-US" altLang="ko-KR" sz="1800" dirty="0" smtClean="0"/>
+              <a:t>’ </a:t>
+            </a:r>
+            <a:r>
+              <a:rPr lang="ko-KR" altLang="en-US" sz="1800" dirty="0" smtClean="0"/>
+              <a:t>와 같은 명령어</a:t>
+            </a:r>
+            <a:endParaRPr lang="en-US" altLang="ko-KR" sz="1800" dirty="0" smtClean="0"/>
+          </a:p>
+          <a:p>
+            <a:pPr marL="0" lvl="1" indent="0">
+              <a:lnSpc>
+                <a:spcPct val="150000"/>
+              </a:lnSpc>
+              <a:spcBef>
+                <a:spcPts val="1000"/>
+              </a:spcBef>
+              <a:buNone/>
+            </a:pPr>
+            <a:r>
+              <a:rPr lang="en-US" altLang="ko-KR" sz="1800" dirty="0" smtClean="0"/>
+              <a:t>	▶ REDO</a:t>
+            </a:r>
+            <a:r>
+              <a:rPr lang="ko-KR" altLang="en-US" sz="1800" dirty="0" smtClean="0"/>
+              <a:t>와 </a:t>
+            </a:r>
+            <a:r>
+              <a:rPr lang="en-US" altLang="ko-KR" sz="1800" dirty="0" smtClean="0"/>
+              <a:t>UNDO</a:t>
+            </a:r>
+            <a:r>
+              <a:rPr lang="ko-KR" altLang="en-US" sz="1800" dirty="0" smtClean="0"/>
+              <a:t>는 </a:t>
+            </a:r>
+            <a:r>
+              <a:rPr lang="en-US" altLang="ko-KR" sz="1800" dirty="0" smtClean="0"/>
+              <a:t>COMMIT</a:t>
+            </a:r>
+            <a:r>
+              <a:rPr lang="ko-KR" altLang="en-US" sz="1800" dirty="0" smtClean="0"/>
+              <a:t>과 </a:t>
+            </a:r>
+            <a:r>
+              <a:rPr lang="en-US" altLang="ko-KR" sz="1800" dirty="0" smtClean="0"/>
+              <a:t>ROLLBACK</a:t>
+            </a:r>
+            <a:r>
+              <a:rPr lang="ko-KR" altLang="en-US" sz="1800" dirty="0" smtClean="0"/>
+              <a:t>의 과정을 말한다</a:t>
+            </a:r>
+            <a:r>
+              <a:rPr lang="en-US" altLang="ko-KR" sz="1800" dirty="0" smtClean="0"/>
+              <a:t>. </a:t>
+            </a:r>
+          </a:p>
+        </p:txBody>
+      </p:sp>
+    </p:spTree>
+    <p:extLst>
+      <p:ext uri="{BB962C8B-B14F-4D97-AF65-F5344CB8AC3E}">
+        <p14:creationId xmlns:p14="http://schemas.microsoft.com/office/powerpoint/2010/main" val="4272424388"/>
+      </p:ext>
+    </p:extLst>
+  </p:cSld>
+  <p:clrMapOvr>
+    <a:masterClrMapping/>
+  </p:clrMapOvr>
+</p:sld>
+</file>
+
+<file path=ppt/slides/slide21.xml><?xml version="1.0" encoding="utf-8"?>
+<p:sld xmlns:a="http://schemas.openxmlformats.org/drawingml/2006/main" xmlns:r="http://schemas.openxmlformats.org/officeDocument/2006/relationships" xmlns:p="http://schemas.openxmlformats.org/presentationml/2006/main">
+  <p:cSld>
+    <p:spTree>
+      <p:nvGrpSpPr>
+        <p:cNvPr id="1" name=""/>
+        <p:cNvGrpSpPr/>
+        <p:nvPr/>
+      </p:nvGrpSpPr>
+      <p:grpSpPr>
+        <a:xfrm>
+          <a:off x="0" y="0"/>
+          <a:ext cx="0" cy="0"/>
+          <a:chOff x="0" y="0"/>
+          <a:chExt cx="0" cy="0"/>
+        </a:xfrm>
+      </p:grpSpPr>
+      <p:sp>
+        <p:nvSpPr>
+          <p:cNvPr id="2" name="제목 1"/>
+          <p:cNvSpPr>
+            <a:spLocks noGrp="1"/>
+          </p:cNvSpPr>
+          <p:nvPr>
+            <p:ph type="title"/>
+          </p:nvPr>
+        </p:nvSpPr>
+        <p:spPr>
+          <a:xfrm>
+            <a:off x="838200" y="365125"/>
+            <a:ext cx="10515600" cy="671195"/>
+          </a:xfrm>
+        </p:spPr>
+        <p:txBody>
+          <a:bodyPr>
+            <a:normAutofit fontScale="90000"/>
+          </a:bodyPr>
+          <a:lstStyle/>
+          <a:p>
+            <a:r>
+              <a:rPr lang="ko-KR" altLang="en-US" b="1" dirty="0" smtClean="0"/>
+              <a:t>회복기법</a:t>
+            </a:r>
+            <a:endParaRPr lang="ko-KR" altLang="en-US" b="1" dirty="0"/>
+          </a:p>
+        </p:txBody>
+      </p:sp>
+      <p:sp>
+        <p:nvSpPr>
+          <p:cNvPr id="5" name="내용 개체 틀 2"/>
+          <p:cNvSpPr>
+            <a:spLocks noGrp="1"/>
+          </p:cNvSpPr>
+          <p:nvPr>
+            <p:ph idx="1"/>
+          </p:nvPr>
+        </p:nvSpPr>
+        <p:spPr>
+          <a:xfrm>
+            <a:off x="838200" y="1267968"/>
+            <a:ext cx="10515600" cy="4908995"/>
+          </a:xfrm>
+        </p:spPr>
+        <p:txBody>
+          <a:bodyPr>
+            <a:noAutofit/>
+          </a:bodyPr>
+          <a:lstStyle/>
+          <a:p>
+            <a:pPr>
+              <a:lnSpc>
+                <a:spcPct val="150000"/>
+              </a:lnSpc>
+            </a:pPr>
+            <a:r>
+              <a:rPr lang="ko-KR" altLang="en-US" sz="1800" b="1" dirty="0" smtClean="0"/>
+              <a:t>즉시갱신 기법</a:t>
+            </a:r>
+            <a:endParaRPr lang="en-US" altLang="ko-KR" sz="1800" b="1" dirty="0" smtClean="0"/>
+          </a:p>
+          <a:p>
+            <a:pPr lvl="1">
+              <a:lnSpc>
+                <a:spcPct val="150000"/>
+              </a:lnSpc>
+            </a:pPr>
+            <a:r>
+              <a:rPr lang="ko-KR" altLang="en-US" sz="1800" dirty="0" smtClean="0"/>
+              <a:t>트랜잭션이 실행</a:t>
+            </a:r>
+            <a:r>
+              <a:rPr lang="en-US" altLang="ko-KR" sz="1800" dirty="0" smtClean="0"/>
+              <a:t>(</a:t>
+            </a:r>
+            <a:r>
+              <a:rPr lang="ko-KR" altLang="en-US" sz="1800" dirty="0" smtClean="0"/>
+              <a:t>활동</a:t>
+            </a:r>
+            <a:r>
+              <a:rPr lang="en-US" altLang="ko-KR" sz="1800" dirty="0" smtClean="0"/>
+              <a:t>) </a:t>
+            </a:r>
+            <a:r>
+              <a:rPr lang="ko-KR" altLang="en-US" sz="1800" dirty="0" smtClean="0"/>
+              <a:t>상태에서 변경되는 내용을 바로 데이터베이스에 적용</a:t>
+            </a:r>
+            <a:endParaRPr lang="en-US" altLang="ko-KR" sz="1800" dirty="0" smtClean="0"/>
+          </a:p>
+          <a:p>
+            <a:pPr lvl="1">
+              <a:lnSpc>
+                <a:spcPct val="150000"/>
+              </a:lnSpc>
+            </a:pPr>
+            <a:r>
+              <a:rPr lang="ko-KR" altLang="en-US" sz="1800" dirty="0" smtClean="0"/>
+              <a:t>변경되는 모든 내용은 로그</a:t>
+            </a:r>
+            <a:r>
+              <a:rPr lang="en-US" altLang="ko-KR" sz="1800" dirty="0" smtClean="0"/>
+              <a:t>(Log)</a:t>
+            </a:r>
+            <a:r>
+              <a:rPr lang="ko-KR" altLang="en-US" sz="1800" dirty="0" smtClean="0"/>
+              <a:t>에 기록하여 장애 발생 시 로그</a:t>
+            </a:r>
+            <a:r>
+              <a:rPr lang="en-US" altLang="ko-KR" sz="1800" dirty="0" smtClean="0"/>
+              <a:t>(Log)</a:t>
+            </a:r>
+            <a:r>
+              <a:rPr lang="ko-KR" altLang="en-US" sz="1800" dirty="0" smtClean="0"/>
+              <a:t>의 내용을 토대로 회복</a:t>
+            </a:r>
+            <a:endParaRPr lang="en-US" altLang="ko-KR" sz="1800" dirty="0" smtClean="0"/>
+          </a:p>
+          <a:p>
+            <a:pPr>
+              <a:lnSpc>
+                <a:spcPct val="150000"/>
+              </a:lnSpc>
+            </a:pPr>
+            <a:r>
+              <a:rPr lang="ko-KR" altLang="en-US" sz="1800" b="1" dirty="0" smtClean="0"/>
+              <a:t>지연 갱신 기법</a:t>
+            </a:r>
+            <a:endParaRPr lang="en-US" altLang="ko-KR" sz="1800" b="1" dirty="0" smtClean="0"/>
+          </a:p>
+          <a:p>
+            <a:pPr lvl="1">
+              <a:lnSpc>
+                <a:spcPct val="150000"/>
+              </a:lnSpc>
+            </a:pPr>
+            <a:r>
+              <a:rPr lang="ko-KR" altLang="en-US" sz="1800" dirty="0" smtClean="0"/>
+              <a:t>트랜잭션이 수행되어 부분 완료 될 때까지 데이터베이스에 적용하지 않고 지연시킨 후 부분 완료가 되면 로그</a:t>
+            </a:r>
+            <a:r>
+              <a:rPr lang="en-US" altLang="ko-KR" sz="1800" dirty="0" smtClean="0"/>
+              <a:t>(Log)</a:t>
+            </a:r>
+            <a:r>
+              <a:rPr lang="ko-KR" altLang="en-US" sz="1800" dirty="0" smtClean="0"/>
+              <a:t>의 내용을 토대로 데이터베이스에 적용</a:t>
+            </a:r>
+            <a:endParaRPr lang="en-US" altLang="ko-KR" sz="1800" b="1" dirty="0" smtClean="0"/>
+          </a:p>
+          <a:p>
+            <a:pPr>
+              <a:lnSpc>
+                <a:spcPct val="150000"/>
+              </a:lnSpc>
+            </a:pPr>
+            <a:endParaRPr lang="en-US" altLang="ko-KR" sz="1800" dirty="0" smtClean="0"/>
+          </a:p>
+          <a:p>
+            <a:pPr>
+              <a:lnSpc>
+                <a:spcPct val="150000"/>
+              </a:lnSpc>
+            </a:pPr>
+            <a:endParaRPr lang="en-US" altLang="ko-KR" sz="1800" dirty="0" smtClean="0"/>
+          </a:p>
+        </p:txBody>
+      </p:sp>
+    </p:spTree>
+    <p:extLst>
+      <p:ext uri="{BB962C8B-B14F-4D97-AF65-F5344CB8AC3E}">
+        <p14:creationId xmlns:p14="http://schemas.microsoft.com/office/powerpoint/2010/main" val="3064529855"/>
+      </p:ext>
+    </p:extLst>
+  </p:cSld>
+  <p:clrMapOvr>
+    <a:masterClrMapping/>
+  </p:clrMapOvr>
+</p:sld>
+</file>
+
+<file path=ppt/slides/slide22.xml><?xml version="1.0" encoding="utf-8"?>
+<p:sld xmlns:a="http://schemas.openxmlformats.org/drawingml/2006/main" xmlns:r="http://schemas.openxmlformats.org/officeDocument/2006/relationships" xmlns:p="http://schemas.openxmlformats.org/presentationml/2006/main">
+  <p:cSld>
+    <p:spTree>
+      <p:nvGrpSpPr>
+        <p:cNvPr id="1" name=""/>
+        <p:cNvGrpSpPr/>
+        <p:nvPr/>
+      </p:nvGrpSpPr>
+      <p:grpSpPr>
+        <a:xfrm>
+          <a:off x="0" y="0"/>
+          <a:ext cx="0" cy="0"/>
+          <a:chOff x="0" y="0"/>
+          <a:chExt cx="0" cy="0"/>
+        </a:xfrm>
+      </p:grpSpPr>
+      <p:sp>
+        <p:nvSpPr>
+          <p:cNvPr id="2" name="제목 1"/>
+          <p:cNvSpPr>
+            <a:spLocks noGrp="1"/>
+          </p:cNvSpPr>
+          <p:nvPr>
+            <p:ph type="title"/>
+          </p:nvPr>
+        </p:nvSpPr>
+        <p:spPr>
+          <a:xfrm>
+            <a:off x="838200" y="365125"/>
+            <a:ext cx="10515600" cy="671195"/>
+          </a:xfrm>
+        </p:spPr>
+        <p:txBody>
+          <a:bodyPr>
+            <a:normAutofit fontScale="90000"/>
+          </a:bodyPr>
+          <a:lstStyle/>
+          <a:p>
+            <a:r>
+              <a:rPr lang="ko-KR" altLang="en-US" b="1" dirty="0" smtClean="0"/>
+              <a:t>회복기법</a:t>
+            </a:r>
+            <a:endParaRPr lang="ko-KR" altLang="en-US" b="1" dirty="0"/>
+          </a:p>
+        </p:txBody>
+      </p:sp>
+      <p:sp>
+        <p:nvSpPr>
+          <p:cNvPr id="5" name="내용 개체 틀 2"/>
+          <p:cNvSpPr>
+            <a:spLocks noGrp="1"/>
+          </p:cNvSpPr>
+          <p:nvPr>
+            <p:ph idx="1"/>
+          </p:nvPr>
+        </p:nvSpPr>
+        <p:spPr>
+          <a:xfrm>
+            <a:off x="838200" y="1267968"/>
+            <a:ext cx="10515600" cy="4908995"/>
+          </a:xfrm>
+        </p:spPr>
+        <p:txBody>
+          <a:bodyPr>
+            <a:noAutofit/>
+          </a:bodyPr>
+          <a:lstStyle/>
+          <a:p>
+            <a:pPr>
+              <a:lnSpc>
+                <a:spcPct val="150000"/>
+              </a:lnSpc>
+            </a:pPr>
+            <a:r>
+              <a:rPr lang="ko-KR" altLang="en-US" sz="1800" b="1" dirty="0" smtClean="0"/>
+              <a:t>검사 시점 기법</a:t>
+            </a:r>
+            <a:endParaRPr lang="en-US" altLang="ko-KR" sz="1800" b="1" dirty="0" smtClean="0"/>
+          </a:p>
+          <a:p>
+            <a:pPr marL="685800" lvl="2">
+              <a:lnSpc>
+                <a:spcPct val="150000"/>
+              </a:lnSpc>
+              <a:spcBef>
+                <a:spcPts val="1000"/>
+              </a:spcBef>
+            </a:pPr>
+            <a:r>
+              <a:rPr lang="ko-KR" altLang="en-US" sz="1800" dirty="0" smtClean="0"/>
+              <a:t>트랜잭션이 실행되는 중간에 검사 시점</a:t>
+            </a:r>
+            <a:r>
+              <a:rPr lang="en-US" altLang="ko-KR" sz="1800" dirty="0" smtClean="0"/>
+              <a:t>(Check Point)</a:t>
+            </a:r>
+            <a:r>
+              <a:rPr lang="ko-KR" altLang="en-US" sz="1800" dirty="0" smtClean="0"/>
+              <a:t>을 지정하여 검사 시점까지 수행 후 완료된 내용을 데이터베이스에 적용하는 기법</a:t>
+            </a:r>
+            <a:endParaRPr lang="en-US" altLang="ko-KR" sz="1800" dirty="0"/>
+          </a:p>
+          <a:p>
+            <a:pPr>
+              <a:lnSpc>
+                <a:spcPct val="150000"/>
+              </a:lnSpc>
+            </a:pPr>
+            <a:r>
+              <a:rPr lang="ko-KR" altLang="en-US" sz="1800" b="1" dirty="0" smtClean="0"/>
+              <a:t>그림자 </a:t>
+            </a:r>
+            <a:r>
+              <a:rPr lang="ko-KR" altLang="en-US" sz="1800" b="1" dirty="0" err="1" smtClean="0"/>
+              <a:t>페이징</a:t>
+            </a:r>
+            <a:r>
+              <a:rPr lang="en-US" altLang="ko-KR" sz="1800" b="1" dirty="0" smtClean="0"/>
+              <a:t>(Shadow Paging) </a:t>
+            </a:r>
+            <a:r>
+              <a:rPr lang="ko-KR" altLang="en-US" sz="1800" b="1" dirty="0" smtClean="0"/>
+              <a:t>기법</a:t>
+            </a:r>
+            <a:endParaRPr lang="en-US" altLang="ko-KR" sz="1800" dirty="0" smtClean="0"/>
+          </a:p>
+          <a:p>
+            <a:pPr marL="685800" lvl="2">
+              <a:lnSpc>
+                <a:spcPct val="150000"/>
+              </a:lnSpc>
+              <a:spcBef>
+                <a:spcPts val="1000"/>
+              </a:spcBef>
+            </a:pPr>
+            <a:r>
+              <a:rPr lang="ko-KR" altLang="en-US" sz="1800" dirty="0" smtClean="0"/>
+              <a:t>로그</a:t>
+            </a:r>
+            <a:r>
+              <a:rPr lang="en-US" altLang="ko-KR" sz="1800" dirty="0" smtClean="0"/>
+              <a:t>(Log)</a:t>
+            </a:r>
+            <a:r>
+              <a:rPr lang="ko-KR" altLang="en-US" sz="1800" dirty="0" smtClean="0"/>
+              <a:t>를 사용하지 않고</a:t>
+            </a:r>
+            <a:r>
+              <a:rPr lang="en-US" altLang="ko-KR" sz="1800" dirty="0" smtClean="0"/>
+              <a:t>, </a:t>
+            </a:r>
+            <a:r>
+              <a:rPr lang="ko-KR" altLang="en-US" sz="1800" dirty="0" smtClean="0"/>
+              <a:t>데이터베이스를 동일한 크기의 단위인 페이지로 나누어 각 페이지 마다 복사하여 그림자 페이지를 보관하는 기법</a:t>
+            </a:r>
+            <a:endParaRPr lang="en-US" altLang="ko-KR" sz="1800" b="1" dirty="0" smtClean="0"/>
+          </a:p>
+          <a:p>
+            <a:pPr marL="685800" lvl="2">
+              <a:lnSpc>
+                <a:spcPct val="150000"/>
+              </a:lnSpc>
+              <a:spcBef>
+                <a:spcPts val="1000"/>
+              </a:spcBef>
+            </a:pPr>
+            <a:r>
+              <a:rPr lang="ko-KR" altLang="en-US" sz="1800" dirty="0" smtClean="0"/>
+              <a:t>데이터베이스의 변경되는 내용은 원본 페이지에만 적용하고</a:t>
+            </a:r>
+            <a:r>
+              <a:rPr lang="en-US" altLang="ko-KR" sz="1800" dirty="0" smtClean="0"/>
+              <a:t>, </a:t>
+            </a:r>
+            <a:r>
+              <a:rPr lang="ko-KR" altLang="en-US" sz="1800" dirty="0" smtClean="0"/>
+              <a:t>장애가 발생되는 경우 그림자 페이지를 이용해 회복</a:t>
+            </a:r>
+            <a:endParaRPr lang="en-US" altLang="ko-KR" sz="1800" dirty="0" smtClean="0"/>
+          </a:p>
+          <a:p>
+            <a:pPr>
+              <a:lnSpc>
+                <a:spcPct val="150000"/>
+              </a:lnSpc>
+            </a:pPr>
+            <a:endParaRPr lang="en-US" altLang="ko-KR" sz="1800" dirty="0" smtClean="0"/>
+          </a:p>
+          <a:p>
+            <a:pPr>
+              <a:lnSpc>
+                <a:spcPct val="150000"/>
+              </a:lnSpc>
+            </a:pPr>
+            <a:endParaRPr lang="en-US" altLang="ko-KR" sz="1800" dirty="0" smtClean="0"/>
+          </a:p>
+        </p:txBody>
+      </p:sp>
+    </p:spTree>
+    <p:extLst>
+      <p:ext uri="{BB962C8B-B14F-4D97-AF65-F5344CB8AC3E}">
+        <p14:creationId xmlns:p14="http://schemas.microsoft.com/office/powerpoint/2010/main" val="978479832"/>
       </p:ext>
     </p:extLst>
   </p:cSld>
@@ -5213,278 +11767,212 @@
           <a:chExt cx="0" cy="0"/>
         </a:xfrm>
       </p:grpSpPr>
+      <p:pic>
+        <p:nvPicPr>
+          <p:cNvPr id="4" name="그림 3"/>
+          <p:cNvPicPr>
+            <a:picLocks noChangeAspect="1"/>
+          </p:cNvPicPr>
+          <p:nvPr/>
+        </p:nvPicPr>
+        <p:blipFill>
+          <a:blip r:embed="rId2">
+            <a:extLst>
+              <a:ext uri="{28A0092B-C50C-407E-A947-70E740481C1C}">
+                <a14:useLocalDpi xmlns:a14="http://schemas.microsoft.com/office/drawing/2010/main" val="0"/>
+              </a:ext>
+            </a:extLst>
+          </a:blip>
+          <a:stretch>
+            <a:fillRect/>
+          </a:stretch>
+        </p:blipFill>
+        <p:spPr>
+          <a:xfrm>
+            <a:off x="1040307" y="616899"/>
+            <a:ext cx="5855991" cy="2442186"/>
+          </a:xfrm>
+          <a:prstGeom prst="rect">
+            <a:avLst/>
+          </a:prstGeom>
+        </p:spPr>
+      </p:pic>
+      <p:pic>
+        <p:nvPicPr>
+          <p:cNvPr id="5" name="그림 4"/>
+          <p:cNvPicPr>
+            <a:picLocks noChangeAspect="1"/>
+          </p:cNvPicPr>
+          <p:nvPr/>
+        </p:nvPicPr>
+        <p:blipFill>
+          <a:blip r:embed="rId3">
+            <a:extLst>
+              <a:ext uri="{28A0092B-C50C-407E-A947-70E740481C1C}">
+                <a14:useLocalDpi xmlns:a14="http://schemas.microsoft.com/office/drawing/2010/main" val="0"/>
+              </a:ext>
+            </a:extLst>
+          </a:blip>
+          <a:stretch>
+            <a:fillRect/>
+          </a:stretch>
+        </p:blipFill>
+        <p:spPr>
+          <a:xfrm>
+            <a:off x="1040306" y="3583901"/>
+            <a:ext cx="10822587" cy="2725458"/>
+          </a:xfrm>
+          <a:prstGeom prst="rect">
+            <a:avLst/>
+          </a:prstGeom>
+        </p:spPr>
+      </p:pic>
       <p:sp>
         <p:nvSpPr>
-          <p:cNvPr id="2" name="제목 1"/>
-          <p:cNvSpPr>
-            <a:spLocks noGrp="1"/>
-          </p:cNvSpPr>
-          <p:nvPr>
-            <p:ph type="title"/>
-          </p:nvPr>
+          <p:cNvPr id="6" name="직사각형 5"/>
+          <p:cNvSpPr/>
+          <p:nvPr/>
         </p:nvSpPr>
         <p:spPr>
           <a:xfrm>
-            <a:off x="838200" y="365125"/>
-            <a:ext cx="10515600" cy="671195"/>
+            <a:off x="1040306" y="616899"/>
+            <a:ext cx="5340469" cy="1577661"/>
           </a:xfrm>
+          <a:prstGeom prst="rect">
+            <a:avLst/>
+          </a:prstGeom>
+          <a:noFill/>
+          <a:ln w="38100">
+            <a:solidFill>
+              <a:srgbClr val="FF0000"/>
+            </a:solidFill>
+          </a:ln>
         </p:spPr>
+        <p:style>
+          <a:lnRef idx="2">
+            <a:schemeClr val="accent1">
+              <a:shade val="50000"/>
+            </a:schemeClr>
+          </a:lnRef>
+          <a:fillRef idx="1">
+            <a:schemeClr val="accent1"/>
+          </a:fillRef>
+          <a:effectRef idx="0">
+            <a:schemeClr val="accent1"/>
+          </a:effectRef>
+          <a:fontRef idx="minor">
+            <a:schemeClr val="lt1"/>
+          </a:fontRef>
+        </p:style>
         <p:txBody>
-          <a:bodyPr>
-            <a:normAutofit fontScale="90000"/>
-          </a:bodyPr>
+          <a:bodyPr rtlCol="0" anchor="ctr"/>
           <a:lstStyle/>
           <a:p>
-            <a:r>
-              <a:rPr lang="ko-KR" altLang="en-US" b="1" dirty="0" smtClean="0"/>
-              <a:t>회복기법</a:t>
-            </a:r>
-            <a:endParaRPr lang="ko-KR" altLang="en-US" b="1" dirty="0"/>
+            <a:pPr algn="ctr"/>
+            <a:endParaRPr lang="ko-KR" altLang="en-US"/>
           </a:p>
         </p:txBody>
       </p:sp>
       <p:sp>
         <p:nvSpPr>
-          <p:cNvPr id="5" name="내용 개체 틀 2"/>
-          <p:cNvSpPr>
-            <a:spLocks noGrp="1"/>
-          </p:cNvSpPr>
-          <p:nvPr>
-            <p:ph idx="1"/>
-          </p:nvPr>
+          <p:cNvPr id="7" name="직사각형 6"/>
+          <p:cNvSpPr/>
+          <p:nvPr/>
         </p:nvSpPr>
         <p:spPr>
           <a:xfrm>
-            <a:off x="838200" y="1267968"/>
-            <a:ext cx="10515600" cy="4908995"/>
+            <a:off x="1706703" y="3583901"/>
+            <a:ext cx="3738133" cy="533907"/>
           </a:xfrm>
+          <a:prstGeom prst="rect">
+            <a:avLst/>
+          </a:prstGeom>
+          <a:noFill/>
+          <a:ln w="38100">
+            <a:solidFill>
+              <a:srgbClr val="FF0000"/>
+            </a:solidFill>
+          </a:ln>
+        </p:spPr>
+        <p:style>
+          <a:lnRef idx="2">
+            <a:schemeClr val="accent1">
+              <a:shade val="50000"/>
+            </a:schemeClr>
+          </a:lnRef>
+          <a:fillRef idx="1">
+            <a:schemeClr val="accent1"/>
+          </a:fillRef>
+          <a:effectRef idx="0">
+            <a:schemeClr val="accent1"/>
+          </a:effectRef>
+          <a:fontRef idx="minor">
+            <a:schemeClr val="lt1"/>
+          </a:fontRef>
+        </p:style>
+        <p:txBody>
+          <a:bodyPr rtlCol="0" anchor="ctr"/>
+          <a:lstStyle/>
+          <a:p>
+            <a:pPr algn="ctr"/>
+            <a:endParaRPr lang="ko-KR" altLang="en-US"/>
+          </a:p>
+        </p:txBody>
+      </p:sp>
+      <p:sp>
+        <p:nvSpPr>
+          <p:cNvPr id="8" name="TextBox 7"/>
+          <p:cNvSpPr txBox="1"/>
+          <p:nvPr/>
+        </p:nvSpPr>
+        <p:spPr>
+          <a:xfrm>
+            <a:off x="7702633" y="1185105"/>
+            <a:ext cx="3483032" cy="646331"/>
+          </a:xfrm>
+          <a:prstGeom prst="rect">
+            <a:avLst/>
+          </a:prstGeom>
+          <a:noFill/>
         </p:spPr>
         <p:txBody>
-          <a:bodyPr>
-            <a:noAutofit/>
+          <a:bodyPr wrap="square" rtlCol="0">
+            <a:spAutoFit/>
           </a:bodyPr>
           <a:lstStyle/>
           <a:p>
-            <a:pPr>
-              <a:lnSpc>
-                <a:spcPct val="150000"/>
-              </a:lnSpc>
-            </a:pPr>
-            <a:r>
-              <a:rPr lang="en-US" altLang="ko-KR" sz="1800" b="1" dirty="0"/>
-              <a:t>Log</a:t>
-            </a:r>
-          </a:p>
-          <a:p>
-            <a:pPr lvl="1">
-              <a:lnSpc>
-                <a:spcPct val="150000"/>
-              </a:lnSpc>
-            </a:pPr>
-            <a:r>
-              <a:rPr lang="ko-KR" altLang="en-US" sz="1800" dirty="0"/>
-              <a:t>트랜잭션이 수행되어 변경되는 데이터베이스의 상황 정보를 기록한 것</a:t>
-            </a:r>
-            <a:endParaRPr lang="en-US" altLang="ko-KR" sz="1800" dirty="0"/>
-          </a:p>
-          <a:p>
-            <a:pPr>
-              <a:lnSpc>
-                <a:spcPct val="150000"/>
-              </a:lnSpc>
-            </a:pPr>
-            <a:r>
-              <a:rPr lang="en-US" altLang="ko-KR" sz="1800" b="1" dirty="0" smtClean="0"/>
-              <a:t>REDO</a:t>
-            </a:r>
-          </a:p>
-          <a:p>
-            <a:pPr marL="685800" lvl="2">
-              <a:lnSpc>
-                <a:spcPct val="150000"/>
-              </a:lnSpc>
-              <a:spcBef>
-                <a:spcPts val="1000"/>
-              </a:spcBef>
-            </a:pPr>
-            <a:r>
-              <a:rPr lang="ko-KR" altLang="en-US" sz="1800" dirty="0" smtClean="0"/>
-              <a:t>트랜잭션이 수행되어 </a:t>
-            </a:r>
-            <a:r>
-              <a:rPr lang="en-US" altLang="ko-KR" sz="1800" dirty="0" smtClean="0"/>
-              <a:t>COMMIT</a:t>
-            </a:r>
-            <a:r>
-              <a:rPr lang="ko-KR" altLang="en-US" sz="1800" dirty="0" smtClean="0"/>
-              <a:t>이 되면 변경된 내용을 데이터베이스에 반영</a:t>
-            </a:r>
-            <a:endParaRPr lang="en-US" altLang="ko-KR" sz="1800" dirty="0" smtClean="0"/>
-          </a:p>
-          <a:p>
-            <a:pPr marL="685800" lvl="2">
-              <a:lnSpc>
-                <a:spcPct val="150000"/>
-              </a:lnSpc>
-              <a:spcBef>
-                <a:spcPts val="1000"/>
-              </a:spcBef>
-            </a:pPr>
-            <a:r>
-              <a:rPr lang="ko-KR" altLang="en-US" sz="1800" dirty="0" smtClean="0"/>
-              <a:t>로그</a:t>
-            </a:r>
-            <a:r>
-              <a:rPr lang="en-US" altLang="ko-KR" sz="1800" dirty="0" smtClean="0"/>
-              <a:t>(Log)</a:t>
-            </a:r>
-            <a:r>
-              <a:rPr lang="ko-KR" altLang="en-US" sz="1800" dirty="0" smtClean="0"/>
-              <a:t>의 내용을 토대로 </a:t>
-            </a:r>
-            <a:r>
-              <a:rPr lang="ko-KR" altLang="en-US" sz="1800" dirty="0" err="1" smtClean="0"/>
-              <a:t>재수행하며</a:t>
-            </a:r>
-            <a:r>
-              <a:rPr lang="ko-KR" altLang="en-US" sz="1800" dirty="0" smtClean="0"/>
-              <a:t> 변경된 내용을 데이터베이스에 반영</a:t>
-            </a:r>
-            <a:endParaRPr lang="en-US" altLang="ko-KR" sz="1800" dirty="0"/>
-          </a:p>
-          <a:p>
-            <a:pPr>
-              <a:lnSpc>
-                <a:spcPct val="150000"/>
-              </a:lnSpc>
-            </a:pPr>
-            <a:r>
-              <a:rPr lang="en-US" altLang="ko-KR" sz="1800" b="1" dirty="0" smtClean="0"/>
-              <a:t>UNDO</a:t>
-            </a:r>
-            <a:endParaRPr lang="en-US" altLang="ko-KR" sz="1800" dirty="0" smtClean="0"/>
-          </a:p>
-          <a:p>
-            <a:pPr marL="685800" lvl="2">
-              <a:lnSpc>
-                <a:spcPct val="150000"/>
-              </a:lnSpc>
-              <a:spcBef>
-                <a:spcPts val="1000"/>
-              </a:spcBef>
-            </a:pPr>
-            <a:r>
-              <a:rPr lang="ko-KR" altLang="en-US" sz="1800" dirty="0" smtClean="0"/>
-              <a:t>트랜잭션이 수행되는 도중 오류가 발생하거나 비정상적으로 종료되는 경우 트랜잭션이 시작된 시점으로 되돌아 가는 과정</a:t>
-            </a:r>
-            <a:endParaRPr lang="en-US" altLang="ko-KR" sz="1400" dirty="0"/>
-          </a:p>
-          <a:p>
-            <a:pPr marL="0" lvl="1" indent="0">
-              <a:lnSpc>
-                <a:spcPct val="150000"/>
-              </a:lnSpc>
-              <a:spcBef>
-                <a:spcPts val="1000"/>
-              </a:spcBef>
-              <a:buNone/>
-            </a:pPr>
-            <a:r>
-              <a:rPr lang="en-US" altLang="ko-KR" sz="1800" dirty="0" smtClean="0"/>
-              <a:t>	▶ COMMIT</a:t>
-            </a:r>
-            <a:r>
-              <a:rPr lang="ko-KR" altLang="en-US" sz="1800" dirty="0" smtClean="0"/>
-              <a:t>과 </a:t>
-            </a:r>
-            <a:r>
-              <a:rPr lang="en-US" altLang="ko-KR" sz="1800" dirty="0" smtClean="0"/>
-              <a:t>ROLLBACK</a:t>
-            </a:r>
-            <a:r>
-              <a:rPr lang="ko-KR" altLang="en-US" sz="1800" dirty="0" smtClean="0"/>
-              <a:t>은 </a:t>
-            </a:r>
-            <a:r>
-              <a:rPr lang="en-US" altLang="ko-KR" sz="1800" dirty="0" smtClean="0"/>
-              <a:t>‘</a:t>
-            </a:r>
-            <a:r>
-              <a:rPr lang="ko-KR" altLang="en-US" sz="1800" dirty="0" smtClean="0"/>
-              <a:t>저장해라</a:t>
-            </a:r>
-            <a:r>
-              <a:rPr lang="en-US" altLang="ko-KR" sz="1800" dirty="0" smtClean="0"/>
-              <a:t>‘ ‘</a:t>
-            </a:r>
-            <a:r>
-              <a:rPr lang="ko-KR" altLang="en-US" sz="1800" dirty="0" smtClean="0"/>
-              <a:t>취소해라</a:t>
-            </a:r>
-            <a:r>
-              <a:rPr lang="en-US" altLang="ko-KR" sz="1800" dirty="0" smtClean="0"/>
-              <a:t>’ </a:t>
-            </a:r>
-            <a:r>
-              <a:rPr lang="ko-KR" altLang="en-US" sz="1800" dirty="0" smtClean="0"/>
-              <a:t>와 같은 명령어</a:t>
-            </a:r>
-            <a:endParaRPr lang="en-US" altLang="ko-KR" sz="1800" dirty="0" smtClean="0"/>
-          </a:p>
-          <a:p>
-            <a:pPr marL="0" lvl="1" indent="0">
-              <a:lnSpc>
-                <a:spcPct val="150000"/>
-              </a:lnSpc>
-              <a:spcBef>
-                <a:spcPts val="1000"/>
-              </a:spcBef>
-              <a:buNone/>
-            </a:pPr>
-            <a:r>
-              <a:rPr lang="en-US" altLang="ko-KR" sz="1800" dirty="0" smtClean="0"/>
-              <a:t>	▶ REDO</a:t>
-            </a:r>
-            <a:r>
-              <a:rPr lang="ko-KR" altLang="en-US" sz="1800" dirty="0" smtClean="0"/>
-              <a:t>와 </a:t>
-            </a:r>
-            <a:r>
-              <a:rPr lang="en-US" altLang="ko-KR" sz="1800" dirty="0" smtClean="0"/>
-              <a:t>UNDO</a:t>
-            </a:r>
-            <a:r>
-              <a:rPr lang="ko-KR" altLang="en-US" sz="1800" dirty="0" smtClean="0"/>
-              <a:t>는 </a:t>
-            </a:r>
-            <a:r>
-              <a:rPr lang="en-US" altLang="ko-KR" sz="1800" dirty="0" smtClean="0"/>
-              <a:t>COMMIT</a:t>
-            </a:r>
-            <a:r>
-              <a:rPr lang="ko-KR" altLang="en-US" sz="1800" dirty="0" smtClean="0"/>
-              <a:t>과 </a:t>
-            </a:r>
-            <a:r>
-              <a:rPr lang="en-US" altLang="ko-KR" sz="1800" dirty="0" smtClean="0"/>
-              <a:t>ROLLBACK</a:t>
-            </a:r>
-            <a:r>
-              <a:rPr lang="ko-KR" altLang="en-US" sz="1800" dirty="0" smtClean="0"/>
-              <a:t>의 과정을 말한다</a:t>
-            </a:r>
-            <a:r>
-              <a:rPr lang="en-US" altLang="ko-KR" sz="1800" dirty="0" smtClean="0"/>
-              <a:t>. </a:t>
-            </a:r>
-            <a:endParaRPr lang="en-US" altLang="ko-KR" sz="1800" dirty="0" smtClean="0"/>
+            <a:r>
+              <a:rPr lang="ko-KR" altLang="en-US" dirty="0" smtClean="0"/>
+              <a:t>실습을 위한 </a:t>
+            </a:r>
+            <a:r>
+              <a:rPr lang="en-US" altLang="ko-KR" dirty="0" smtClean="0"/>
+              <a:t>dept01</a:t>
+            </a:r>
+            <a:r>
+              <a:rPr lang="ko-KR" altLang="en-US" dirty="0" smtClean="0"/>
+              <a:t>테이블을 </a:t>
+            </a:r>
+            <a:r>
+              <a:rPr lang="en-US" altLang="ko-KR" dirty="0" err="1" smtClean="0"/>
+              <a:t>dept</a:t>
+            </a:r>
+            <a:r>
+              <a:rPr lang="en-US" altLang="ko-KR" dirty="0" smtClean="0"/>
+              <a:t> </a:t>
+            </a:r>
+            <a:r>
+              <a:rPr lang="ko-KR" altLang="en-US" dirty="0" smtClean="0"/>
+              <a:t>테이블을 복사하여 생성</a:t>
+            </a:r>
+            <a:endParaRPr lang="ko-KR" altLang="en-US" dirty="0"/>
           </a:p>
         </p:txBody>
       </p:sp>
     </p:spTree>
     <p:extLst>
       <p:ext uri="{BB962C8B-B14F-4D97-AF65-F5344CB8AC3E}">
-        <p14:creationId xmlns:p14="http://schemas.microsoft.com/office/powerpoint/2010/main" val="4272424388"/>
+        <p14:creationId xmlns:p14="http://schemas.microsoft.com/office/powerpoint/2010/main" val="2680934904"/>
       </p:ext>
     </p:extLst>
   </p:cSld>
@@ -5511,179 +11999,200 @@
           <a:chExt cx="0" cy="0"/>
         </a:xfrm>
       </p:grpSpPr>
+      <p:pic>
+        <p:nvPicPr>
+          <p:cNvPr id="2" name="그림 1"/>
+          <p:cNvPicPr>
+            <a:picLocks noChangeAspect="1"/>
+          </p:cNvPicPr>
+          <p:nvPr/>
+        </p:nvPicPr>
+        <p:blipFill>
+          <a:blip r:embed="rId2">
+            <a:extLst>
+              <a:ext uri="{28A0092B-C50C-407E-A947-70E740481C1C}">
+                <a14:useLocalDpi xmlns:a14="http://schemas.microsoft.com/office/drawing/2010/main" val="0"/>
+              </a:ext>
+            </a:extLst>
+          </a:blip>
+          <a:stretch>
+            <a:fillRect/>
+          </a:stretch>
+        </p:blipFill>
+        <p:spPr>
+          <a:xfrm>
+            <a:off x="1040306" y="1245481"/>
+            <a:ext cx="6183422" cy="1902591"/>
+          </a:xfrm>
+          <a:prstGeom prst="rect">
+            <a:avLst/>
+          </a:prstGeom>
+        </p:spPr>
+      </p:pic>
       <p:sp>
         <p:nvSpPr>
-          <p:cNvPr id="2" name="제목 1"/>
-          <p:cNvSpPr>
-            <a:spLocks noGrp="1"/>
-          </p:cNvSpPr>
-          <p:nvPr>
-            <p:ph type="title"/>
-          </p:nvPr>
+          <p:cNvPr id="7" name="직사각형 6"/>
+          <p:cNvSpPr/>
+          <p:nvPr/>
         </p:nvSpPr>
         <p:spPr>
           <a:xfrm>
-            <a:off x="838200" y="365125"/>
-            <a:ext cx="10515600" cy="671195"/>
+            <a:off x="2166674" y="1392350"/>
+            <a:ext cx="4683013" cy="533907"/>
           </a:xfrm>
+          <a:prstGeom prst="rect">
+            <a:avLst/>
+          </a:prstGeom>
+          <a:noFill/>
+          <a:ln w="38100">
+            <a:solidFill>
+              <a:srgbClr val="FF0000"/>
+            </a:solidFill>
+          </a:ln>
         </p:spPr>
+        <p:style>
+          <a:lnRef idx="2">
+            <a:schemeClr val="accent1">
+              <a:shade val="50000"/>
+            </a:schemeClr>
+          </a:lnRef>
+          <a:fillRef idx="1">
+            <a:schemeClr val="accent1"/>
+          </a:fillRef>
+          <a:effectRef idx="0">
+            <a:schemeClr val="accent1"/>
+          </a:effectRef>
+          <a:fontRef idx="minor">
+            <a:schemeClr val="lt1"/>
+          </a:fontRef>
+        </p:style>
         <p:txBody>
-          <a:bodyPr>
-            <a:normAutofit fontScale="90000"/>
-          </a:bodyPr>
+          <a:bodyPr rtlCol="0" anchor="ctr"/>
           <a:lstStyle/>
           <a:p>
-            <a:r>
-              <a:rPr lang="ko-KR" altLang="en-US" b="1" dirty="0" smtClean="0"/>
-              <a:t>회복기법</a:t>
-            </a:r>
-            <a:endParaRPr lang="ko-KR" altLang="en-US" b="1" dirty="0"/>
+            <a:pPr algn="ctr"/>
+            <a:endParaRPr lang="ko-KR" altLang="en-US"/>
+          </a:p>
+        </p:txBody>
+      </p:sp>
+      <p:pic>
+        <p:nvPicPr>
+          <p:cNvPr id="8" name="그림 7"/>
+          <p:cNvPicPr>
+            <a:picLocks noChangeAspect="1"/>
+          </p:cNvPicPr>
+          <p:nvPr/>
+        </p:nvPicPr>
+        <p:blipFill>
+          <a:blip r:embed="rId3">
+            <a:extLst>
+              <a:ext uri="{28A0092B-C50C-407E-A947-70E740481C1C}">
+                <a14:useLocalDpi xmlns:a14="http://schemas.microsoft.com/office/drawing/2010/main" val="0"/>
+              </a:ext>
+            </a:extLst>
+          </a:blip>
+          <a:stretch>
+            <a:fillRect/>
+          </a:stretch>
+        </p:blipFill>
+        <p:spPr>
+          <a:xfrm>
+            <a:off x="1040306" y="3646646"/>
+            <a:ext cx="7230858" cy="2189160"/>
+          </a:xfrm>
+          <a:prstGeom prst="rect">
+            <a:avLst/>
+          </a:prstGeom>
+        </p:spPr>
+      </p:pic>
+      <p:sp>
+        <p:nvSpPr>
+          <p:cNvPr id="9" name="직사각형 8"/>
+          <p:cNvSpPr/>
+          <p:nvPr/>
+        </p:nvSpPr>
+        <p:spPr>
+          <a:xfrm>
+            <a:off x="2260886" y="3832167"/>
+            <a:ext cx="5827398" cy="723207"/>
+          </a:xfrm>
+          <a:prstGeom prst="rect">
+            <a:avLst/>
+          </a:prstGeom>
+          <a:noFill/>
+          <a:ln w="38100">
+            <a:solidFill>
+              <a:srgbClr val="FF0000"/>
+            </a:solidFill>
+          </a:ln>
+        </p:spPr>
+        <p:style>
+          <a:lnRef idx="2">
+            <a:schemeClr val="accent1">
+              <a:shade val="50000"/>
+            </a:schemeClr>
+          </a:lnRef>
+          <a:fillRef idx="1">
+            <a:schemeClr val="accent1"/>
+          </a:fillRef>
+          <a:effectRef idx="0">
+            <a:schemeClr val="accent1"/>
+          </a:effectRef>
+          <a:fontRef idx="minor">
+            <a:schemeClr val="lt1"/>
+          </a:fontRef>
+        </p:style>
+        <p:txBody>
+          <a:bodyPr rtlCol="0" anchor="ctr"/>
+          <a:lstStyle/>
+          <a:p>
+            <a:pPr algn="ctr"/>
+            <a:endParaRPr lang="ko-KR" altLang="en-US"/>
           </a:p>
         </p:txBody>
       </p:sp>
       <p:sp>
         <p:nvSpPr>
-          <p:cNvPr id="5" name="내용 개체 틀 2"/>
-          <p:cNvSpPr>
-            <a:spLocks noGrp="1"/>
-          </p:cNvSpPr>
-          <p:nvPr>
-            <p:ph idx="1"/>
-          </p:nvPr>
+          <p:cNvPr id="10" name="TextBox 9"/>
+          <p:cNvSpPr txBox="1"/>
+          <p:nvPr/>
         </p:nvSpPr>
         <p:spPr>
           <a:xfrm>
-            <a:off x="838200" y="1267968"/>
-            <a:ext cx="10515600" cy="4908995"/>
+            <a:off x="7827324" y="1659303"/>
+            <a:ext cx="3483032" cy="646331"/>
           </a:xfrm>
+          <a:prstGeom prst="rect">
+            <a:avLst/>
+          </a:prstGeom>
+          <a:noFill/>
         </p:spPr>
         <p:txBody>
-          <a:bodyPr>
-            <a:noAutofit/>
+          <a:bodyPr wrap="square" rtlCol="0">
+            <a:spAutoFit/>
           </a:bodyPr>
           <a:lstStyle/>
           <a:p>
-            <a:pPr>
-              <a:lnSpc>
-                <a:spcPct val="150000"/>
-              </a:lnSpc>
-            </a:pPr>
-            <a:r>
-              <a:rPr lang="ko-KR" altLang="en-US" sz="1800" b="1" dirty="0" smtClean="0"/>
-              <a:t>즉시갱신 기법</a:t>
-            </a:r>
-            <a:endParaRPr lang="en-US" altLang="ko-KR" sz="1800" b="1" dirty="0" smtClean="0"/>
-          </a:p>
-          <a:p>
-            <a:pPr lvl="1">
-              <a:lnSpc>
-                <a:spcPct val="150000"/>
-              </a:lnSpc>
-            </a:pPr>
-            <a:r>
-              <a:rPr lang="ko-KR" altLang="en-US" sz="1800" dirty="0" smtClean="0"/>
-              <a:t>트랜잭션이 실행</a:t>
-            </a:r>
-            <a:r>
-              <a:rPr lang="en-US" altLang="ko-KR" sz="1800" dirty="0" smtClean="0"/>
-              <a:t>(</a:t>
-            </a:r>
-            <a:r>
-              <a:rPr lang="ko-KR" altLang="en-US" sz="1800" dirty="0" smtClean="0"/>
-              <a:t>활동</a:t>
-            </a:r>
-            <a:r>
-              <a:rPr lang="en-US" altLang="ko-KR" sz="1800" dirty="0" smtClean="0"/>
-              <a:t>) </a:t>
-            </a:r>
-            <a:r>
-              <a:rPr lang="ko-KR" altLang="en-US" sz="1800" dirty="0" smtClean="0"/>
-              <a:t>상태에서 변경되는 내용을 바로 데이터베이스에 적용</a:t>
-            </a:r>
-            <a:endParaRPr lang="en-US" altLang="ko-KR" sz="1800" dirty="0" smtClean="0"/>
-          </a:p>
-          <a:p>
-            <a:pPr lvl="1">
-              <a:lnSpc>
-                <a:spcPct val="150000"/>
-              </a:lnSpc>
-            </a:pPr>
-            <a:r>
-              <a:rPr lang="ko-KR" altLang="en-US" sz="1800" dirty="0" smtClean="0"/>
-              <a:t>변경되는 모든 내용은 로그</a:t>
-            </a:r>
-            <a:r>
-              <a:rPr lang="en-US" altLang="ko-KR" sz="1800" dirty="0" smtClean="0"/>
-              <a:t>(Log)</a:t>
-            </a:r>
-            <a:r>
-              <a:rPr lang="ko-KR" altLang="en-US" sz="1800" dirty="0" smtClean="0"/>
-              <a:t>에 기록하여 장애 발생 시 로그</a:t>
-            </a:r>
-            <a:r>
-              <a:rPr lang="en-US" altLang="ko-KR" sz="1800" dirty="0" smtClean="0"/>
-              <a:t>(Log)</a:t>
-            </a:r>
-            <a:r>
-              <a:rPr lang="ko-KR" altLang="en-US" sz="1800" dirty="0" smtClean="0"/>
-              <a:t>의 내용을 토대로 회복</a:t>
-            </a:r>
-            <a:endParaRPr lang="en-US" altLang="ko-KR" sz="1800" dirty="0" smtClean="0"/>
-          </a:p>
-          <a:p>
-            <a:pPr>
-              <a:lnSpc>
-                <a:spcPct val="150000"/>
-              </a:lnSpc>
-            </a:pPr>
-            <a:r>
-              <a:rPr lang="ko-KR" altLang="en-US" sz="1800" b="1" dirty="0" smtClean="0"/>
-              <a:t>지연 갱신 기법</a:t>
-            </a:r>
-            <a:endParaRPr lang="en-US" altLang="ko-KR" sz="1800" b="1" dirty="0" smtClean="0"/>
-          </a:p>
-          <a:p>
-            <a:pPr lvl="1">
-              <a:lnSpc>
-                <a:spcPct val="150000"/>
-              </a:lnSpc>
-            </a:pPr>
-            <a:r>
-              <a:rPr lang="ko-KR" altLang="en-US" sz="1800" dirty="0" smtClean="0"/>
-              <a:t>트랜잭션이 수행되어 부분 완료 될 때까지 데이터베이스에 적용하지 않고 지연시킨 후 부분 완료가 되면 로그</a:t>
-            </a:r>
-            <a:r>
-              <a:rPr lang="en-US" altLang="ko-KR" sz="1800" dirty="0" smtClean="0"/>
-              <a:t>(Log)</a:t>
-            </a:r>
-            <a:r>
-              <a:rPr lang="ko-KR" altLang="en-US" sz="1800" dirty="0" smtClean="0"/>
-              <a:t>의 내용을 토대로 데이터베이스에 적용</a:t>
-            </a:r>
-            <a:endParaRPr lang="en-US" altLang="ko-KR" sz="1800" b="1" dirty="0" smtClean="0"/>
-          </a:p>
-          <a:p>
-            <a:pPr>
-              <a:lnSpc>
-                <a:spcPct val="150000"/>
-              </a:lnSpc>
-            </a:pPr>
-            <a:endParaRPr lang="en-US" altLang="ko-KR" sz="1800" dirty="0" smtClean="0"/>
-          </a:p>
-          <a:p>
-            <a:pPr>
-              <a:lnSpc>
-                <a:spcPct val="150000"/>
-              </a:lnSpc>
-            </a:pPr>
-            <a:endParaRPr lang="en-US" altLang="ko-KR" sz="1800" dirty="0" smtClean="0"/>
+            <a:r>
+              <a:rPr lang="ko-KR" altLang="en-US" dirty="0" smtClean="0"/>
+              <a:t>조건 없이 </a:t>
+            </a:r>
+            <a:r>
+              <a:rPr lang="en-US" altLang="ko-KR" dirty="0" smtClean="0"/>
+              <a:t>delete</a:t>
+            </a:r>
+            <a:r>
+              <a:rPr lang="ko-KR" altLang="en-US" dirty="0" smtClean="0"/>
+              <a:t>를 해서 모든 데이터가 삭제 됨</a:t>
+            </a:r>
+            <a:endParaRPr lang="ko-KR" altLang="en-US" dirty="0"/>
           </a:p>
         </p:txBody>
       </p:sp>
     </p:spTree>
     <p:extLst>
       <p:ext uri="{BB962C8B-B14F-4D97-AF65-F5344CB8AC3E}">
-        <p14:creationId xmlns:p14="http://schemas.microsoft.com/office/powerpoint/2010/main" val="3064529855"/>
+        <p14:creationId xmlns:p14="http://schemas.microsoft.com/office/powerpoint/2010/main" val="1842441555"/>
       </p:ext>
     </p:extLst>
   </p:cSld>
